--- a/Lessons/Lesson_1_version_control_systems.pptx
+++ b/Lessons/Lesson_1_version_control_systems.pptx
@@ -4,6 +4,9 @@
   <p:sldMasterIdLst>
     <p:sldMasterId id="2147483673" r:id="rId1"/>
   </p:sldMasterIdLst>
+  <p:notesMasterIdLst>
+    <p:notesMasterId r:id="rId23"/>
+  </p:notesMasterIdLst>
   <p:sldIdLst>
     <p:sldId id="256" r:id="rId2"/>
     <p:sldId id="257" r:id="rId3"/>
@@ -11,10 +14,21 @@
     <p:sldId id="260" r:id="rId5"/>
     <p:sldId id="259" r:id="rId6"/>
     <p:sldId id="261" r:id="rId7"/>
-    <p:sldId id="263" r:id="rId8"/>
-    <p:sldId id="262" r:id="rId9"/>
-    <p:sldId id="265" r:id="rId10"/>
-    <p:sldId id="264" r:id="rId11"/>
+    <p:sldId id="273" r:id="rId8"/>
+    <p:sldId id="274" r:id="rId9"/>
+    <p:sldId id="272" r:id="rId10"/>
+    <p:sldId id="271" r:id="rId11"/>
+    <p:sldId id="266" r:id="rId12"/>
+    <p:sldId id="267" r:id="rId13"/>
+    <p:sldId id="268" r:id="rId14"/>
+    <p:sldId id="269" r:id="rId15"/>
+    <p:sldId id="270" r:id="rId16"/>
+    <p:sldId id="277" r:id="rId17"/>
+    <p:sldId id="263" r:id="rId18"/>
+    <p:sldId id="262" r:id="rId19"/>
+    <p:sldId id="275" r:id="rId20"/>
+    <p:sldId id="265" r:id="rId21"/>
+    <p:sldId id="264" r:id="rId22"/>
   </p:sldIdLst>
   <p:sldSz cx="12192000" cy="6858000"/>
   <p:notesSz cx="6858000" cy="9144000"/>
@@ -121,6 +135,524 @@
 </p:presentation>
 </file>
 
+<file path=ppt/notesMasters/notesMaster1.xml><?xml version="1.0" encoding="utf-8"?>
+<p:notesMaster xmlns:a="http://schemas.openxmlformats.org/drawingml/2006/main" xmlns:r="http://schemas.openxmlformats.org/officeDocument/2006/relationships" xmlns:p="http://schemas.openxmlformats.org/presentationml/2006/main">
+  <p:cSld>
+    <p:bg>
+      <p:bgRef idx="1001">
+        <a:schemeClr val="bg1"/>
+      </p:bgRef>
+    </p:bg>
+    <p:spTree>
+      <p:nvGrpSpPr>
+        <p:cNvPr id="1" name=""/>
+        <p:cNvGrpSpPr/>
+        <p:nvPr/>
+      </p:nvGrpSpPr>
+      <p:grpSpPr>
+        <a:xfrm>
+          <a:off x="0" y="0"/>
+          <a:ext cx="0" cy="0"/>
+          <a:chOff x="0" y="0"/>
+          <a:chExt cx="0" cy="0"/>
+        </a:xfrm>
+      </p:grpSpPr>
+      <p:sp>
+        <p:nvSpPr>
+          <p:cNvPr id="2" name="Header Placeholder 1"/>
+          <p:cNvSpPr>
+            <a:spLocks noGrp="1"/>
+          </p:cNvSpPr>
+          <p:nvPr>
+            <p:ph type="hdr" sz="quarter"/>
+          </p:nvPr>
+        </p:nvSpPr>
+        <p:spPr>
+          <a:xfrm>
+            <a:off x="0" y="0"/>
+            <a:ext cx="2971800" cy="458788"/>
+          </a:xfrm>
+          <a:prstGeom prst="rect">
+            <a:avLst/>
+          </a:prstGeom>
+        </p:spPr>
+        <p:txBody>
+          <a:bodyPr vert="horz" lIns="91440" tIns="45720" rIns="91440" bIns="45720" rtlCol="0"/>
+          <a:lstStyle>
+            <a:lvl1pPr algn="l">
+              <a:defRPr sz="1200"/>
+            </a:lvl1pPr>
+          </a:lstStyle>
+          <a:p>
+            <a:endParaRPr lang="en-GB"/>
+          </a:p>
+        </p:txBody>
+      </p:sp>
+      <p:sp>
+        <p:nvSpPr>
+          <p:cNvPr id="3" name="Date Placeholder 2"/>
+          <p:cNvSpPr>
+            <a:spLocks noGrp="1"/>
+          </p:cNvSpPr>
+          <p:nvPr>
+            <p:ph type="dt" idx="1"/>
+          </p:nvPr>
+        </p:nvSpPr>
+        <p:spPr>
+          <a:xfrm>
+            <a:off x="3884613" y="0"/>
+            <a:ext cx="2971800" cy="458788"/>
+          </a:xfrm>
+          <a:prstGeom prst="rect">
+            <a:avLst/>
+          </a:prstGeom>
+        </p:spPr>
+        <p:txBody>
+          <a:bodyPr vert="horz" lIns="91440" tIns="45720" rIns="91440" bIns="45720" rtlCol="0"/>
+          <a:lstStyle>
+            <a:lvl1pPr algn="r">
+              <a:defRPr sz="1200"/>
+            </a:lvl1pPr>
+          </a:lstStyle>
+          <a:p>
+            <a:fld id="{04FFD821-FC74-4276-BAFD-11806AC1BAE6}" type="datetimeFigureOut">
+              <a:rPr lang="en-GB" smtClean="0"/>
+              <a:t>02/01/2025</a:t>
+            </a:fld>
+            <a:endParaRPr lang="en-GB"/>
+          </a:p>
+        </p:txBody>
+      </p:sp>
+      <p:sp>
+        <p:nvSpPr>
+          <p:cNvPr id="4" name="Slide Image Placeholder 3"/>
+          <p:cNvSpPr>
+            <a:spLocks noGrp="1" noRot="1" noChangeAspect="1"/>
+          </p:cNvSpPr>
+          <p:nvPr>
+            <p:ph type="sldImg" idx="2"/>
+          </p:nvPr>
+        </p:nvSpPr>
+        <p:spPr>
+          <a:xfrm>
+            <a:off x="685800" y="1143000"/>
+            <a:ext cx="5486400" cy="3086100"/>
+          </a:xfrm>
+          <a:prstGeom prst="rect">
+            <a:avLst/>
+          </a:prstGeom>
+          <a:noFill/>
+          <a:ln w="12700">
+            <a:solidFill>
+              <a:prstClr val="black"/>
+            </a:solidFill>
+          </a:ln>
+        </p:spPr>
+        <p:txBody>
+          <a:bodyPr vert="horz" lIns="91440" tIns="45720" rIns="91440" bIns="45720" rtlCol="0" anchor="ctr"/>
+          <a:lstStyle/>
+          <a:p>
+            <a:endParaRPr lang="en-GB"/>
+          </a:p>
+        </p:txBody>
+      </p:sp>
+      <p:sp>
+        <p:nvSpPr>
+          <p:cNvPr id="5" name="Notes Placeholder 4"/>
+          <p:cNvSpPr>
+            <a:spLocks noGrp="1"/>
+          </p:cNvSpPr>
+          <p:nvPr>
+            <p:ph type="body" sz="quarter" idx="3"/>
+          </p:nvPr>
+        </p:nvSpPr>
+        <p:spPr>
+          <a:xfrm>
+            <a:off x="685800" y="4400550"/>
+            <a:ext cx="5486400" cy="3600450"/>
+          </a:xfrm>
+          <a:prstGeom prst="rect">
+            <a:avLst/>
+          </a:prstGeom>
+        </p:spPr>
+        <p:txBody>
+          <a:bodyPr vert="horz" lIns="91440" tIns="45720" rIns="91440" bIns="45720" rtlCol="0"/>
+          <a:lstStyle/>
+          <a:p>
+            <a:pPr lvl="0"/>
+            <a:r>
+              <a:rPr lang="en-US"/>
+              <a:t>Click to edit Master text styles</a:t>
+            </a:r>
+          </a:p>
+          <a:p>
+            <a:pPr lvl="1"/>
+            <a:r>
+              <a:rPr lang="en-US"/>
+              <a:t>Second level</a:t>
+            </a:r>
+          </a:p>
+          <a:p>
+            <a:pPr lvl="2"/>
+            <a:r>
+              <a:rPr lang="en-US"/>
+              <a:t>Third level</a:t>
+            </a:r>
+          </a:p>
+          <a:p>
+            <a:pPr lvl="3"/>
+            <a:r>
+              <a:rPr lang="en-US"/>
+              <a:t>Fourth level</a:t>
+            </a:r>
+          </a:p>
+          <a:p>
+            <a:pPr lvl="4"/>
+            <a:r>
+              <a:rPr lang="en-US"/>
+              <a:t>Fifth level</a:t>
+            </a:r>
+            <a:endParaRPr lang="en-GB"/>
+          </a:p>
+        </p:txBody>
+      </p:sp>
+      <p:sp>
+        <p:nvSpPr>
+          <p:cNvPr id="6" name="Footer Placeholder 5"/>
+          <p:cNvSpPr>
+            <a:spLocks noGrp="1"/>
+          </p:cNvSpPr>
+          <p:nvPr>
+            <p:ph type="ftr" sz="quarter" idx="4"/>
+          </p:nvPr>
+        </p:nvSpPr>
+        <p:spPr>
+          <a:xfrm>
+            <a:off x="0" y="8685213"/>
+            <a:ext cx="2971800" cy="458787"/>
+          </a:xfrm>
+          <a:prstGeom prst="rect">
+            <a:avLst/>
+          </a:prstGeom>
+        </p:spPr>
+        <p:txBody>
+          <a:bodyPr vert="horz" lIns="91440" tIns="45720" rIns="91440" bIns="45720" rtlCol="0" anchor="b"/>
+          <a:lstStyle>
+            <a:lvl1pPr algn="l">
+              <a:defRPr sz="1200"/>
+            </a:lvl1pPr>
+          </a:lstStyle>
+          <a:p>
+            <a:endParaRPr lang="en-GB"/>
+          </a:p>
+        </p:txBody>
+      </p:sp>
+      <p:sp>
+        <p:nvSpPr>
+          <p:cNvPr id="7" name="Slide Number Placeholder 6"/>
+          <p:cNvSpPr>
+            <a:spLocks noGrp="1"/>
+          </p:cNvSpPr>
+          <p:nvPr>
+            <p:ph type="sldNum" sz="quarter" idx="5"/>
+          </p:nvPr>
+        </p:nvSpPr>
+        <p:spPr>
+          <a:xfrm>
+            <a:off x="3884613" y="8685213"/>
+            <a:ext cx="2971800" cy="458787"/>
+          </a:xfrm>
+          <a:prstGeom prst="rect">
+            <a:avLst/>
+          </a:prstGeom>
+        </p:spPr>
+        <p:txBody>
+          <a:bodyPr vert="horz" lIns="91440" tIns="45720" rIns="91440" bIns="45720" rtlCol="0" anchor="b"/>
+          <a:lstStyle>
+            <a:lvl1pPr algn="r">
+              <a:defRPr sz="1200"/>
+            </a:lvl1pPr>
+          </a:lstStyle>
+          <a:p>
+            <a:fld id="{CB2F5E93-83EC-4079-9491-F2346BBC5DAB}" type="slidenum">
+              <a:rPr lang="en-GB" smtClean="0"/>
+              <a:t>‹#›</a:t>
+            </a:fld>
+            <a:endParaRPr lang="en-GB"/>
+          </a:p>
+        </p:txBody>
+      </p:sp>
+    </p:spTree>
+    <p:extLst>
+      <p:ext uri="{BB962C8B-B14F-4D97-AF65-F5344CB8AC3E}">
+        <p14:creationId xmlns:p14="http://schemas.microsoft.com/office/powerpoint/2010/main" val="355702373"/>
+      </p:ext>
+    </p:extLst>
+  </p:cSld>
+  <p:clrMap bg1="lt1" tx1="dk1" bg2="lt2" tx2="dk2" accent1="accent1" accent2="accent2" accent3="accent3" accent4="accent4" accent5="accent5" accent6="accent6" hlink="hlink" folHlink="folHlink"/>
+  <p:notesStyle>
+    <a:lvl1pPr marL="0" algn="l" defTabSz="914400" rtl="0" eaLnBrk="1" latinLnBrk="0" hangingPunct="1">
+      <a:defRPr sz="1200" kern="1200">
+        <a:solidFill>
+          <a:schemeClr val="tx1"/>
+        </a:solidFill>
+        <a:latin typeface="+mn-lt"/>
+        <a:ea typeface="+mn-ea"/>
+        <a:cs typeface="+mn-cs"/>
+      </a:defRPr>
+    </a:lvl1pPr>
+    <a:lvl2pPr marL="457200" algn="l" defTabSz="914400" rtl="0" eaLnBrk="1" latinLnBrk="0" hangingPunct="1">
+      <a:defRPr sz="1200" kern="1200">
+        <a:solidFill>
+          <a:schemeClr val="tx1"/>
+        </a:solidFill>
+        <a:latin typeface="+mn-lt"/>
+        <a:ea typeface="+mn-ea"/>
+        <a:cs typeface="+mn-cs"/>
+      </a:defRPr>
+    </a:lvl2pPr>
+    <a:lvl3pPr marL="914400" algn="l" defTabSz="914400" rtl="0" eaLnBrk="1" latinLnBrk="0" hangingPunct="1">
+      <a:defRPr sz="1200" kern="1200">
+        <a:solidFill>
+          <a:schemeClr val="tx1"/>
+        </a:solidFill>
+        <a:latin typeface="+mn-lt"/>
+        <a:ea typeface="+mn-ea"/>
+        <a:cs typeface="+mn-cs"/>
+      </a:defRPr>
+    </a:lvl3pPr>
+    <a:lvl4pPr marL="1371600" algn="l" defTabSz="914400" rtl="0" eaLnBrk="1" latinLnBrk="0" hangingPunct="1">
+      <a:defRPr sz="1200" kern="1200">
+        <a:solidFill>
+          <a:schemeClr val="tx1"/>
+        </a:solidFill>
+        <a:latin typeface="+mn-lt"/>
+        <a:ea typeface="+mn-ea"/>
+        <a:cs typeface="+mn-cs"/>
+      </a:defRPr>
+    </a:lvl4pPr>
+    <a:lvl5pPr marL="1828800" algn="l" defTabSz="914400" rtl="0" eaLnBrk="1" latinLnBrk="0" hangingPunct="1">
+      <a:defRPr sz="1200" kern="1200">
+        <a:solidFill>
+          <a:schemeClr val="tx1"/>
+        </a:solidFill>
+        <a:latin typeface="+mn-lt"/>
+        <a:ea typeface="+mn-ea"/>
+        <a:cs typeface="+mn-cs"/>
+      </a:defRPr>
+    </a:lvl5pPr>
+    <a:lvl6pPr marL="2286000" algn="l" defTabSz="914400" rtl="0" eaLnBrk="1" latinLnBrk="0" hangingPunct="1">
+      <a:defRPr sz="1200" kern="1200">
+        <a:solidFill>
+          <a:schemeClr val="tx1"/>
+        </a:solidFill>
+        <a:latin typeface="+mn-lt"/>
+        <a:ea typeface="+mn-ea"/>
+        <a:cs typeface="+mn-cs"/>
+      </a:defRPr>
+    </a:lvl6pPr>
+    <a:lvl7pPr marL="2743200" algn="l" defTabSz="914400" rtl="0" eaLnBrk="1" latinLnBrk="0" hangingPunct="1">
+      <a:defRPr sz="1200" kern="1200">
+        <a:solidFill>
+          <a:schemeClr val="tx1"/>
+        </a:solidFill>
+        <a:latin typeface="+mn-lt"/>
+        <a:ea typeface="+mn-ea"/>
+        <a:cs typeface="+mn-cs"/>
+      </a:defRPr>
+    </a:lvl7pPr>
+    <a:lvl8pPr marL="3200400" algn="l" defTabSz="914400" rtl="0" eaLnBrk="1" latinLnBrk="0" hangingPunct="1">
+      <a:defRPr sz="1200" kern="1200">
+        <a:solidFill>
+          <a:schemeClr val="tx1"/>
+        </a:solidFill>
+        <a:latin typeface="+mn-lt"/>
+        <a:ea typeface="+mn-ea"/>
+        <a:cs typeface="+mn-cs"/>
+      </a:defRPr>
+    </a:lvl8pPr>
+    <a:lvl9pPr marL="3657600" algn="l" defTabSz="914400" rtl="0" eaLnBrk="1" latinLnBrk="0" hangingPunct="1">
+      <a:defRPr sz="1200" kern="1200">
+        <a:solidFill>
+          <a:schemeClr val="tx1"/>
+        </a:solidFill>
+        <a:latin typeface="+mn-lt"/>
+        <a:ea typeface="+mn-ea"/>
+        <a:cs typeface="+mn-cs"/>
+      </a:defRPr>
+    </a:lvl9pPr>
+  </p:notesStyle>
+</p:notesMaster>
+</file>
+
+<file path=ppt/notesSlides/notesSlide1.xml><?xml version="1.0" encoding="utf-8"?>
+<p:notes xmlns:a="http://schemas.openxmlformats.org/drawingml/2006/main" xmlns:r="http://schemas.openxmlformats.org/officeDocument/2006/relationships" xmlns:p="http://schemas.openxmlformats.org/presentationml/2006/main">
+  <p:cSld>
+    <p:spTree>
+      <p:nvGrpSpPr>
+        <p:cNvPr id="1" name=""/>
+        <p:cNvGrpSpPr/>
+        <p:nvPr/>
+      </p:nvGrpSpPr>
+      <p:grpSpPr>
+        <a:xfrm>
+          <a:off x="0" y="0"/>
+          <a:ext cx="0" cy="0"/>
+          <a:chOff x="0" y="0"/>
+          <a:chExt cx="0" cy="0"/>
+        </a:xfrm>
+      </p:grpSpPr>
+      <p:sp>
+        <p:nvSpPr>
+          <p:cNvPr id="2" name="Slide Image Placeholder 1"/>
+          <p:cNvSpPr>
+            <a:spLocks noGrp="1" noRot="1" noChangeAspect="1"/>
+          </p:cNvSpPr>
+          <p:nvPr>
+            <p:ph type="sldImg"/>
+          </p:nvPr>
+        </p:nvSpPr>
+        <p:spPr/>
+      </p:sp>
+      <p:sp>
+        <p:nvSpPr>
+          <p:cNvPr id="3" name="Notes Placeholder 2"/>
+          <p:cNvSpPr>
+            <a:spLocks noGrp="1"/>
+          </p:cNvSpPr>
+          <p:nvPr>
+            <p:ph type="body" idx="1"/>
+          </p:nvPr>
+        </p:nvSpPr>
+        <p:spPr/>
+        <p:txBody>
+          <a:bodyPr/>
+          <a:lstStyle/>
+          <a:p>
+            <a:endParaRPr lang="en-GB" dirty="0"/>
+          </a:p>
+        </p:txBody>
+      </p:sp>
+      <p:sp>
+        <p:nvSpPr>
+          <p:cNvPr id="4" name="Slide Number Placeholder 3"/>
+          <p:cNvSpPr>
+            <a:spLocks noGrp="1"/>
+          </p:cNvSpPr>
+          <p:nvPr>
+            <p:ph type="sldNum" sz="quarter" idx="5"/>
+          </p:nvPr>
+        </p:nvSpPr>
+        <p:spPr/>
+        <p:txBody>
+          <a:bodyPr/>
+          <a:lstStyle/>
+          <a:p>
+            <a:fld id="{CB2F5E93-83EC-4079-9491-F2346BBC5DAB}" type="slidenum">
+              <a:rPr lang="en-GB" smtClean="0"/>
+              <a:t>16</a:t>
+            </a:fld>
+            <a:endParaRPr lang="en-GB"/>
+          </a:p>
+        </p:txBody>
+      </p:sp>
+    </p:spTree>
+    <p:extLst>
+      <p:ext uri="{BB962C8B-B14F-4D97-AF65-F5344CB8AC3E}">
+        <p14:creationId xmlns:p14="http://schemas.microsoft.com/office/powerpoint/2010/main" val="1106824602"/>
+      </p:ext>
+    </p:extLst>
+  </p:cSld>
+  <p:clrMapOvr>
+    <a:masterClrMapping/>
+  </p:clrMapOvr>
+</p:notes>
+</file>
+
+<file path=ppt/notesSlides/notesSlide2.xml><?xml version="1.0" encoding="utf-8"?>
+<p:notes xmlns:a="http://schemas.openxmlformats.org/drawingml/2006/main" xmlns:r="http://schemas.openxmlformats.org/officeDocument/2006/relationships" xmlns:p="http://schemas.openxmlformats.org/presentationml/2006/main">
+  <p:cSld>
+    <p:spTree>
+      <p:nvGrpSpPr>
+        <p:cNvPr id="1" name=""/>
+        <p:cNvGrpSpPr/>
+        <p:nvPr/>
+      </p:nvGrpSpPr>
+      <p:grpSpPr>
+        <a:xfrm>
+          <a:off x="0" y="0"/>
+          <a:ext cx="0" cy="0"/>
+          <a:chOff x="0" y="0"/>
+          <a:chExt cx="0" cy="0"/>
+        </a:xfrm>
+      </p:grpSpPr>
+      <p:sp>
+        <p:nvSpPr>
+          <p:cNvPr id="2" name="Slide Image Placeholder 1"/>
+          <p:cNvSpPr>
+            <a:spLocks noGrp="1" noRot="1" noChangeAspect="1"/>
+          </p:cNvSpPr>
+          <p:nvPr>
+            <p:ph type="sldImg"/>
+          </p:nvPr>
+        </p:nvSpPr>
+        <p:spPr/>
+      </p:sp>
+      <p:sp>
+        <p:nvSpPr>
+          <p:cNvPr id="3" name="Notes Placeholder 2"/>
+          <p:cNvSpPr>
+            <a:spLocks noGrp="1"/>
+          </p:cNvSpPr>
+          <p:nvPr>
+            <p:ph type="body" idx="1"/>
+          </p:nvPr>
+        </p:nvSpPr>
+        <p:spPr/>
+        <p:txBody>
+          <a:bodyPr/>
+          <a:lstStyle/>
+          <a:p>
+            <a:endParaRPr lang="en-GB" dirty="0"/>
+          </a:p>
+        </p:txBody>
+      </p:sp>
+      <p:sp>
+        <p:nvSpPr>
+          <p:cNvPr id="4" name="Slide Number Placeholder 3"/>
+          <p:cNvSpPr>
+            <a:spLocks noGrp="1"/>
+          </p:cNvSpPr>
+          <p:nvPr>
+            <p:ph type="sldNum" sz="quarter" idx="5"/>
+          </p:nvPr>
+        </p:nvSpPr>
+        <p:spPr/>
+        <p:txBody>
+          <a:bodyPr/>
+          <a:lstStyle/>
+          <a:p>
+            <a:fld id="{CB2F5E93-83EC-4079-9491-F2346BBC5DAB}" type="slidenum">
+              <a:rPr lang="en-GB" smtClean="0"/>
+              <a:t>19</a:t>
+            </a:fld>
+            <a:endParaRPr lang="en-GB"/>
+          </a:p>
+        </p:txBody>
+      </p:sp>
+    </p:spTree>
+    <p:extLst>
+      <p:ext uri="{BB962C8B-B14F-4D97-AF65-F5344CB8AC3E}">
+        <p14:creationId xmlns:p14="http://schemas.microsoft.com/office/powerpoint/2010/main" val="1063582869"/>
+      </p:ext>
+    </p:extLst>
+  </p:cSld>
+  <p:clrMapOvr>
+    <a:masterClrMapping/>
+  </p:clrMapOvr>
+</p:notes>
+</file>
+
 <file path=ppt/slideLayouts/slideLayout1.xml><?xml version="1.0" encoding="utf-8"?>
 <p:sldLayout xmlns:a="http://schemas.openxmlformats.org/drawingml/2006/main" xmlns:r="http://schemas.openxmlformats.org/officeDocument/2006/relationships" xmlns:p="http://schemas.openxmlformats.org/presentationml/2006/main" type="title" preserve="1">
   <p:cSld name="Title Slide">
@@ -277,7 +809,7 @@
             <a:fld id="{11A6662E-FAF4-44BC-88B5-85A7CBFB6D30}" type="datetime1">
               <a:rPr lang="en-US" smtClean="0"/>
               <a:pPr/>
-              <a:t>12/31/2024</a:t>
+              <a:t>1/2/2025</a:t>
             </a:fld>
             <a:endParaRPr lang="en-US"/>
           </a:p>
@@ -488,7 +1020,7 @@
           <a:p>
             <a:fld id="{4C559632-1575-4E14-B53B-3DC3D5ED3947}" type="datetime1">
               <a:rPr lang="en-US" smtClean="0"/>
-              <a:t>12/31/2024</a:t>
+              <a:t>1/2/2025</a:t>
             </a:fld>
             <a:endParaRPr lang="en-US"/>
           </a:p>
@@ -696,7 +1228,7 @@
           <a:p>
             <a:fld id="{CC4A6868-2568-4CC9-B302-F37117B01A6E}" type="datetime1">
               <a:rPr lang="en-US" smtClean="0"/>
-              <a:t>12/31/2024</a:t>
+              <a:t>1/2/2025</a:t>
             </a:fld>
             <a:endParaRPr lang="en-US"/>
           </a:p>
@@ -899,7 +1431,7 @@
           <a:p>
             <a:fld id="{0055F08A-1E71-4B2B-BB49-E743F2903911}" type="datetime1">
               <a:rPr lang="en-US" smtClean="0"/>
-              <a:t>12/31/2024</a:t>
+              <a:t>1/2/2025</a:t>
             </a:fld>
             <a:endParaRPr lang="en-US" dirty="0"/>
           </a:p>
@@ -1173,7 +1705,7 @@
           <a:p>
             <a:fld id="{15417D9E-721A-44BB-8863-9873FE64DA75}" type="datetime1">
               <a:rPr lang="en-US" smtClean="0"/>
-              <a:t>12/31/2024</a:t>
+              <a:t>1/2/2025</a:t>
             </a:fld>
             <a:endParaRPr lang="en-US"/>
           </a:p>
@@ -1443,7 +1975,7 @@
           <a:p>
             <a:fld id="{5F31DA2F-80B8-49CF-99FB-5ABCA53A607A}" type="datetime1">
               <a:rPr lang="en-US" smtClean="0"/>
-              <a:t>12/31/2024</a:t>
+              <a:t>1/2/2025</a:t>
             </a:fld>
             <a:endParaRPr lang="en-US"/>
           </a:p>
@@ -1856,7 +2388,7 @@
           <a:p>
             <a:fld id="{28852172-E6C9-4B6C-929A-A9DE3837BBF1}" type="datetime1">
               <a:rPr lang="en-US" smtClean="0"/>
-              <a:t>12/31/2024</a:t>
+              <a:t>1/2/2025</a:t>
             </a:fld>
             <a:endParaRPr lang="en-US"/>
           </a:p>
@@ -2002,7 +2534,7 @@
           <a:p>
             <a:fld id="{3AB41CFF-90C9-47B3-9DA1-F2BF8D839F7E}" type="datetime1">
               <a:rPr lang="en-US" smtClean="0"/>
-              <a:t>12/31/2024</a:t>
+              <a:t>1/2/2025</a:t>
             </a:fld>
             <a:endParaRPr lang="en-US"/>
           </a:p>
@@ -2115,7 +2647,7 @@
           <a:p>
             <a:fld id="{F06048FA-06AB-4884-A69B-986B96E68A24}" type="datetime1">
               <a:rPr lang="en-US" smtClean="0"/>
-              <a:t>12/31/2024</a:t>
+              <a:t>1/2/2025</a:t>
             </a:fld>
             <a:endParaRPr lang="en-US"/>
           </a:p>
@@ -2426,7 +2958,7 @@
           <a:p>
             <a:fld id="{50DB7ABA-0172-4F9C-889D-567164F66BCD}" type="datetime1">
               <a:rPr lang="en-US" smtClean="0"/>
-              <a:t>12/31/2024</a:t>
+              <a:t>1/2/2025</a:t>
             </a:fld>
             <a:endParaRPr lang="en-US"/>
           </a:p>
@@ -2717,7 +3249,7 @@
           <a:p>
             <a:fld id="{78AC6A5B-8AE7-4A41-B5A7-9ADC6686DC18}" type="datetime1">
               <a:rPr lang="en-US" smtClean="0"/>
-              <a:t>12/31/2024</a:t>
+              <a:t>1/2/2025</a:t>
             </a:fld>
             <a:endParaRPr lang="en-US"/>
           </a:p>
@@ -3063,7 +3595,7 @@
             <a:fld id="{57E0CF6C-748E-4B7A-BC8B-3011EF78ED13}" type="datetime1">
               <a:rPr lang="en-US" smtClean="0"/>
               <a:pPr/>
-              <a:t>12/31/2024</a:t>
+              <a:t>1/2/2025</a:t>
             </a:fld>
             <a:endParaRPr lang="en-US" dirty="0"/>
           </a:p>
@@ -3851,7 +4383,13 @@
     </p:bg>
     <p:spTree>
       <p:nvGrpSpPr>
-        <p:cNvPr id="1" name=""/>
+        <p:cNvPr id="1" name="">
+          <a:extLst>
+            <a:ext uri="{FF2B5EF4-FFF2-40B4-BE49-F238E27FC236}">
+              <a16:creationId xmlns:a16="http://schemas.microsoft.com/office/drawing/2014/main" id="{6C69AE12-6E2C-8788-7C27-7A88CCBC4D45}"/>
+            </a:ext>
+          </a:extLst>
+        </p:cNvPr>
         <p:cNvGrpSpPr/>
         <p:nvPr/>
       </p:nvGrpSpPr>
@@ -3868,7 +4406,7 @@
           <p:cNvPr id="8" name="Rectangle 7">
             <a:extLst>
               <a:ext uri="{FF2B5EF4-FFF2-40B4-BE49-F238E27FC236}">
-                <a16:creationId xmlns:a16="http://schemas.microsoft.com/office/drawing/2014/main" id="{8651CFA9-6065-4243-AC48-858E359780B1}"/>
+                <a16:creationId xmlns:a16="http://schemas.microsoft.com/office/drawing/2014/main" id="{5385F837-5DC4-FE43-BEE3-DDC5CC9A9182}"/>
               </a:ext>
               <a:ext uri="{C183D7F6-B498-43B3-948B-1728B52AA6E4}">
                 <adec:decorative xmlns:adec="http://schemas.microsoft.com/office/drawing/2017/decorative" val="1"/>
@@ -3936,7 +4474,7 @@
           <p:cNvPr id="10" name="Rectangle 9">
             <a:extLst>
               <a:ext uri="{FF2B5EF4-FFF2-40B4-BE49-F238E27FC236}">
-                <a16:creationId xmlns:a16="http://schemas.microsoft.com/office/drawing/2014/main" id="{37962AE0-6A1C-4B76-9D52-10E5E6D7D3BB}"/>
+                <a16:creationId xmlns:a16="http://schemas.microsoft.com/office/drawing/2014/main" id="{B8B2559F-C243-B8A8-3B33-744DA4334BF6}"/>
               </a:ext>
               <a:ext uri="{C183D7F6-B498-43B3-948B-1728B52AA6E4}">
                 <adec:decorative xmlns:adec="http://schemas.microsoft.com/office/drawing/2017/decorative" val="1"/>
@@ -4009,7 +4547,7 @@
           <p:cNvPr id="12" name="Picture 11">
             <a:extLst>
               <a:ext uri="{FF2B5EF4-FFF2-40B4-BE49-F238E27FC236}">
-                <a16:creationId xmlns:a16="http://schemas.microsoft.com/office/drawing/2014/main" id="{F7C12EAC-BD05-461D-9D1F-0862BA1F4C88}"/>
+                <a16:creationId xmlns:a16="http://schemas.microsoft.com/office/drawing/2014/main" id="{C170DCF5-7320-794B-45C2-A10353A467E7}"/>
               </a:ext>
               <a:ext uri="{C183D7F6-B498-43B3-948B-1728B52AA6E4}">
                 <adec:decorative xmlns:adec="http://schemas.microsoft.com/office/drawing/2017/decorative" val="1"/>
@@ -4027,7 +4565,7 @@
             </p:extLst>
           </p:nvPr>
         </p:nvPicPr>
-        <p:blipFill>
+        <p:blipFill rotWithShape="1">
           <a:blip r:embed="rId2">
             <a:duotone>
               <a:schemeClr val="accent1">
@@ -4042,26 +4580,64 @@
               </a:ext>
             </a:extLst>
           </a:blip>
-          <a:stretch>
-            <a:fillRect/>
-          </a:stretch>
+          <a:srcRect t="37018" r="40625"/>
+          <a:stretch/>
         </p:blipFill>
         <p:spPr>
           <a:xfrm>
-            <a:off x="157480" y="76200"/>
-            <a:ext cx="2057400" cy="2057400"/>
+            <a:off x="10744200" y="0"/>
+            <a:ext cx="1447800" cy="1535750"/>
           </a:xfrm>
           <a:prstGeom prst="rect">
             <a:avLst/>
           </a:prstGeom>
         </p:spPr>
       </p:pic>
+      <p:sp>
+        <p:nvSpPr>
+          <p:cNvPr id="2" name="Title 1">
+            <a:extLst>
+              <a:ext uri="{FF2B5EF4-FFF2-40B4-BE49-F238E27FC236}">
+                <a16:creationId xmlns:a16="http://schemas.microsoft.com/office/drawing/2014/main" id="{69076477-633C-C6A3-012E-C7FD091B95F3}"/>
+              </a:ext>
+            </a:extLst>
+          </p:cNvPr>
+          <p:cNvSpPr>
+            <a:spLocks noGrp="1"/>
+          </p:cNvSpPr>
+          <p:nvPr>
+            <p:ph type="title"/>
+          </p:nvPr>
+        </p:nvSpPr>
+        <p:spPr>
+          <a:xfrm>
+            <a:off x="838201" y="559813"/>
+            <a:ext cx="10348146" cy="1675009"/>
+          </a:xfrm>
+        </p:spPr>
+        <p:txBody>
+          <a:bodyPr anchor="t">
+            <a:normAutofit/>
+          </a:bodyPr>
+          <a:lstStyle/>
+          <a:p>
+            <a:r>
+              <a:rPr lang="en-GB" dirty="0">
+                <a:solidFill>
+                  <a:schemeClr val="tx2"/>
+                </a:solidFill>
+              </a:rPr>
+              <a:t>What is branch?</a:t>
+            </a:r>
+          </a:p>
+        </p:txBody>
+      </p:sp>
       <p:pic>
         <p:nvPicPr>
           <p:cNvPr id="14" name="Picture 13">
             <a:extLst>
               <a:ext uri="{FF2B5EF4-FFF2-40B4-BE49-F238E27FC236}">
-                <a16:creationId xmlns:a16="http://schemas.microsoft.com/office/drawing/2014/main" id="{69D8DA42-2FEE-4C06-AFD6-6508150C4C71}"/>
+                <a16:creationId xmlns:a16="http://schemas.microsoft.com/office/drawing/2014/main" id="{810C31A1-A47F-53BD-9F42-741A00A284A5}"/>
               </a:ext>
               <a:ext uri="{C183D7F6-B498-43B3-948B-1728B52AA6E4}">
                 <adec:decorative xmlns:adec="http://schemas.microsoft.com/office/drawing/2017/decorative" val="1"/>
@@ -4094,13 +4670,13 @@
               </a:ext>
             </a:extLst>
           </a:blip>
-          <a:srcRect r="62473"/>
+          <a:srcRect r="46048"/>
           <a:stretch/>
         </p:blipFill>
         <p:spPr>
-          <a:xfrm>
-            <a:off x="11234928" y="3144779"/>
-            <a:ext cx="954024" cy="2548349"/>
+          <a:xfrm rot="10800000">
+            <a:off x="0" y="2719662"/>
+            <a:ext cx="1371600" cy="2548349"/>
           </a:xfrm>
           <a:prstGeom prst="rect">
             <a:avLst/>
@@ -4109,10 +4685,10 @@
       </p:pic>
       <p:sp>
         <p:nvSpPr>
-          <p:cNvPr id="2" name="Title 1">
-            <a:extLst>
-              <a:ext uri="{FF2B5EF4-FFF2-40B4-BE49-F238E27FC236}">
-                <a16:creationId xmlns:a16="http://schemas.microsoft.com/office/drawing/2014/main" id="{FF69EF4F-5CD0-EFAB-8BEE-5D51BA39EC30}"/>
+          <p:cNvPr id="3" name="Content Placeholder 2">
+            <a:extLst>
+              <a:ext uri="{FF2B5EF4-FFF2-40B4-BE49-F238E27FC236}">
+                <a16:creationId xmlns:a16="http://schemas.microsoft.com/office/drawing/2014/main" id="{BEE6E86E-D824-F1B9-3384-3C9D9097EF31}"/>
               </a:ext>
             </a:extLst>
           </p:cNvPr>
@@ -4120,160 +4696,4699 @@
             <a:spLocks noGrp="1"/>
           </p:cNvSpPr>
           <p:nvPr>
-            <p:ph type="title"/>
-          </p:nvPr>
-        </p:nvSpPr>
-        <p:spPr>
-          <a:xfrm>
-            <a:off x="6324600" y="716365"/>
-            <a:ext cx="5029200" cy="5421381"/>
-          </a:xfrm>
-        </p:spPr>
-        <p:txBody>
-          <a:bodyPr anchor="t">
+            <p:ph idx="1"/>
+          </p:nvPr>
+        </p:nvSpPr>
+        <p:spPr>
+          <a:xfrm>
+            <a:off x="3994587" y="2403097"/>
+            <a:ext cx="7178691" cy="3709990"/>
+          </a:xfrm>
+        </p:spPr>
+        <p:txBody>
+          <a:bodyPr anchor="ctr">
             <a:normAutofit/>
           </a:bodyPr>
           <a:lstStyle/>
           <a:p>
             <a:r>
-              <a:rPr lang="en-GB" sz="4400" dirty="0">
-                <a:solidFill>
-                  <a:schemeClr val="tx2"/>
-                </a:solidFill>
-              </a:rPr>
-              <a:t>Homework: Clone course repository</a:t>
-            </a:r>
-          </a:p>
-        </p:txBody>
-      </p:sp>
-      <p:sp>
-        <p:nvSpPr>
-          <p:cNvPr id="3" name="Content Placeholder 2">
-            <a:extLst>
-              <a:ext uri="{FF2B5EF4-FFF2-40B4-BE49-F238E27FC236}">
-                <a16:creationId xmlns:a16="http://schemas.microsoft.com/office/drawing/2014/main" id="{D035028C-0254-C84A-06C0-CBE9D1181148}"/>
-              </a:ext>
-            </a:extLst>
-          </p:cNvPr>
-          <p:cNvSpPr>
-            <a:spLocks noGrp="1"/>
-          </p:cNvSpPr>
-          <p:nvPr>
-            <p:ph idx="1"/>
-          </p:nvPr>
-        </p:nvSpPr>
-        <p:spPr>
-          <a:xfrm>
-            <a:off x="1012507" y="2458720"/>
-            <a:ext cx="4854894" cy="3654368"/>
-          </a:xfrm>
-        </p:spPr>
-        <p:txBody>
-          <a:bodyPr anchor="b">
-            <a:normAutofit/>
-          </a:bodyPr>
-          <a:lstStyle/>
-          <a:p>
-            <a:r>
               <a:rPr lang="en-GB" sz="1800" dirty="0">
                 <a:solidFill>
                   <a:schemeClr val="tx2"/>
                 </a:solidFill>
               </a:rPr>
-              <a:t>Open </a:t>
-            </a:r>
+              <a:t>All commits belongs to some branch</a:t>
+            </a:r>
+          </a:p>
+          <a:p>
             <a:r>
               <a:rPr lang="en-GB" sz="1800" dirty="0">
                 <a:solidFill>
                   <a:schemeClr val="tx2"/>
                 </a:solidFill>
-                <a:hlinkClick r:id="rId4"/>
-              </a:rPr>
-              <a:t>https://github.com/malyjak/python-course-2025</a:t>
-            </a:r>
+              </a:rPr>
+              <a:t>Branch itself is a bunch of commits linked together</a:t>
+            </a:r>
+          </a:p>
+          <a:p>
             <a:r>
               <a:rPr lang="en-GB" sz="1800" dirty="0">
                 <a:solidFill>
                   <a:schemeClr val="tx2"/>
                 </a:solidFill>
               </a:rPr>
-              <a:t> in your web-browser</a:t>
-            </a:r>
-          </a:p>
-          <a:p>
-            <a:r>
-              <a:rPr lang="en-GB" sz="1800" dirty="0">
-                <a:solidFill>
-                  <a:schemeClr val="tx2"/>
-                </a:solidFill>
-              </a:rPr>
-              <a:t>Get familiar with UI, feel free to explore all buttons</a:t>
-            </a:r>
-          </a:p>
-          <a:p>
-            <a:r>
-              <a:rPr lang="en-GB" sz="1800" dirty="0">
-                <a:solidFill>
-                  <a:schemeClr val="tx2"/>
-                </a:solidFill>
-              </a:rPr>
-              <a:t>Clone the repository locally:</a:t>
-            </a:r>
-            <a:br>
-              <a:rPr lang="en-GB" sz="1800" dirty="0">
-                <a:solidFill>
-                  <a:schemeClr val="tx2"/>
-                </a:solidFill>
-              </a:rPr>
-            </a:br>
-            <a:r>
-              <a:rPr lang="en-GB" sz="1800" i="1" dirty="0">
-                <a:solidFill>
-                  <a:schemeClr val="tx2"/>
-                </a:solidFill>
-              </a:rPr>
-              <a:t>git clone </a:t>
-            </a:r>
-            <a:r>
-              <a:rPr lang="en-GB" sz="1800" i="1" dirty="0" err="1">
-                <a:solidFill>
-                  <a:schemeClr val="tx2"/>
-                </a:solidFill>
-                <a:hlinkClick r:id="rId5"/>
-              </a:rPr>
-              <a:t>git@github.com:malyjak</a:t>
-            </a:r>
-            <a:r>
-              <a:rPr lang="en-GB" sz="1800" i="1" dirty="0">
-                <a:solidFill>
-                  <a:schemeClr val="tx2"/>
-                </a:solidFill>
-                <a:hlinkClick r:id="rId5"/>
-              </a:rPr>
-              <a:t>/python-course-2025.git</a:t>
-            </a:r>
+              <a:t>The best-known way how to manage collaborative work</a:t>
+            </a:r>
+          </a:p>
+          <a:p>
             <a:endParaRPr lang="en-GB" sz="1800" dirty="0">
               <a:solidFill>
                 <a:schemeClr val="tx2"/>
               </a:solidFill>
             </a:endParaRPr>
           </a:p>
-          <a:p>
-            <a:r>
-              <a:rPr lang="en-GB" sz="1800" dirty="0">
-                <a:solidFill>
-                  <a:schemeClr val="tx2"/>
-                </a:solidFill>
-              </a:rPr>
-              <a:t>Check that the content of cloned directory match the one in the web-browser</a:t>
-            </a:r>
-          </a:p>
         </p:txBody>
       </p:sp>
     </p:spTree>
     <p:extLst>
       <p:ext uri="{BB962C8B-B14F-4D97-AF65-F5344CB8AC3E}">
-        <p14:creationId xmlns:p14="http://schemas.microsoft.com/office/powerpoint/2010/main" val="3653059728"/>
+        <p14:creationId xmlns:p14="http://schemas.microsoft.com/office/powerpoint/2010/main" val="793511386"/>
+      </p:ext>
+    </p:extLst>
+  </p:cSld>
+  <p:clrMapOvr>
+    <a:masterClrMapping/>
+  </p:clrMapOvr>
+</p:sld>
+</file>
+
+<file path=ppt/slides/slide11.xml><?xml version="1.0" encoding="utf-8"?>
+<p:sld xmlns:a="http://schemas.openxmlformats.org/drawingml/2006/main" xmlns:r="http://schemas.openxmlformats.org/officeDocument/2006/relationships" xmlns:p="http://schemas.openxmlformats.org/presentationml/2006/main">
+  <p:cSld>
+    <p:bg>
+      <p:bgPr>
+        <a:solidFill>
+          <a:schemeClr val="bg1"/>
+        </a:solidFill>
+        <a:effectLst/>
+      </p:bgPr>
+    </p:bg>
+    <p:spTree>
+      <p:nvGrpSpPr>
+        <p:cNvPr id="1" name=""/>
+        <p:cNvGrpSpPr/>
+        <p:nvPr/>
+      </p:nvGrpSpPr>
+      <p:grpSpPr>
+        <a:xfrm>
+          <a:off x="0" y="0"/>
+          <a:ext cx="0" cy="0"/>
+          <a:chOff x="0" y="0"/>
+          <a:chExt cx="0" cy="0"/>
+        </a:xfrm>
+      </p:grpSpPr>
+      <p:sp>
+        <p:nvSpPr>
+          <p:cNvPr id="28" name="Rectangle 27">
+            <a:extLst>
+              <a:ext uri="{FF2B5EF4-FFF2-40B4-BE49-F238E27FC236}">
+                <a16:creationId xmlns:a16="http://schemas.microsoft.com/office/drawing/2014/main" id="{0BABF38A-8A0D-492E-BD20-6CF4D46B50BD}"/>
+              </a:ext>
+              <a:ext uri="{C183D7F6-B498-43B3-948B-1728B52AA6E4}">
+                <adec:decorative xmlns:adec="http://schemas.microsoft.com/office/drawing/2017/decorative" val="1"/>
+              </a:ext>
+            </a:extLst>
+          </p:cNvPr>
+          <p:cNvSpPr>
+            <a:spLocks noGrp="1" noRot="1" noChangeAspect="1" noMove="1" noResize="1" noEditPoints="1" noAdjustHandles="1" noChangeArrowheads="1" noChangeShapeType="1" noTextEdit="1"/>
+          </p:cNvSpPr>
+          <p:nvPr>
+            <p:extLst>
+              <p:ext uri="{386F3935-93C4-4BCD-93E2-E3B085C9AB24}">
+                <p16:designElem xmlns:p16="http://schemas.microsoft.com/office/powerpoint/2015/main" val="1"/>
+              </p:ext>
+            </p:extLst>
+          </p:nvPr>
+        </p:nvSpPr>
+        <p:spPr>
+          <a:xfrm>
+            <a:off x="0" y="1"/>
+            <a:ext cx="12192000" cy="6858004"/>
+          </a:xfrm>
+          <a:prstGeom prst="rect">
+            <a:avLst/>
+          </a:prstGeom>
+          <a:solidFill>
+            <a:schemeClr val="tx2">
+              <a:lumMod val="90000"/>
+              <a:lumOff val="10000"/>
+            </a:schemeClr>
+          </a:solidFill>
+          <a:ln>
+            <a:noFill/>
+          </a:ln>
+        </p:spPr>
+        <p:style>
+          <a:lnRef idx="2">
+            <a:schemeClr val="accent1">
+              <a:shade val="50000"/>
+            </a:schemeClr>
+          </a:lnRef>
+          <a:fillRef idx="1">
+            <a:schemeClr val="accent1"/>
+          </a:fillRef>
+          <a:effectRef idx="0">
+            <a:schemeClr val="accent1"/>
+          </a:effectRef>
+          <a:fontRef idx="minor">
+            <a:schemeClr val="lt1"/>
+          </a:fontRef>
+        </p:style>
+        <p:txBody>
+          <a:bodyPr rtlCol="0" anchor="ctr"/>
+          <a:lstStyle/>
+          <a:p>
+            <a:pPr algn="ctr"/>
+            <a:endParaRPr lang="en-US" dirty="0">
+              <a:solidFill>
+                <a:schemeClr val="tx1">
+                  <a:lumMod val="65000"/>
+                  <a:lumOff val="35000"/>
+                </a:schemeClr>
+              </a:solidFill>
+              <a:latin typeface="AvenirNext LT Pro Medium" panose="020B0504020202020204" pitchFamily="34" charset="0"/>
+            </a:endParaRPr>
+          </a:p>
+        </p:txBody>
+      </p:sp>
+      <p:pic>
+        <p:nvPicPr>
+          <p:cNvPr id="30" name="Picture 29">
+            <a:extLst>
+              <a:ext uri="{FF2B5EF4-FFF2-40B4-BE49-F238E27FC236}">
+                <a16:creationId xmlns:a16="http://schemas.microsoft.com/office/drawing/2014/main" id="{1CB7E8AE-A3AC-4BB7-A5C6-F00EC697B265}"/>
+              </a:ext>
+              <a:ext uri="{C183D7F6-B498-43B3-948B-1728B52AA6E4}">
+                <adec:decorative xmlns:adec="http://schemas.microsoft.com/office/drawing/2017/decorative" val="1"/>
+              </a:ext>
+            </a:extLst>
+          </p:cNvPr>
+          <p:cNvPicPr>
+            <a:picLocks noGrp="1" noRot="1" noChangeAspect="1" noMove="1" noResize="1" noEditPoints="1" noAdjustHandles="1" noChangeArrowheads="1" noChangeShapeType="1" noCrop="1"/>
+          </p:cNvPicPr>
+          <p:nvPr>
+            <p:extLst>
+              <p:ext uri="{386F3935-93C4-4BCD-93E2-E3B085C9AB24}">
+                <p16:designElem xmlns:p16="http://schemas.microsoft.com/office/powerpoint/2015/main" val="1"/>
+              </p:ext>
+            </p:extLst>
+          </p:nvPr>
+        </p:nvPicPr>
+        <p:blipFill>
+          <a:blip r:embed="rId2">
+            <a:alphaModFix amt="35000"/>
+            <a:extLst>
+              <a:ext uri="{28A0092B-C50C-407E-A947-70E740481C1C}">
+                <a14:useLocalDpi xmlns:a14="http://schemas.microsoft.com/office/drawing/2010/main" val="0"/>
+              </a:ext>
+            </a:extLst>
+          </a:blip>
+          <a:stretch>
+            <a:fillRect/>
+          </a:stretch>
+        </p:blipFill>
+        <p:spPr>
+          <a:xfrm>
+            <a:off x="0" y="1"/>
+            <a:ext cx="12192000" cy="1392401"/>
+          </a:xfrm>
+          <a:prstGeom prst="rect">
+            <a:avLst/>
+          </a:prstGeom>
+        </p:spPr>
+      </p:pic>
+      <p:sp useBgFill="1">
+        <p:nvSpPr>
+          <p:cNvPr id="31" name="Rectangle 30">
+            <a:extLst>
+              <a:ext uri="{FF2B5EF4-FFF2-40B4-BE49-F238E27FC236}">
+                <a16:creationId xmlns:a16="http://schemas.microsoft.com/office/drawing/2014/main" id="{F1174801-1395-44C5-9B00-CCAC45C056E7}"/>
+              </a:ext>
+              <a:ext uri="{C183D7F6-B498-43B3-948B-1728B52AA6E4}">
+                <adec:decorative xmlns:adec="http://schemas.microsoft.com/office/drawing/2017/decorative" val="1"/>
+              </a:ext>
+            </a:extLst>
+          </p:cNvPr>
+          <p:cNvSpPr>
+            <a:spLocks noGrp="1" noRot="1" noChangeAspect="1" noMove="1" noResize="1" noEditPoints="1" noAdjustHandles="1" noChangeArrowheads="1" noChangeShapeType="1" noTextEdit="1"/>
+          </p:cNvSpPr>
+          <p:nvPr>
+            <p:extLst>
+              <p:ext uri="{386F3935-93C4-4BCD-93E2-E3B085C9AB24}">
+                <p16:designElem xmlns:p16="http://schemas.microsoft.com/office/powerpoint/2015/main" val="1"/>
+              </p:ext>
+            </p:extLst>
+          </p:nvPr>
+        </p:nvSpPr>
+        <p:spPr>
+          <a:xfrm>
+            <a:off x="0" y="0"/>
+            <a:ext cx="12188952" cy="6858000"/>
+          </a:xfrm>
+          <a:prstGeom prst="rect">
+            <a:avLst/>
+          </a:prstGeom>
+          <a:ln>
+            <a:noFill/>
+          </a:ln>
+        </p:spPr>
+        <p:style>
+          <a:lnRef idx="2">
+            <a:schemeClr val="accent1">
+              <a:shade val="50000"/>
+            </a:schemeClr>
+          </a:lnRef>
+          <a:fillRef idx="1">
+            <a:schemeClr val="accent1"/>
+          </a:fillRef>
+          <a:effectRef idx="0">
+            <a:schemeClr val="accent1"/>
+          </a:effectRef>
+          <a:fontRef idx="minor">
+            <a:schemeClr val="lt1"/>
+          </a:fontRef>
+        </p:style>
+        <p:txBody>
+          <a:bodyPr rtlCol="0" anchor="ctr"/>
+          <a:lstStyle/>
+          <a:p>
+            <a:pPr algn="ctr"/>
+            <a:endParaRPr lang="en-US" dirty="0">
+              <a:solidFill>
+                <a:schemeClr val="tx1">
+                  <a:lumMod val="65000"/>
+                  <a:lumOff val="35000"/>
+                </a:schemeClr>
+              </a:solidFill>
+              <a:latin typeface="AvenirNext LT Pro Medium" panose="020B0504020202020204" pitchFamily="34" charset="0"/>
+            </a:endParaRPr>
+          </a:p>
+        </p:txBody>
+      </p:sp>
+      <p:sp>
+        <p:nvSpPr>
+          <p:cNvPr id="32" name="Rectangle 31">
+            <a:extLst>
+              <a:ext uri="{FF2B5EF4-FFF2-40B4-BE49-F238E27FC236}">
+                <a16:creationId xmlns:a16="http://schemas.microsoft.com/office/drawing/2014/main" id="{8BADB362-9771-4A3C-B9E5-6777F34C5041}"/>
+              </a:ext>
+              <a:ext uri="{C183D7F6-B498-43B3-948B-1728B52AA6E4}">
+                <adec:decorative xmlns:adec="http://schemas.microsoft.com/office/drawing/2017/decorative" val="1"/>
+              </a:ext>
+            </a:extLst>
+          </p:cNvPr>
+          <p:cNvSpPr>
+            <a:spLocks noGrp="1" noRot="1" noChangeAspect="1" noMove="1" noResize="1" noEditPoints="1" noAdjustHandles="1" noChangeArrowheads="1" noChangeShapeType="1" noTextEdit="1"/>
+          </p:cNvSpPr>
+          <p:nvPr>
+            <p:extLst>
+              <p:ext uri="{386F3935-93C4-4BCD-93E2-E3B085C9AB24}">
+                <p16:designElem xmlns:p16="http://schemas.microsoft.com/office/powerpoint/2015/main" val="1"/>
+              </p:ext>
+            </p:extLst>
+          </p:nvPr>
+        </p:nvSpPr>
+        <p:spPr>
+          <a:xfrm>
+            <a:off x="0" y="0"/>
+            <a:ext cx="12188952" cy="6858000"/>
+          </a:xfrm>
+          <a:prstGeom prst="rect">
+            <a:avLst/>
+          </a:prstGeom>
+          <a:solidFill>
+            <a:schemeClr val="bg2">
+              <a:alpha val="61000"/>
+            </a:schemeClr>
+          </a:solidFill>
+          <a:ln>
+            <a:solidFill>
+              <a:schemeClr val="bg1">
+                <a:lumMod val="95000"/>
+              </a:schemeClr>
+            </a:solidFill>
+          </a:ln>
+        </p:spPr>
+        <p:style>
+          <a:lnRef idx="2">
+            <a:schemeClr val="accent1">
+              <a:shade val="50000"/>
+            </a:schemeClr>
+          </a:lnRef>
+          <a:fillRef idx="1">
+            <a:schemeClr val="accent1"/>
+          </a:fillRef>
+          <a:effectRef idx="0">
+            <a:schemeClr val="accent1"/>
+          </a:effectRef>
+          <a:fontRef idx="minor">
+            <a:schemeClr val="lt1"/>
+          </a:fontRef>
+        </p:style>
+        <p:txBody>
+          <a:bodyPr rtlCol="0" anchor="ctr"/>
+          <a:lstStyle/>
+          <a:p>
+            <a:pPr algn="ctr"/>
+            <a:endParaRPr lang="en-US" dirty="0">
+              <a:solidFill>
+                <a:schemeClr val="tx1">
+                  <a:lumMod val="65000"/>
+                  <a:lumOff val="35000"/>
+                </a:schemeClr>
+              </a:solidFill>
+              <a:latin typeface="AvenirNext LT Pro Medium" panose="020B0504020202020204" pitchFamily="34" charset="0"/>
+            </a:endParaRPr>
+          </a:p>
+        </p:txBody>
+      </p:sp>
+      <p:sp>
+        <p:nvSpPr>
+          <p:cNvPr id="2" name="Title 1">
+            <a:extLst>
+              <a:ext uri="{FF2B5EF4-FFF2-40B4-BE49-F238E27FC236}">
+                <a16:creationId xmlns:a16="http://schemas.microsoft.com/office/drawing/2014/main" id="{9A11FD29-6C17-2729-31B0-5B8453740590}"/>
+              </a:ext>
+            </a:extLst>
+          </p:cNvPr>
+          <p:cNvSpPr>
+            <a:spLocks noGrp="1"/>
+          </p:cNvSpPr>
+          <p:nvPr>
+            <p:ph type="title"/>
+          </p:nvPr>
+        </p:nvSpPr>
+        <p:spPr>
+          <a:xfrm>
+            <a:off x="996275" y="163351"/>
+            <a:ext cx="5996619" cy="1979884"/>
+          </a:xfrm>
+        </p:spPr>
+        <p:txBody>
+          <a:bodyPr vert="horz" lIns="91440" tIns="45720" rIns="91440" bIns="45720" rtlCol="0" anchor="ctr">
+            <a:normAutofit/>
+          </a:bodyPr>
+          <a:lstStyle/>
+          <a:p>
+            <a:r>
+              <a:rPr lang="en-US" dirty="0">
+                <a:solidFill>
+                  <a:schemeClr val="tx2"/>
+                </a:solidFill>
+              </a:rPr>
+              <a:t>What is HEAD?</a:t>
+            </a:r>
+          </a:p>
+        </p:txBody>
+      </p:sp>
+      <p:sp>
+        <p:nvSpPr>
+          <p:cNvPr id="3" name="Content Placeholder 2">
+            <a:extLst>
+              <a:ext uri="{FF2B5EF4-FFF2-40B4-BE49-F238E27FC236}">
+                <a16:creationId xmlns:a16="http://schemas.microsoft.com/office/drawing/2014/main" id="{00035500-BDE8-510D-8C26-FAFD9077C4E2}"/>
+              </a:ext>
+            </a:extLst>
+          </p:cNvPr>
+          <p:cNvSpPr>
+            <a:spLocks noGrp="1"/>
+          </p:cNvSpPr>
+          <p:nvPr>
+            <p:ph idx="1"/>
+          </p:nvPr>
+        </p:nvSpPr>
+        <p:spPr>
+          <a:xfrm>
+            <a:off x="5835535" y="149448"/>
+            <a:ext cx="5786970" cy="1982269"/>
+          </a:xfrm>
+        </p:spPr>
+        <p:txBody>
+          <a:bodyPr vert="horz" lIns="91440" tIns="45720" rIns="91440" bIns="45720" rtlCol="0" anchor="ctr">
+            <a:normAutofit/>
+          </a:bodyPr>
+          <a:lstStyle/>
+          <a:p>
+            <a:pPr marL="0" indent="0">
+              <a:buNone/>
+            </a:pPr>
+            <a:r>
+              <a:rPr lang="en-US" sz="2200" dirty="0">
+                <a:solidFill>
+                  <a:schemeClr val="tx2">
+                    <a:alpha val="80000"/>
+                  </a:schemeClr>
+                </a:solidFill>
+              </a:rPr>
+              <a:t>A reference to the most recent commit on a given branch (in most cases - can be changed to a different commit)</a:t>
+            </a:r>
+          </a:p>
+        </p:txBody>
+      </p:sp>
+      <p:sp>
+        <p:nvSpPr>
+          <p:cNvPr id="27" name="Rectangle 26">
+            <a:extLst>
+              <a:ext uri="{FF2B5EF4-FFF2-40B4-BE49-F238E27FC236}">
+                <a16:creationId xmlns:a16="http://schemas.microsoft.com/office/drawing/2014/main" id="{EE0EF321-8351-49AB-BA30-A90615C80EEA}"/>
+              </a:ext>
+              <a:ext uri="{C183D7F6-B498-43B3-948B-1728B52AA6E4}">
+                <adec:decorative xmlns:adec="http://schemas.microsoft.com/office/drawing/2017/decorative" val="1"/>
+              </a:ext>
+            </a:extLst>
+          </p:cNvPr>
+          <p:cNvSpPr>
+            <a:spLocks noGrp="1" noRot="1" noChangeAspect="1" noMove="1" noResize="1" noEditPoints="1" noAdjustHandles="1" noChangeArrowheads="1" noChangeShapeType="1" noTextEdit="1"/>
+          </p:cNvSpPr>
+          <p:nvPr>
+            <p:extLst>
+              <p:ext uri="{386F3935-93C4-4BCD-93E2-E3B085C9AB24}">
+                <p16:designElem xmlns:p16="http://schemas.microsoft.com/office/powerpoint/2015/main" val="1"/>
+              </p:ext>
+            </p:extLst>
+          </p:nvPr>
+        </p:nvSpPr>
+        <p:spPr>
+          <a:xfrm>
+            <a:off x="0" y="2258716"/>
+            <a:ext cx="12192000" cy="4594915"/>
+          </a:xfrm>
+          <a:prstGeom prst="rect">
+            <a:avLst/>
+          </a:prstGeom>
+          <a:solidFill>
+            <a:schemeClr val="tx2">
+              <a:lumMod val="90000"/>
+              <a:lumOff val="10000"/>
+            </a:schemeClr>
+          </a:solidFill>
+          <a:ln>
+            <a:noFill/>
+          </a:ln>
+        </p:spPr>
+        <p:style>
+          <a:lnRef idx="2">
+            <a:schemeClr val="accent1">
+              <a:shade val="50000"/>
+            </a:schemeClr>
+          </a:lnRef>
+          <a:fillRef idx="1">
+            <a:schemeClr val="accent1"/>
+          </a:fillRef>
+          <a:effectRef idx="0">
+            <a:schemeClr val="accent1"/>
+          </a:effectRef>
+          <a:fontRef idx="minor">
+            <a:schemeClr val="lt1"/>
+          </a:fontRef>
+        </p:style>
+        <p:txBody>
+          <a:bodyPr rtlCol="0" anchor="ctr"/>
+          <a:lstStyle/>
+          <a:p>
+            <a:pPr algn="ctr"/>
+            <a:endParaRPr lang="en-US" dirty="0">
+              <a:solidFill>
+                <a:schemeClr val="tx1">
+                  <a:lumMod val="65000"/>
+                  <a:lumOff val="35000"/>
+                </a:schemeClr>
+              </a:solidFill>
+              <a:latin typeface="AvenirNext LT Pro Medium" panose="020B0504020202020204" pitchFamily="34" charset="0"/>
+            </a:endParaRPr>
+          </a:p>
+        </p:txBody>
+      </p:sp>
+      <p:sp>
+        <p:nvSpPr>
+          <p:cNvPr id="29" name="Rectangle 28">
+            <a:extLst>
+              <a:ext uri="{FF2B5EF4-FFF2-40B4-BE49-F238E27FC236}">
+                <a16:creationId xmlns:a16="http://schemas.microsoft.com/office/drawing/2014/main" id="{7F729D3C-986A-4A27-A9FF-0A07A0959FEA}"/>
+              </a:ext>
+              <a:ext uri="{C183D7F6-B498-43B3-948B-1728B52AA6E4}">
+                <adec:decorative xmlns:adec="http://schemas.microsoft.com/office/drawing/2017/decorative" val="1"/>
+              </a:ext>
+            </a:extLst>
+          </p:cNvPr>
+          <p:cNvSpPr>
+            <a:spLocks noGrp="1" noRot="1" noChangeAspect="1" noMove="1" noResize="1" noEditPoints="1" noAdjustHandles="1" noChangeArrowheads="1" noChangeShapeType="1" noTextEdit="1"/>
+          </p:cNvSpPr>
+          <p:nvPr>
+            <p:extLst>
+              <p:ext uri="{386F3935-93C4-4BCD-93E2-E3B085C9AB24}">
+                <p16:designElem xmlns:p16="http://schemas.microsoft.com/office/powerpoint/2015/main" val="1"/>
+              </p:ext>
+            </p:extLst>
+          </p:nvPr>
+        </p:nvSpPr>
+        <p:spPr>
+          <a:xfrm rot="10800000">
+            <a:off x="-3056" y="2258716"/>
+            <a:ext cx="12191999" cy="4608809"/>
+          </a:xfrm>
+          <a:prstGeom prst="rect">
+            <a:avLst/>
+          </a:prstGeom>
+          <a:blipFill dpi="0" rotWithShape="1">
+            <a:blip r:embed="rId3">
+              <a:alphaModFix amt="20000"/>
+              <a:duotone>
+                <a:schemeClr val="accent1">
+                  <a:shade val="45000"/>
+                  <a:satMod val="135000"/>
+                </a:schemeClr>
+                <a:prstClr val="white"/>
+              </a:duotone>
+            </a:blip>
+            <a:srcRect/>
+            <a:tile tx="889000" ty="0" sx="100000" sy="100000" flip="none" algn="tl"/>
+          </a:blipFill>
+          <a:ln>
+            <a:noFill/>
+          </a:ln>
+        </p:spPr>
+        <p:style>
+          <a:lnRef idx="2">
+            <a:schemeClr val="accent1">
+              <a:shade val="50000"/>
+            </a:schemeClr>
+          </a:lnRef>
+          <a:fillRef idx="1">
+            <a:schemeClr val="accent1"/>
+          </a:fillRef>
+          <a:effectRef idx="0">
+            <a:schemeClr val="accent1"/>
+          </a:effectRef>
+          <a:fontRef idx="minor">
+            <a:schemeClr val="lt1"/>
+          </a:fontRef>
+        </p:style>
+        <p:txBody>
+          <a:bodyPr rtlCol="0" anchor="ctr"/>
+          <a:lstStyle/>
+          <a:p>
+            <a:pPr algn="ctr"/>
+            <a:endParaRPr lang="en-US" dirty="0"/>
+          </a:p>
+        </p:txBody>
+      </p:sp>
+      <p:pic>
+        <p:nvPicPr>
+          <p:cNvPr id="5" name="Picture 4">
+            <a:extLst>
+              <a:ext uri="{FF2B5EF4-FFF2-40B4-BE49-F238E27FC236}">
+                <a16:creationId xmlns:a16="http://schemas.microsoft.com/office/drawing/2014/main" id="{D66AA94D-0A65-044D-3DB6-C3938451C4D6}"/>
+              </a:ext>
+            </a:extLst>
+          </p:cNvPr>
+          <p:cNvPicPr>
+            <a:picLocks noChangeAspect="1"/>
+          </p:cNvPicPr>
+          <p:nvPr/>
+        </p:nvPicPr>
+        <p:blipFill>
+          <a:blip r:embed="rId4"/>
+          <a:stretch>
+            <a:fillRect/>
+          </a:stretch>
+        </p:blipFill>
+        <p:spPr>
+          <a:xfrm>
+            <a:off x="2727101" y="2667000"/>
+            <a:ext cx="6737797" cy="3638410"/>
+          </a:xfrm>
+          <a:prstGeom prst="rect">
+            <a:avLst/>
+          </a:prstGeom>
+        </p:spPr>
+      </p:pic>
+      <p:sp>
+        <p:nvSpPr>
+          <p:cNvPr id="6" name="TextBox 5">
+            <a:extLst>
+              <a:ext uri="{FF2B5EF4-FFF2-40B4-BE49-F238E27FC236}">
+                <a16:creationId xmlns:a16="http://schemas.microsoft.com/office/drawing/2014/main" id="{B17B877D-7AB9-D2E3-2108-E504759B68E6}"/>
+              </a:ext>
+            </a:extLst>
+          </p:cNvPr>
+          <p:cNvSpPr txBox="1"/>
+          <p:nvPr/>
+        </p:nvSpPr>
+        <p:spPr>
+          <a:xfrm>
+            <a:off x="2849394" y="6456242"/>
+            <a:ext cx="6487097" cy="276999"/>
+          </a:xfrm>
+          <a:prstGeom prst="rect">
+            <a:avLst/>
+          </a:prstGeom>
+          <a:noFill/>
+        </p:spPr>
+        <p:txBody>
+          <a:bodyPr wrap="none" rtlCol="0">
+            <a:spAutoFit/>
+          </a:bodyPr>
+          <a:lstStyle/>
+          <a:p>
+            <a:r>
+              <a:rPr lang="en-GB" sz="1200" dirty="0">
+                <a:solidFill>
+                  <a:schemeClr val="bg1"/>
+                </a:solidFill>
+              </a:rPr>
+              <a:t>Image source: https://www.slideshare.net/slideshow/git-101-git-and-github-for-beginners</a:t>
+            </a:r>
+          </a:p>
+        </p:txBody>
+      </p:sp>
+    </p:spTree>
+    <p:extLst>
+      <p:ext uri="{BB962C8B-B14F-4D97-AF65-F5344CB8AC3E}">
+        <p14:creationId xmlns:p14="http://schemas.microsoft.com/office/powerpoint/2010/main" val="3424739525"/>
+      </p:ext>
+    </p:extLst>
+  </p:cSld>
+  <p:clrMapOvr>
+    <a:masterClrMapping/>
+  </p:clrMapOvr>
+</p:sld>
+</file>
+
+<file path=ppt/slides/slide12.xml><?xml version="1.0" encoding="utf-8"?>
+<p:sld xmlns:a="http://schemas.openxmlformats.org/drawingml/2006/main" xmlns:r="http://schemas.openxmlformats.org/officeDocument/2006/relationships" xmlns:p="http://schemas.openxmlformats.org/presentationml/2006/main">
+  <p:cSld>
+    <p:bg>
+      <p:bgPr>
+        <a:solidFill>
+          <a:schemeClr val="bg1"/>
+        </a:solidFill>
+        <a:effectLst/>
+      </p:bgPr>
+    </p:bg>
+    <p:spTree>
+      <p:nvGrpSpPr>
+        <p:cNvPr id="1" name="">
+          <a:extLst>
+            <a:ext uri="{FF2B5EF4-FFF2-40B4-BE49-F238E27FC236}">
+              <a16:creationId xmlns:a16="http://schemas.microsoft.com/office/drawing/2014/main" id="{72AA4065-D27E-5FCD-7C9A-9A9D5D213959}"/>
+            </a:ext>
+          </a:extLst>
+        </p:cNvPr>
+        <p:cNvGrpSpPr/>
+        <p:nvPr/>
+      </p:nvGrpSpPr>
+      <p:grpSpPr>
+        <a:xfrm>
+          <a:off x="0" y="0"/>
+          <a:ext cx="0" cy="0"/>
+          <a:chOff x="0" y="0"/>
+          <a:chExt cx="0" cy="0"/>
+        </a:xfrm>
+      </p:grpSpPr>
+      <p:sp>
+        <p:nvSpPr>
+          <p:cNvPr id="28" name="Rectangle 27">
+            <a:extLst>
+              <a:ext uri="{FF2B5EF4-FFF2-40B4-BE49-F238E27FC236}">
+                <a16:creationId xmlns:a16="http://schemas.microsoft.com/office/drawing/2014/main" id="{29E122B6-09F9-9094-2CA6-23EC45F50725}"/>
+              </a:ext>
+              <a:ext uri="{C183D7F6-B498-43B3-948B-1728B52AA6E4}">
+                <adec:decorative xmlns:adec="http://schemas.microsoft.com/office/drawing/2017/decorative" val="1"/>
+              </a:ext>
+            </a:extLst>
+          </p:cNvPr>
+          <p:cNvSpPr>
+            <a:spLocks noGrp="1" noRot="1" noChangeAspect="1" noMove="1" noResize="1" noEditPoints="1" noAdjustHandles="1" noChangeArrowheads="1" noChangeShapeType="1" noTextEdit="1"/>
+          </p:cNvSpPr>
+          <p:nvPr>
+            <p:extLst>
+              <p:ext uri="{386F3935-93C4-4BCD-93E2-E3B085C9AB24}">
+                <p16:designElem xmlns:p16="http://schemas.microsoft.com/office/powerpoint/2015/main" val="1"/>
+              </p:ext>
+            </p:extLst>
+          </p:nvPr>
+        </p:nvSpPr>
+        <p:spPr>
+          <a:xfrm>
+            <a:off x="0" y="1"/>
+            <a:ext cx="12192000" cy="6858004"/>
+          </a:xfrm>
+          <a:prstGeom prst="rect">
+            <a:avLst/>
+          </a:prstGeom>
+          <a:solidFill>
+            <a:schemeClr val="tx2">
+              <a:lumMod val="90000"/>
+              <a:lumOff val="10000"/>
+            </a:schemeClr>
+          </a:solidFill>
+          <a:ln>
+            <a:noFill/>
+          </a:ln>
+        </p:spPr>
+        <p:style>
+          <a:lnRef idx="2">
+            <a:schemeClr val="accent1">
+              <a:shade val="50000"/>
+            </a:schemeClr>
+          </a:lnRef>
+          <a:fillRef idx="1">
+            <a:schemeClr val="accent1"/>
+          </a:fillRef>
+          <a:effectRef idx="0">
+            <a:schemeClr val="accent1"/>
+          </a:effectRef>
+          <a:fontRef idx="minor">
+            <a:schemeClr val="lt1"/>
+          </a:fontRef>
+        </p:style>
+        <p:txBody>
+          <a:bodyPr rtlCol="0" anchor="ctr"/>
+          <a:lstStyle/>
+          <a:p>
+            <a:pPr algn="ctr"/>
+            <a:endParaRPr lang="en-US" dirty="0">
+              <a:solidFill>
+                <a:schemeClr val="tx1">
+                  <a:lumMod val="65000"/>
+                  <a:lumOff val="35000"/>
+                </a:schemeClr>
+              </a:solidFill>
+              <a:latin typeface="AvenirNext LT Pro Medium" panose="020B0504020202020204" pitchFamily="34" charset="0"/>
+            </a:endParaRPr>
+          </a:p>
+        </p:txBody>
+      </p:sp>
+      <p:pic>
+        <p:nvPicPr>
+          <p:cNvPr id="30" name="Picture 29">
+            <a:extLst>
+              <a:ext uri="{FF2B5EF4-FFF2-40B4-BE49-F238E27FC236}">
+                <a16:creationId xmlns:a16="http://schemas.microsoft.com/office/drawing/2014/main" id="{294E8BFF-1054-387F-A436-D4F9AABDED02}"/>
+              </a:ext>
+              <a:ext uri="{C183D7F6-B498-43B3-948B-1728B52AA6E4}">
+                <adec:decorative xmlns:adec="http://schemas.microsoft.com/office/drawing/2017/decorative" val="1"/>
+              </a:ext>
+            </a:extLst>
+          </p:cNvPr>
+          <p:cNvPicPr>
+            <a:picLocks noGrp="1" noRot="1" noChangeAspect="1" noMove="1" noResize="1" noEditPoints="1" noAdjustHandles="1" noChangeArrowheads="1" noChangeShapeType="1" noCrop="1"/>
+          </p:cNvPicPr>
+          <p:nvPr>
+            <p:extLst>
+              <p:ext uri="{386F3935-93C4-4BCD-93E2-E3B085C9AB24}">
+                <p16:designElem xmlns:p16="http://schemas.microsoft.com/office/powerpoint/2015/main" val="1"/>
+              </p:ext>
+            </p:extLst>
+          </p:nvPr>
+        </p:nvPicPr>
+        <p:blipFill>
+          <a:blip r:embed="rId2">
+            <a:alphaModFix amt="35000"/>
+            <a:extLst>
+              <a:ext uri="{28A0092B-C50C-407E-A947-70E740481C1C}">
+                <a14:useLocalDpi xmlns:a14="http://schemas.microsoft.com/office/drawing/2010/main" val="0"/>
+              </a:ext>
+            </a:extLst>
+          </a:blip>
+          <a:stretch>
+            <a:fillRect/>
+          </a:stretch>
+        </p:blipFill>
+        <p:spPr>
+          <a:xfrm>
+            <a:off x="0" y="1"/>
+            <a:ext cx="12192000" cy="1392401"/>
+          </a:xfrm>
+          <a:prstGeom prst="rect">
+            <a:avLst/>
+          </a:prstGeom>
+        </p:spPr>
+      </p:pic>
+      <p:sp useBgFill="1">
+        <p:nvSpPr>
+          <p:cNvPr id="31" name="Rectangle 30">
+            <a:extLst>
+              <a:ext uri="{FF2B5EF4-FFF2-40B4-BE49-F238E27FC236}">
+                <a16:creationId xmlns:a16="http://schemas.microsoft.com/office/drawing/2014/main" id="{BCA61188-EC87-C53A-72C2-8D3536B1F4F6}"/>
+              </a:ext>
+              <a:ext uri="{C183D7F6-B498-43B3-948B-1728B52AA6E4}">
+                <adec:decorative xmlns:adec="http://schemas.microsoft.com/office/drawing/2017/decorative" val="1"/>
+              </a:ext>
+            </a:extLst>
+          </p:cNvPr>
+          <p:cNvSpPr>
+            <a:spLocks noGrp="1" noRot="1" noChangeAspect="1" noMove="1" noResize="1" noEditPoints="1" noAdjustHandles="1" noChangeArrowheads="1" noChangeShapeType="1" noTextEdit="1"/>
+          </p:cNvSpPr>
+          <p:nvPr>
+            <p:extLst>
+              <p:ext uri="{386F3935-93C4-4BCD-93E2-E3B085C9AB24}">
+                <p16:designElem xmlns:p16="http://schemas.microsoft.com/office/powerpoint/2015/main" val="1"/>
+              </p:ext>
+            </p:extLst>
+          </p:nvPr>
+        </p:nvSpPr>
+        <p:spPr>
+          <a:xfrm>
+            <a:off x="0" y="0"/>
+            <a:ext cx="12188952" cy="6858000"/>
+          </a:xfrm>
+          <a:prstGeom prst="rect">
+            <a:avLst/>
+          </a:prstGeom>
+          <a:ln>
+            <a:noFill/>
+          </a:ln>
+        </p:spPr>
+        <p:style>
+          <a:lnRef idx="2">
+            <a:schemeClr val="accent1">
+              <a:shade val="50000"/>
+            </a:schemeClr>
+          </a:lnRef>
+          <a:fillRef idx="1">
+            <a:schemeClr val="accent1"/>
+          </a:fillRef>
+          <a:effectRef idx="0">
+            <a:schemeClr val="accent1"/>
+          </a:effectRef>
+          <a:fontRef idx="minor">
+            <a:schemeClr val="lt1"/>
+          </a:fontRef>
+        </p:style>
+        <p:txBody>
+          <a:bodyPr rtlCol="0" anchor="ctr"/>
+          <a:lstStyle/>
+          <a:p>
+            <a:pPr algn="ctr"/>
+            <a:endParaRPr lang="en-US" dirty="0">
+              <a:solidFill>
+                <a:schemeClr val="tx1">
+                  <a:lumMod val="65000"/>
+                  <a:lumOff val="35000"/>
+                </a:schemeClr>
+              </a:solidFill>
+              <a:latin typeface="AvenirNext LT Pro Medium" panose="020B0504020202020204" pitchFamily="34" charset="0"/>
+            </a:endParaRPr>
+          </a:p>
+        </p:txBody>
+      </p:sp>
+      <p:sp>
+        <p:nvSpPr>
+          <p:cNvPr id="32" name="Rectangle 31">
+            <a:extLst>
+              <a:ext uri="{FF2B5EF4-FFF2-40B4-BE49-F238E27FC236}">
+                <a16:creationId xmlns:a16="http://schemas.microsoft.com/office/drawing/2014/main" id="{7BD12D82-0957-87F6-29B7-DC8E3F6E1CB7}"/>
+              </a:ext>
+              <a:ext uri="{C183D7F6-B498-43B3-948B-1728B52AA6E4}">
+                <adec:decorative xmlns:adec="http://schemas.microsoft.com/office/drawing/2017/decorative" val="1"/>
+              </a:ext>
+            </a:extLst>
+          </p:cNvPr>
+          <p:cNvSpPr>
+            <a:spLocks noGrp="1" noRot="1" noChangeAspect="1" noMove="1" noResize="1" noEditPoints="1" noAdjustHandles="1" noChangeArrowheads="1" noChangeShapeType="1" noTextEdit="1"/>
+          </p:cNvSpPr>
+          <p:nvPr>
+            <p:extLst>
+              <p:ext uri="{386F3935-93C4-4BCD-93E2-E3B085C9AB24}">
+                <p16:designElem xmlns:p16="http://schemas.microsoft.com/office/powerpoint/2015/main" val="1"/>
+              </p:ext>
+            </p:extLst>
+          </p:nvPr>
+        </p:nvSpPr>
+        <p:spPr>
+          <a:xfrm>
+            <a:off x="0" y="0"/>
+            <a:ext cx="12188952" cy="6858000"/>
+          </a:xfrm>
+          <a:prstGeom prst="rect">
+            <a:avLst/>
+          </a:prstGeom>
+          <a:solidFill>
+            <a:schemeClr val="bg2">
+              <a:alpha val="61000"/>
+            </a:schemeClr>
+          </a:solidFill>
+          <a:ln>
+            <a:solidFill>
+              <a:schemeClr val="bg1">
+                <a:lumMod val="95000"/>
+              </a:schemeClr>
+            </a:solidFill>
+          </a:ln>
+        </p:spPr>
+        <p:style>
+          <a:lnRef idx="2">
+            <a:schemeClr val="accent1">
+              <a:shade val="50000"/>
+            </a:schemeClr>
+          </a:lnRef>
+          <a:fillRef idx="1">
+            <a:schemeClr val="accent1"/>
+          </a:fillRef>
+          <a:effectRef idx="0">
+            <a:schemeClr val="accent1"/>
+          </a:effectRef>
+          <a:fontRef idx="minor">
+            <a:schemeClr val="lt1"/>
+          </a:fontRef>
+        </p:style>
+        <p:txBody>
+          <a:bodyPr rtlCol="0" anchor="ctr"/>
+          <a:lstStyle/>
+          <a:p>
+            <a:pPr algn="ctr"/>
+            <a:endParaRPr lang="en-US" dirty="0">
+              <a:solidFill>
+                <a:schemeClr val="tx1">
+                  <a:lumMod val="65000"/>
+                  <a:lumOff val="35000"/>
+                </a:schemeClr>
+              </a:solidFill>
+              <a:latin typeface="AvenirNext LT Pro Medium" panose="020B0504020202020204" pitchFamily="34" charset="0"/>
+            </a:endParaRPr>
+          </a:p>
+        </p:txBody>
+      </p:sp>
+      <p:sp>
+        <p:nvSpPr>
+          <p:cNvPr id="2" name="Title 1">
+            <a:extLst>
+              <a:ext uri="{FF2B5EF4-FFF2-40B4-BE49-F238E27FC236}">
+                <a16:creationId xmlns:a16="http://schemas.microsoft.com/office/drawing/2014/main" id="{B13E71ED-9DC7-E269-4515-F97BD872AE27}"/>
+              </a:ext>
+            </a:extLst>
+          </p:cNvPr>
+          <p:cNvSpPr>
+            <a:spLocks noGrp="1"/>
+          </p:cNvSpPr>
+          <p:nvPr>
+            <p:ph type="title"/>
+          </p:nvPr>
+        </p:nvSpPr>
+        <p:spPr>
+          <a:xfrm>
+            <a:off x="996275" y="163351"/>
+            <a:ext cx="5996619" cy="1979884"/>
+          </a:xfrm>
+        </p:spPr>
+        <p:txBody>
+          <a:bodyPr vert="horz" lIns="91440" tIns="45720" rIns="91440" bIns="45720" rtlCol="0" anchor="ctr">
+            <a:normAutofit/>
+          </a:bodyPr>
+          <a:lstStyle/>
+          <a:p>
+            <a:r>
+              <a:rPr lang="en-US" dirty="0">
+                <a:solidFill>
+                  <a:schemeClr val="tx2"/>
+                </a:solidFill>
+              </a:rPr>
+              <a:t>What is master?</a:t>
+            </a:r>
+          </a:p>
+        </p:txBody>
+      </p:sp>
+      <p:sp>
+        <p:nvSpPr>
+          <p:cNvPr id="3" name="Content Placeholder 2">
+            <a:extLst>
+              <a:ext uri="{FF2B5EF4-FFF2-40B4-BE49-F238E27FC236}">
+                <a16:creationId xmlns:a16="http://schemas.microsoft.com/office/drawing/2014/main" id="{96947DB4-BC40-A929-C12B-AF8D3380A769}"/>
+              </a:ext>
+            </a:extLst>
+          </p:cNvPr>
+          <p:cNvSpPr>
+            <a:spLocks noGrp="1"/>
+          </p:cNvSpPr>
+          <p:nvPr>
+            <p:ph idx="1"/>
+          </p:nvPr>
+        </p:nvSpPr>
+        <p:spPr>
+          <a:xfrm>
+            <a:off x="5835535" y="149448"/>
+            <a:ext cx="5786970" cy="1982269"/>
+          </a:xfrm>
+        </p:spPr>
+        <p:txBody>
+          <a:bodyPr vert="horz" lIns="91440" tIns="45720" rIns="91440" bIns="45720" rtlCol="0" anchor="ctr">
+            <a:normAutofit/>
+          </a:bodyPr>
+          <a:lstStyle/>
+          <a:p>
+            <a:pPr marL="0" indent="0">
+              <a:buNone/>
+            </a:pPr>
+            <a:r>
+              <a:rPr lang="en-US" sz="2200" dirty="0">
+                <a:solidFill>
+                  <a:schemeClr val="tx2">
+                    <a:alpha val="80000"/>
+                  </a:schemeClr>
+                </a:solidFill>
+              </a:rPr>
+              <a:t>The main branch in the project</a:t>
+            </a:r>
+          </a:p>
+          <a:p>
+            <a:pPr marL="0" indent="0">
+              <a:buNone/>
+            </a:pPr>
+            <a:r>
+              <a:rPr lang="en-US" sz="2200" dirty="0">
+                <a:solidFill>
+                  <a:schemeClr val="tx2">
+                    <a:alpha val="80000"/>
+                  </a:schemeClr>
+                </a:solidFill>
+              </a:rPr>
+              <a:t>Historically called master but due to recent culture changes it is now more often called main, dev, </a:t>
+            </a:r>
+            <a:r>
+              <a:rPr lang="en-US" sz="2200" dirty="0" err="1">
+                <a:solidFill>
+                  <a:schemeClr val="tx2">
+                    <a:alpha val="80000"/>
+                  </a:schemeClr>
+                </a:solidFill>
+              </a:rPr>
+              <a:t>etc</a:t>
+            </a:r>
+            <a:endParaRPr lang="en-US" sz="2200" dirty="0">
+              <a:solidFill>
+                <a:schemeClr val="tx2">
+                  <a:alpha val="80000"/>
+                </a:schemeClr>
+              </a:solidFill>
+            </a:endParaRPr>
+          </a:p>
+        </p:txBody>
+      </p:sp>
+      <p:sp>
+        <p:nvSpPr>
+          <p:cNvPr id="27" name="Rectangle 26">
+            <a:extLst>
+              <a:ext uri="{FF2B5EF4-FFF2-40B4-BE49-F238E27FC236}">
+                <a16:creationId xmlns:a16="http://schemas.microsoft.com/office/drawing/2014/main" id="{51F511C0-E37C-61D0-01D3-63B4F471EBD6}"/>
+              </a:ext>
+              <a:ext uri="{C183D7F6-B498-43B3-948B-1728B52AA6E4}">
+                <adec:decorative xmlns:adec="http://schemas.microsoft.com/office/drawing/2017/decorative" val="1"/>
+              </a:ext>
+            </a:extLst>
+          </p:cNvPr>
+          <p:cNvSpPr>
+            <a:spLocks noGrp="1" noRot="1" noChangeAspect="1" noMove="1" noResize="1" noEditPoints="1" noAdjustHandles="1" noChangeArrowheads="1" noChangeShapeType="1" noTextEdit="1"/>
+          </p:cNvSpPr>
+          <p:nvPr>
+            <p:extLst>
+              <p:ext uri="{386F3935-93C4-4BCD-93E2-E3B085C9AB24}">
+                <p16:designElem xmlns:p16="http://schemas.microsoft.com/office/powerpoint/2015/main" val="1"/>
+              </p:ext>
+            </p:extLst>
+          </p:nvPr>
+        </p:nvSpPr>
+        <p:spPr>
+          <a:xfrm>
+            <a:off x="0" y="2258716"/>
+            <a:ext cx="12192000" cy="4594915"/>
+          </a:xfrm>
+          <a:prstGeom prst="rect">
+            <a:avLst/>
+          </a:prstGeom>
+          <a:solidFill>
+            <a:schemeClr val="tx2">
+              <a:lumMod val="90000"/>
+              <a:lumOff val="10000"/>
+            </a:schemeClr>
+          </a:solidFill>
+          <a:ln>
+            <a:noFill/>
+          </a:ln>
+        </p:spPr>
+        <p:style>
+          <a:lnRef idx="2">
+            <a:schemeClr val="accent1">
+              <a:shade val="50000"/>
+            </a:schemeClr>
+          </a:lnRef>
+          <a:fillRef idx="1">
+            <a:schemeClr val="accent1"/>
+          </a:fillRef>
+          <a:effectRef idx="0">
+            <a:schemeClr val="accent1"/>
+          </a:effectRef>
+          <a:fontRef idx="minor">
+            <a:schemeClr val="lt1"/>
+          </a:fontRef>
+        </p:style>
+        <p:txBody>
+          <a:bodyPr rtlCol="0" anchor="ctr"/>
+          <a:lstStyle/>
+          <a:p>
+            <a:pPr algn="ctr"/>
+            <a:endParaRPr lang="en-US" dirty="0">
+              <a:solidFill>
+                <a:schemeClr val="tx1">
+                  <a:lumMod val="65000"/>
+                  <a:lumOff val="35000"/>
+                </a:schemeClr>
+              </a:solidFill>
+              <a:latin typeface="AvenirNext LT Pro Medium" panose="020B0504020202020204" pitchFamily="34" charset="0"/>
+            </a:endParaRPr>
+          </a:p>
+        </p:txBody>
+      </p:sp>
+      <p:sp>
+        <p:nvSpPr>
+          <p:cNvPr id="29" name="Rectangle 28">
+            <a:extLst>
+              <a:ext uri="{FF2B5EF4-FFF2-40B4-BE49-F238E27FC236}">
+                <a16:creationId xmlns:a16="http://schemas.microsoft.com/office/drawing/2014/main" id="{2FCB0E88-B0E2-B919-BC01-9DD39778EBBB}"/>
+              </a:ext>
+              <a:ext uri="{C183D7F6-B498-43B3-948B-1728B52AA6E4}">
+                <adec:decorative xmlns:adec="http://schemas.microsoft.com/office/drawing/2017/decorative" val="1"/>
+              </a:ext>
+            </a:extLst>
+          </p:cNvPr>
+          <p:cNvSpPr>
+            <a:spLocks noGrp="1" noRot="1" noChangeAspect="1" noMove="1" noResize="1" noEditPoints="1" noAdjustHandles="1" noChangeArrowheads="1" noChangeShapeType="1" noTextEdit="1"/>
+          </p:cNvSpPr>
+          <p:nvPr>
+            <p:extLst>
+              <p:ext uri="{386F3935-93C4-4BCD-93E2-E3B085C9AB24}">
+                <p16:designElem xmlns:p16="http://schemas.microsoft.com/office/powerpoint/2015/main" val="1"/>
+              </p:ext>
+            </p:extLst>
+          </p:nvPr>
+        </p:nvSpPr>
+        <p:spPr>
+          <a:xfrm rot="10800000">
+            <a:off x="-3056" y="2258716"/>
+            <a:ext cx="12191999" cy="4608809"/>
+          </a:xfrm>
+          <a:prstGeom prst="rect">
+            <a:avLst/>
+          </a:prstGeom>
+          <a:blipFill dpi="0" rotWithShape="1">
+            <a:blip r:embed="rId3">
+              <a:alphaModFix amt="20000"/>
+              <a:duotone>
+                <a:schemeClr val="accent1">
+                  <a:shade val="45000"/>
+                  <a:satMod val="135000"/>
+                </a:schemeClr>
+                <a:prstClr val="white"/>
+              </a:duotone>
+            </a:blip>
+            <a:srcRect/>
+            <a:tile tx="889000" ty="0" sx="100000" sy="100000" flip="none" algn="tl"/>
+          </a:blipFill>
+          <a:ln>
+            <a:noFill/>
+          </a:ln>
+        </p:spPr>
+        <p:style>
+          <a:lnRef idx="2">
+            <a:schemeClr val="accent1">
+              <a:shade val="50000"/>
+            </a:schemeClr>
+          </a:lnRef>
+          <a:fillRef idx="1">
+            <a:schemeClr val="accent1"/>
+          </a:fillRef>
+          <a:effectRef idx="0">
+            <a:schemeClr val="accent1"/>
+          </a:effectRef>
+          <a:fontRef idx="minor">
+            <a:schemeClr val="lt1"/>
+          </a:fontRef>
+        </p:style>
+        <p:txBody>
+          <a:bodyPr rtlCol="0" anchor="ctr"/>
+          <a:lstStyle/>
+          <a:p>
+            <a:pPr algn="ctr"/>
+            <a:endParaRPr lang="en-US" dirty="0"/>
+          </a:p>
+        </p:txBody>
+      </p:sp>
+      <p:pic>
+        <p:nvPicPr>
+          <p:cNvPr id="5" name="Picture 4">
+            <a:extLst>
+              <a:ext uri="{FF2B5EF4-FFF2-40B4-BE49-F238E27FC236}">
+                <a16:creationId xmlns:a16="http://schemas.microsoft.com/office/drawing/2014/main" id="{57ABDBF3-B2EF-4466-3894-C9613939E1AD}"/>
+              </a:ext>
+            </a:extLst>
+          </p:cNvPr>
+          <p:cNvPicPr>
+            <a:picLocks noChangeAspect="1"/>
+          </p:cNvPicPr>
+          <p:nvPr/>
+        </p:nvPicPr>
+        <p:blipFill>
+          <a:blip r:embed="rId4"/>
+          <a:stretch>
+            <a:fillRect/>
+          </a:stretch>
+        </p:blipFill>
+        <p:spPr>
+          <a:xfrm>
+            <a:off x="2727101" y="2667000"/>
+            <a:ext cx="6737797" cy="3638410"/>
+          </a:xfrm>
+          <a:prstGeom prst="rect">
+            <a:avLst/>
+          </a:prstGeom>
+        </p:spPr>
+      </p:pic>
+      <p:sp>
+        <p:nvSpPr>
+          <p:cNvPr id="6" name="TextBox 5">
+            <a:extLst>
+              <a:ext uri="{FF2B5EF4-FFF2-40B4-BE49-F238E27FC236}">
+                <a16:creationId xmlns:a16="http://schemas.microsoft.com/office/drawing/2014/main" id="{0CFABCFC-DD3D-2A67-4A4D-F02EA11A10C4}"/>
+              </a:ext>
+            </a:extLst>
+          </p:cNvPr>
+          <p:cNvSpPr txBox="1"/>
+          <p:nvPr/>
+        </p:nvSpPr>
+        <p:spPr>
+          <a:xfrm>
+            <a:off x="2849394" y="6456242"/>
+            <a:ext cx="6487097" cy="276999"/>
+          </a:xfrm>
+          <a:prstGeom prst="rect">
+            <a:avLst/>
+          </a:prstGeom>
+          <a:noFill/>
+        </p:spPr>
+        <p:txBody>
+          <a:bodyPr wrap="none" rtlCol="0">
+            <a:spAutoFit/>
+          </a:bodyPr>
+          <a:lstStyle/>
+          <a:p>
+            <a:r>
+              <a:rPr lang="en-GB" sz="1200" dirty="0">
+                <a:solidFill>
+                  <a:schemeClr val="bg1"/>
+                </a:solidFill>
+              </a:rPr>
+              <a:t>Image source: https://www.slideshare.net/slideshow/git-101-git-and-github-for-beginners</a:t>
+            </a:r>
+          </a:p>
+        </p:txBody>
+      </p:sp>
+    </p:spTree>
+    <p:extLst>
+      <p:ext uri="{BB962C8B-B14F-4D97-AF65-F5344CB8AC3E}">
+        <p14:creationId xmlns:p14="http://schemas.microsoft.com/office/powerpoint/2010/main" val="3432550731"/>
+      </p:ext>
+    </p:extLst>
+  </p:cSld>
+  <p:clrMapOvr>
+    <a:masterClrMapping/>
+  </p:clrMapOvr>
+</p:sld>
+</file>
+
+<file path=ppt/slides/slide13.xml><?xml version="1.0" encoding="utf-8"?>
+<p:sld xmlns:a="http://schemas.openxmlformats.org/drawingml/2006/main" xmlns:r="http://schemas.openxmlformats.org/officeDocument/2006/relationships" xmlns:p="http://schemas.openxmlformats.org/presentationml/2006/main">
+  <p:cSld>
+    <p:bg>
+      <p:bgPr>
+        <a:solidFill>
+          <a:schemeClr val="bg1"/>
+        </a:solidFill>
+        <a:effectLst/>
+      </p:bgPr>
+    </p:bg>
+    <p:spTree>
+      <p:nvGrpSpPr>
+        <p:cNvPr id="1" name=""/>
+        <p:cNvGrpSpPr/>
+        <p:nvPr/>
+      </p:nvGrpSpPr>
+      <p:grpSpPr>
+        <a:xfrm>
+          <a:off x="0" y="0"/>
+          <a:ext cx="0" cy="0"/>
+          <a:chOff x="0" y="0"/>
+          <a:chExt cx="0" cy="0"/>
+        </a:xfrm>
+      </p:grpSpPr>
+      <p:sp useBgFill="1">
+        <p:nvSpPr>
+          <p:cNvPr id="19" name="Rectangle 18">
+            <a:extLst>
+              <a:ext uri="{FF2B5EF4-FFF2-40B4-BE49-F238E27FC236}">
+                <a16:creationId xmlns:a16="http://schemas.microsoft.com/office/drawing/2014/main" id="{4AB8125F-0FD8-48CD-9F43-73E5494EA774}"/>
+              </a:ext>
+              <a:ext uri="{C183D7F6-B498-43B3-948B-1728B52AA6E4}">
+                <adec:decorative xmlns:adec="http://schemas.microsoft.com/office/drawing/2017/decorative" val="1"/>
+              </a:ext>
+            </a:extLst>
+          </p:cNvPr>
+          <p:cNvSpPr>
+            <a:spLocks noGrp="1" noRot="1" noChangeAspect="1" noMove="1" noResize="1" noEditPoints="1" noAdjustHandles="1" noChangeArrowheads="1" noChangeShapeType="1" noTextEdit="1"/>
+          </p:cNvSpPr>
+          <p:nvPr>
+            <p:extLst>
+              <p:ext uri="{386F3935-93C4-4BCD-93E2-E3B085C9AB24}">
+                <p16:designElem xmlns:p16="http://schemas.microsoft.com/office/powerpoint/2015/main" val="1"/>
+              </p:ext>
+            </p:extLst>
+          </p:nvPr>
+        </p:nvSpPr>
+        <p:spPr>
+          <a:xfrm>
+            <a:off x="3048" y="0"/>
+            <a:ext cx="12188952" cy="6858000"/>
+          </a:xfrm>
+          <a:prstGeom prst="rect">
+            <a:avLst/>
+          </a:prstGeom>
+          <a:ln>
+            <a:noFill/>
+          </a:ln>
+        </p:spPr>
+        <p:style>
+          <a:lnRef idx="2">
+            <a:schemeClr val="accent1">
+              <a:shade val="50000"/>
+            </a:schemeClr>
+          </a:lnRef>
+          <a:fillRef idx="1">
+            <a:schemeClr val="accent1"/>
+          </a:fillRef>
+          <a:effectRef idx="0">
+            <a:schemeClr val="accent1"/>
+          </a:effectRef>
+          <a:fontRef idx="minor">
+            <a:schemeClr val="lt1"/>
+          </a:fontRef>
+        </p:style>
+        <p:txBody>
+          <a:bodyPr rtlCol="0" anchor="ctr"/>
+          <a:lstStyle/>
+          <a:p>
+            <a:pPr algn="ctr"/>
+            <a:endParaRPr lang="en-US">
+              <a:solidFill>
+                <a:schemeClr val="tx1">
+                  <a:lumMod val="65000"/>
+                  <a:lumOff val="35000"/>
+                </a:schemeClr>
+              </a:solidFill>
+              <a:latin typeface="AvenirNext LT Pro Medium" panose="020B0504020202020204" pitchFamily="34" charset="0"/>
+            </a:endParaRPr>
+          </a:p>
+        </p:txBody>
+      </p:sp>
+      <p:sp>
+        <p:nvSpPr>
+          <p:cNvPr id="21" name="Rectangle 20">
+            <a:extLst>
+              <a:ext uri="{FF2B5EF4-FFF2-40B4-BE49-F238E27FC236}">
+                <a16:creationId xmlns:a16="http://schemas.microsoft.com/office/drawing/2014/main" id="{0019DD6C-5899-4C07-864B-EB0A7D104ACF}"/>
+              </a:ext>
+              <a:ext uri="{C183D7F6-B498-43B3-948B-1728B52AA6E4}">
+                <adec:decorative xmlns:adec="http://schemas.microsoft.com/office/drawing/2017/decorative" val="1"/>
+              </a:ext>
+            </a:extLst>
+          </p:cNvPr>
+          <p:cNvSpPr>
+            <a:spLocks noGrp="1" noRot="1" noChangeAspect="1" noMove="1" noResize="1" noEditPoints="1" noAdjustHandles="1" noChangeArrowheads="1" noChangeShapeType="1" noTextEdit="1"/>
+          </p:cNvSpPr>
+          <p:nvPr>
+            <p:extLst>
+              <p:ext uri="{386F3935-93C4-4BCD-93E2-E3B085C9AB24}">
+                <p16:designElem xmlns:p16="http://schemas.microsoft.com/office/powerpoint/2015/main" val="1"/>
+              </p:ext>
+            </p:extLst>
+          </p:nvPr>
+        </p:nvSpPr>
+        <p:spPr>
+          <a:xfrm>
+            <a:off x="3048" y="0"/>
+            <a:ext cx="12188952" cy="6858000"/>
+          </a:xfrm>
+          <a:prstGeom prst="rect">
+            <a:avLst/>
+          </a:prstGeom>
+          <a:solidFill>
+            <a:schemeClr val="bg2">
+              <a:alpha val="70000"/>
+            </a:schemeClr>
+          </a:solidFill>
+          <a:ln>
+            <a:noFill/>
+          </a:ln>
+        </p:spPr>
+        <p:style>
+          <a:lnRef idx="2">
+            <a:schemeClr val="accent1">
+              <a:shade val="50000"/>
+            </a:schemeClr>
+          </a:lnRef>
+          <a:fillRef idx="1">
+            <a:schemeClr val="accent1"/>
+          </a:fillRef>
+          <a:effectRef idx="0">
+            <a:schemeClr val="accent1"/>
+          </a:effectRef>
+          <a:fontRef idx="minor">
+            <a:schemeClr val="lt1"/>
+          </a:fontRef>
+        </p:style>
+        <p:txBody>
+          <a:bodyPr rtlCol="0" anchor="ctr"/>
+          <a:lstStyle/>
+          <a:p>
+            <a:pPr algn="ctr"/>
+            <a:endParaRPr lang="en-US">
+              <a:solidFill>
+                <a:schemeClr val="tx1">
+                  <a:lumMod val="65000"/>
+                  <a:lumOff val="35000"/>
+                </a:schemeClr>
+              </a:solidFill>
+              <a:latin typeface="AvenirNext LT Pro Medium" panose="020B0504020202020204" pitchFamily="34" charset="0"/>
+            </a:endParaRPr>
+          </a:p>
+        </p:txBody>
+      </p:sp>
+      <p:sp>
+        <p:nvSpPr>
+          <p:cNvPr id="23" name="Rectangle 22">
+            <a:extLst>
+              <a:ext uri="{FF2B5EF4-FFF2-40B4-BE49-F238E27FC236}">
+                <a16:creationId xmlns:a16="http://schemas.microsoft.com/office/drawing/2014/main" id="{EBDFFBC1-15BD-428E-B8AF-ECF5D1B76DEB}"/>
+              </a:ext>
+              <a:ext uri="{C183D7F6-B498-43B3-948B-1728B52AA6E4}">
+                <adec:decorative xmlns:adec="http://schemas.microsoft.com/office/drawing/2017/decorative" val="1"/>
+              </a:ext>
+            </a:extLst>
+          </p:cNvPr>
+          <p:cNvSpPr>
+            <a:spLocks noGrp="1" noRot="1" noChangeAspect="1" noMove="1" noResize="1" noEditPoints="1" noAdjustHandles="1" noChangeArrowheads="1" noChangeShapeType="1" noTextEdit="1"/>
+          </p:cNvSpPr>
+          <p:nvPr>
+            <p:extLst>
+              <p:ext uri="{386F3935-93C4-4BCD-93E2-E3B085C9AB24}">
+                <p16:designElem xmlns:p16="http://schemas.microsoft.com/office/powerpoint/2015/main" val="1"/>
+              </p:ext>
+            </p:extLst>
+          </p:nvPr>
+        </p:nvSpPr>
+        <p:spPr>
+          <a:xfrm>
+            <a:off x="0" y="-151"/>
+            <a:ext cx="12192000" cy="2217680"/>
+          </a:xfrm>
+          <a:prstGeom prst="rect">
+            <a:avLst/>
+          </a:prstGeom>
+          <a:solidFill>
+            <a:schemeClr val="tx2">
+              <a:lumMod val="90000"/>
+              <a:lumOff val="10000"/>
+            </a:schemeClr>
+          </a:solidFill>
+          <a:ln>
+            <a:noFill/>
+          </a:ln>
+        </p:spPr>
+        <p:style>
+          <a:lnRef idx="2">
+            <a:schemeClr val="accent1">
+              <a:shade val="50000"/>
+            </a:schemeClr>
+          </a:lnRef>
+          <a:fillRef idx="1">
+            <a:schemeClr val="accent1"/>
+          </a:fillRef>
+          <a:effectRef idx="0">
+            <a:schemeClr val="accent1"/>
+          </a:effectRef>
+          <a:fontRef idx="minor">
+            <a:schemeClr val="lt1"/>
+          </a:fontRef>
+        </p:style>
+        <p:txBody>
+          <a:bodyPr rtlCol="0" anchor="ctr"/>
+          <a:lstStyle/>
+          <a:p>
+            <a:pPr algn="ctr"/>
+            <a:endParaRPr lang="en-US" dirty="0">
+              <a:solidFill>
+                <a:schemeClr val="tx1">
+                  <a:lumMod val="65000"/>
+                  <a:lumOff val="35000"/>
+                </a:schemeClr>
+              </a:solidFill>
+              <a:latin typeface="AvenirNext LT Pro Medium" panose="020B0504020202020204" pitchFamily="34" charset="0"/>
+            </a:endParaRPr>
+          </a:p>
+        </p:txBody>
+      </p:sp>
+      <p:sp>
+        <p:nvSpPr>
+          <p:cNvPr id="25" name="Rectangle 24">
+            <a:extLst>
+              <a:ext uri="{FF2B5EF4-FFF2-40B4-BE49-F238E27FC236}">
+                <a16:creationId xmlns:a16="http://schemas.microsoft.com/office/drawing/2014/main" id="{EBFB3075-0323-4EB0-B1A5-776A0E709CEF}"/>
+              </a:ext>
+              <a:ext uri="{C183D7F6-B498-43B3-948B-1728B52AA6E4}">
+                <adec:decorative xmlns:adec="http://schemas.microsoft.com/office/drawing/2017/decorative" val="1"/>
+              </a:ext>
+            </a:extLst>
+          </p:cNvPr>
+          <p:cNvSpPr>
+            <a:spLocks noGrp="1" noRot="1" noChangeAspect="1" noMove="1" noResize="1" noEditPoints="1" noAdjustHandles="1" noChangeArrowheads="1" noChangeShapeType="1" noTextEdit="1"/>
+          </p:cNvSpPr>
+          <p:nvPr>
+            <p:extLst>
+              <p:ext uri="{386F3935-93C4-4BCD-93E2-E3B085C9AB24}">
+                <p16:designElem xmlns:p16="http://schemas.microsoft.com/office/powerpoint/2015/main" val="1"/>
+              </p:ext>
+            </p:extLst>
+          </p:nvPr>
+        </p:nvSpPr>
+        <p:spPr>
+          <a:xfrm rot="10800000">
+            <a:off x="0" y="-1"/>
+            <a:ext cx="12191999" cy="2224386"/>
+          </a:xfrm>
+          <a:prstGeom prst="rect">
+            <a:avLst/>
+          </a:prstGeom>
+          <a:blipFill dpi="0" rotWithShape="1">
+            <a:blip r:embed="rId2">
+              <a:alphaModFix amt="20000"/>
+              <a:duotone>
+                <a:schemeClr val="accent1">
+                  <a:shade val="45000"/>
+                  <a:satMod val="135000"/>
+                </a:schemeClr>
+                <a:prstClr val="white"/>
+              </a:duotone>
+            </a:blip>
+            <a:srcRect/>
+            <a:tile tx="889000" ty="0" sx="100000" sy="100000" flip="none" algn="tl"/>
+          </a:blipFill>
+          <a:ln>
+            <a:noFill/>
+          </a:ln>
+        </p:spPr>
+        <p:style>
+          <a:lnRef idx="2">
+            <a:schemeClr val="accent1">
+              <a:shade val="50000"/>
+            </a:schemeClr>
+          </a:lnRef>
+          <a:fillRef idx="1">
+            <a:schemeClr val="accent1"/>
+          </a:fillRef>
+          <a:effectRef idx="0">
+            <a:schemeClr val="accent1"/>
+          </a:effectRef>
+          <a:fontRef idx="minor">
+            <a:schemeClr val="lt1"/>
+          </a:fontRef>
+        </p:style>
+        <p:txBody>
+          <a:bodyPr rtlCol="0" anchor="ctr"/>
+          <a:lstStyle/>
+          <a:p>
+            <a:pPr algn="ctr"/>
+            <a:endParaRPr lang="en-US" dirty="0"/>
+          </a:p>
+        </p:txBody>
+      </p:sp>
+      <p:sp>
+        <p:nvSpPr>
+          <p:cNvPr id="2" name="Title 1">
+            <a:extLst>
+              <a:ext uri="{FF2B5EF4-FFF2-40B4-BE49-F238E27FC236}">
+                <a16:creationId xmlns:a16="http://schemas.microsoft.com/office/drawing/2014/main" id="{731B4D26-039B-5937-3894-B95D2870FB54}"/>
+              </a:ext>
+            </a:extLst>
+          </p:cNvPr>
+          <p:cNvSpPr>
+            <a:spLocks noGrp="1"/>
+          </p:cNvSpPr>
+          <p:nvPr>
+            <p:ph type="title"/>
+          </p:nvPr>
+        </p:nvSpPr>
+        <p:spPr>
+          <a:xfrm>
+            <a:off x="838200" y="381000"/>
+            <a:ext cx="10003218" cy="1600124"/>
+          </a:xfrm>
+        </p:spPr>
+        <p:txBody>
+          <a:bodyPr>
+            <a:normAutofit/>
+          </a:bodyPr>
+          <a:lstStyle/>
+          <a:p>
+            <a:r>
+              <a:rPr lang="en-GB"/>
+              <a:t>Making changes</a:t>
+            </a:r>
+          </a:p>
+        </p:txBody>
+      </p:sp>
+      <p:sp>
+        <p:nvSpPr>
+          <p:cNvPr id="3" name="Content Placeholder 2">
+            <a:extLst>
+              <a:ext uri="{FF2B5EF4-FFF2-40B4-BE49-F238E27FC236}">
+                <a16:creationId xmlns:a16="http://schemas.microsoft.com/office/drawing/2014/main" id="{565D4F73-CF99-FA84-1AE9-7EDDC46C65E5}"/>
+              </a:ext>
+            </a:extLst>
+          </p:cNvPr>
+          <p:cNvSpPr>
+            <a:spLocks noGrp="1"/>
+          </p:cNvSpPr>
+          <p:nvPr>
+            <p:ph idx="1"/>
+          </p:nvPr>
+        </p:nvSpPr>
+        <p:spPr>
+          <a:xfrm>
+            <a:off x="838200" y="2745362"/>
+            <a:ext cx="4800600" cy="3552824"/>
+          </a:xfrm>
+        </p:spPr>
+        <p:txBody>
+          <a:bodyPr anchor="ctr">
+            <a:normAutofit lnSpcReduction="10000"/>
+          </a:bodyPr>
+          <a:lstStyle/>
+          <a:p>
+            <a:pPr>
+              <a:lnSpc>
+                <a:spcPct val="100000"/>
+              </a:lnSpc>
+            </a:pPr>
+            <a:r>
+              <a:rPr lang="en-GB" sz="1800" dirty="0">
+                <a:solidFill>
+                  <a:schemeClr val="tx1"/>
+                </a:solidFill>
+              </a:rPr>
+              <a:t>When you want to make any changes to the project you </a:t>
+            </a:r>
+            <a:r>
+              <a:rPr lang="en-GB" sz="1800" b="1" dirty="0">
+                <a:solidFill>
+                  <a:schemeClr val="tx1"/>
+                </a:solidFill>
+              </a:rPr>
+              <a:t>make a new branch based on another branch</a:t>
+            </a:r>
+            <a:r>
+              <a:rPr lang="en-GB" sz="1800" dirty="0">
+                <a:solidFill>
+                  <a:schemeClr val="tx1"/>
+                </a:solidFill>
+              </a:rPr>
+              <a:t> (or commit – not that often)</a:t>
+            </a:r>
+          </a:p>
+          <a:p>
+            <a:pPr>
+              <a:lnSpc>
+                <a:spcPct val="100000"/>
+              </a:lnSpc>
+            </a:pPr>
+            <a:r>
+              <a:rPr lang="en-GB" sz="1800" dirty="0">
+                <a:solidFill>
+                  <a:schemeClr val="tx1"/>
+                </a:solidFill>
+              </a:rPr>
+              <a:t>Usually, the master branch is used for this purpose</a:t>
+            </a:r>
+          </a:p>
+          <a:p>
+            <a:pPr>
+              <a:lnSpc>
+                <a:spcPct val="100000"/>
+              </a:lnSpc>
+            </a:pPr>
+            <a:r>
+              <a:rPr lang="en-GB" sz="1800" dirty="0">
+                <a:solidFill>
+                  <a:schemeClr val="tx1"/>
+                </a:solidFill>
+              </a:rPr>
+              <a:t>However, the master branch will be used by others as well and it will also change in time</a:t>
+            </a:r>
+          </a:p>
+          <a:p>
+            <a:pPr>
+              <a:lnSpc>
+                <a:spcPct val="100000"/>
+              </a:lnSpc>
+            </a:pPr>
+            <a:r>
+              <a:rPr lang="en-GB" sz="1800" dirty="0">
+                <a:solidFill>
+                  <a:schemeClr val="tx1"/>
+                </a:solidFill>
+              </a:rPr>
+              <a:t>Once you are done with your work, you need to </a:t>
+            </a:r>
+            <a:r>
+              <a:rPr lang="en-GB" sz="1800" b="1" dirty="0">
+                <a:solidFill>
+                  <a:schemeClr val="tx1"/>
+                </a:solidFill>
+              </a:rPr>
+              <a:t>merge your branch back into its original branch</a:t>
+            </a:r>
+          </a:p>
+        </p:txBody>
+      </p:sp>
+      <p:pic>
+        <p:nvPicPr>
+          <p:cNvPr id="4" name="Picture 3">
+            <a:extLst>
+              <a:ext uri="{FF2B5EF4-FFF2-40B4-BE49-F238E27FC236}">
+                <a16:creationId xmlns:a16="http://schemas.microsoft.com/office/drawing/2014/main" id="{42AE42C9-FEE5-8BCC-BAB9-832E4396082F}"/>
+              </a:ext>
+            </a:extLst>
+          </p:cNvPr>
+          <p:cNvPicPr>
+            <a:picLocks noChangeAspect="1"/>
+          </p:cNvPicPr>
+          <p:nvPr/>
+        </p:nvPicPr>
+        <p:blipFill>
+          <a:blip r:embed="rId3"/>
+          <a:stretch>
+            <a:fillRect/>
+          </a:stretch>
+        </p:blipFill>
+        <p:spPr>
+          <a:xfrm>
+            <a:off x="6024671" y="2745362"/>
+            <a:ext cx="5529686" cy="3552824"/>
+          </a:xfrm>
+          <a:prstGeom prst="rect">
+            <a:avLst/>
+          </a:prstGeom>
+        </p:spPr>
+      </p:pic>
+      <p:sp>
+        <p:nvSpPr>
+          <p:cNvPr id="7" name="TextBox 6">
+            <a:extLst>
+              <a:ext uri="{FF2B5EF4-FFF2-40B4-BE49-F238E27FC236}">
+                <a16:creationId xmlns:a16="http://schemas.microsoft.com/office/drawing/2014/main" id="{F729BAC4-C32F-BDEA-4485-199AB22E3B49}"/>
+              </a:ext>
+            </a:extLst>
+          </p:cNvPr>
+          <p:cNvSpPr txBox="1"/>
+          <p:nvPr/>
+        </p:nvSpPr>
+        <p:spPr>
+          <a:xfrm>
+            <a:off x="5545965" y="6374386"/>
+            <a:ext cx="6487097" cy="276999"/>
+          </a:xfrm>
+          <a:prstGeom prst="rect">
+            <a:avLst/>
+          </a:prstGeom>
+          <a:noFill/>
+        </p:spPr>
+        <p:txBody>
+          <a:bodyPr wrap="none" rtlCol="0">
+            <a:spAutoFit/>
+          </a:bodyPr>
+          <a:lstStyle/>
+          <a:p>
+            <a:r>
+              <a:rPr lang="en-GB" sz="1200" dirty="0"/>
+              <a:t>Image source: https://www.slideshare.net/slideshow/git-101-git-and-github-for-beginners</a:t>
+            </a:r>
+          </a:p>
+        </p:txBody>
+      </p:sp>
+    </p:spTree>
+    <p:extLst>
+      <p:ext uri="{BB962C8B-B14F-4D97-AF65-F5344CB8AC3E}">
+        <p14:creationId xmlns:p14="http://schemas.microsoft.com/office/powerpoint/2010/main" val="3736095800"/>
+      </p:ext>
+    </p:extLst>
+  </p:cSld>
+  <p:clrMapOvr>
+    <a:masterClrMapping/>
+  </p:clrMapOvr>
+</p:sld>
+</file>
+
+<file path=ppt/slides/slide14.xml><?xml version="1.0" encoding="utf-8"?>
+<p:sld xmlns:a="http://schemas.openxmlformats.org/drawingml/2006/main" xmlns:r="http://schemas.openxmlformats.org/officeDocument/2006/relationships" xmlns:p="http://schemas.openxmlformats.org/presentationml/2006/main">
+  <p:cSld>
+    <p:bg>
+      <p:bgPr>
+        <a:solidFill>
+          <a:schemeClr val="bg1"/>
+        </a:solidFill>
+        <a:effectLst/>
+      </p:bgPr>
+    </p:bg>
+    <p:spTree>
+      <p:nvGrpSpPr>
+        <p:cNvPr id="1" name=""/>
+        <p:cNvGrpSpPr/>
+        <p:nvPr/>
+      </p:nvGrpSpPr>
+      <p:grpSpPr>
+        <a:xfrm>
+          <a:off x="0" y="0"/>
+          <a:ext cx="0" cy="0"/>
+          <a:chOff x="0" y="0"/>
+          <a:chExt cx="0" cy="0"/>
+        </a:xfrm>
+      </p:grpSpPr>
+      <p:sp useBgFill="1">
+        <p:nvSpPr>
+          <p:cNvPr id="8" name="Rectangle 7">
+            <a:extLst>
+              <a:ext uri="{FF2B5EF4-FFF2-40B4-BE49-F238E27FC236}">
+                <a16:creationId xmlns:a16="http://schemas.microsoft.com/office/drawing/2014/main" id="{8651CFA9-6065-4243-AC48-858E359780B1}"/>
+              </a:ext>
+              <a:ext uri="{C183D7F6-B498-43B3-948B-1728B52AA6E4}">
+                <adec:decorative xmlns:adec="http://schemas.microsoft.com/office/drawing/2017/decorative" val="1"/>
+              </a:ext>
+            </a:extLst>
+          </p:cNvPr>
+          <p:cNvSpPr>
+            <a:spLocks noGrp="1" noRot="1" noChangeAspect="1" noMove="1" noResize="1" noEditPoints="1" noAdjustHandles="1" noChangeArrowheads="1" noChangeShapeType="1" noTextEdit="1"/>
+          </p:cNvSpPr>
+          <p:nvPr>
+            <p:extLst>
+              <p:ext uri="{386F3935-93C4-4BCD-93E2-E3B085C9AB24}">
+                <p16:designElem xmlns:p16="http://schemas.microsoft.com/office/powerpoint/2015/main" val="1"/>
+              </p:ext>
+            </p:extLst>
+          </p:nvPr>
+        </p:nvSpPr>
+        <p:spPr>
+          <a:xfrm>
+            <a:off x="0" y="0"/>
+            <a:ext cx="12188952" cy="6858000"/>
+          </a:xfrm>
+          <a:prstGeom prst="rect">
+            <a:avLst/>
+          </a:prstGeom>
+          <a:ln>
+            <a:noFill/>
+          </a:ln>
+        </p:spPr>
+        <p:style>
+          <a:lnRef idx="2">
+            <a:schemeClr val="accent1">
+              <a:shade val="50000"/>
+            </a:schemeClr>
+          </a:lnRef>
+          <a:fillRef idx="1">
+            <a:schemeClr val="accent1"/>
+          </a:fillRef>
+          <a:effectRef idx="0">
+            <a:schemeClr val="accent1"/>
+          </a:effectRef>
+          <a:fontRef idx="minor">
+            <a:schemeClr val="lt1"/>
+          </a:fontRef>
+        </p:style>
+        <p:txBody>
+          <a:bodyPr rtlCol="0" anchor="ctr"/>
+          <a:lstStyle/>
+          <a:p>
+            <a:pPr algn="ctr"/>
+            <a:endParaRPr lang="en-US">
+              <a:solidFill>
+                <a:schemeClr val="tx1">
+                  <a:lumMod val="65000"/>
+                  <a:lumOff val="35000"/>
+                </a:schemeClr>
+              </a:solidFill>
+              <a:latin typeface="AvenirNext LT Pro Medium" panose="020B0504020202020204" pitchFamily="34" charset="0"/>
+            </a:endParaRPr>
+          </a:p>
+        </p:txBody>
+      </p:sp>
+      <p:sp>
+        <p:nvSpPr>
+          <p:cNvPr id="10" name="Rectangle 9">
+            <a:extLst>
+              <a:ext uri="{FF2B5EF4-FFF2-40B4-BE49-F238E27FC236}">
+                <a16:creationId xmlns:a16="http://schemas.microsoft.com/office/drawing/2014/main" id="{37962AE0-6A1C-4B76-9D52-10E5E6D7D3BB}"/>
+              </a:ext>
+              <a:ext uri="{C183D7F6-B498-43B3-948B-1728B52AA6E4}">
+                <adec:decorative xmlns:adec="http://schemas.microsoft.com/office/drawing/2017/decorative" val="1"/>
+              </a:ext>
+            </a:extLst>
+          </p:cNvPr>
+          <p:cNvSpPr>
+            <a:spLocks noGrp="1" noRot="1" noChangeAspect="1" noMove="1" noResize="1" noEditPoints="1" noAdjustHandles="1" noChangeArrowheads="1" noChangeShapeType="1" noTextEdit="1"/>
+          </p:cNvSpPr>
+          <p:nvPr>
+            <p:extLst>
+              <p:ext uri="{386F3935-93C4-4BCD-93E2-E3B085C9AB24}">
+                <p16:designElem xmlns:p16="http://schemas.microsoft.com/office/powerpoint/2015/main" val="1"/>
+              </p:ext>
+            </p:extLst>
+          </p:nvPr>
+        </p:nvSpPr>
+        <p:spPr>
+          <a:xfrm>
+            <a:off x="0" y="0"/>
+            <a:ext cx="12188952" cy="6858000"/>
+          </a:xfrm>
+          <a:prstGeom prst="rect">
+            <a:avLst/>
+          </a:prstGeom>
+          <a:solidFill>
+            <a:schemeClr val="bg2">
+              <a:alpha val="70000"/>
+            </a:schemeClr>
+          </a:solidFill>
+          <a:ln>
+            <a:noFill/>
+          </a:ln>
+        </p:spPr>
+        <p:style>
+          <a:lnRef idx="2">
+            <a:schemeClr val="accent1">
+              <a:shade val="50000"/>
+            </a:schemeClr>
+          </a:lnRef>
+          <a:fillRef idx="1">
+            <a:schemeClr val="accent1"/>
+          </a:fillRef>
+          <a:effectRef idx="0">
+            <a:schemeClr val="accent1"/>
+          </a:effectRef>
+          <a:fontRef idx="minor">
+            <a:schemeClr val="lt1"/>
+          </a:fontRef>
+        </p:style>
+        <p:txBody>
+          <a:bodyPr rtlCol="0" anchor="ctr"/>
+          <a:lstStyle/>
+          <a:p>
+            <a:pPr algn="ctr"/>
+            <a:endParaRPr lang="en-US">
+              <a:solidFill>
+                <a:schemeClr val="tx1">
+                  <a:lumMod val="65000"/>
+                  <a:lumOff val="35000"/>
+                </a:schemeClr>
+              </a:solidFill>
+              <a:latin typeface="AvenirNext LT Pro Medium" panose="020B0504020202020204" pitchFamily="34" charset="0"/>
+            </a:endParaRPr>
+          </a:p>
+        </p:txBody>
+      </p:sp>
+      <p:pic>
+        <p:nvPicPr>
+          <p:cNvPr id="12" name="Picture 11">
+            <a:extLst>
+              <a:ext uri="{FF2B5EF4-FFF2-40B4-BE49-F238E27FC236}">
+                <a16:creationId xmlns:a16="http://schemas.microsoft.com/office/drawing/2014/main" id="{A72D06A1-BA08-4820-BBC8-B24DDB32A376}"/>
+              </a:ext>
+              <a:ext uri="{C183D7F6-B498-43B3-948B-1728B52AA6E4}">
+                <adec:decorative xmlns:adec="http://schemas.microsoft.com/office/drawing/2017/decorative" val="1"/>
+              </a:ext>
+            </a:extLst>
+          </p:cNvPr>
+          <p:cNvPicPr>
+            <a:picLocks noGrp="1" noRot="1" noChangeAspect="1" noMove="1" noResize="1" noEditPoints="1" noAdjustHandles="1" noChangeArrowheads="1" noChangeShapeType="1" noCrop="1"/>
+          </p:cNvPicPr>
+          <p:nvPr>
+            <p:extLst>
+              <p:ext uri="{386F3935-93C4-4BCD-93E2-E3B085C9AB24}">
+                <p16:designElem xmlns:p16="http://schemas.microsoft.com/office/powerpoint/2015/main" val="1"/>
+              </p:ext>
+            </p:extLst>
+          </p:nvPr>
+        </p:nvPicPr>
+        <p:blipFill rotWithShape="1">
+          <a:blip r:embed="rId2">
+            <a:duotone>
+              <a:schemeClr val="accent1">
+                <a:shade val="45000"/>
+                <a:satMod val="135000"/>
+              </a:schemeClr>
+              <a:prstClr val="white"/>
+            </a:duotone>
+            <a:extLst>
+              <a:ext uri="{28A0092B-C50C-407E-A947-70E740481C1C}">
+                <a14:useLocalDpi xmlns:a14="http://schemas.microsoft.com/office/drawing/2010/main" val="0"/>
+              </a:ext>
+            </a:extLst>
+          </a:blip>
+          <a:srcRect t="37018" r="40625"/>
+          <a:stretch/>
+        </p:blipFill>
+        <p:spPr>
+          <a:xfrm>
+            <a:off x="10744200" y="0"/>
+            <a:ext cx="1447800" cy="1535750"/>
+          </a:xfrm>
+          <a:prstGeom prst="rect">
+            <a:avLst/>
+          </a:prstGeom>
+        </p:spPr>
+      </p:pic>
+      <p:sp>
+        <p:nvSpPr>
+          <p:cNvPr id="2" name="Title 1">
+            <a:extLst>
+              <a:ext uri="{FF2B5EF4-FFF2-40B4-BE49-F238E27FC236}">
+                <a16:creationId xmlns:a16="http://schemas.microsoft.com/office/drawing/2014/main" id="{0D79C6DD-6B85-8C5E-CB2B-3EE33CC75AB5}"/>
+              </a:ext>
+            </a:extLst>
+          </p:cNvPr>
+          <p:cNvSpPr>
+            <a:spLocks noGrp="1"/>
+          </p:cNvSpPr>
+          <p:nvPr>
+            <p:ph type="title"/>
+          </p:nvPr>
+        </p:nvSpPr>
+        <p:spPr>
+          <a:xfrm>
+            <a:off x="838201" y="559813"/>
+            <a:ext cx="10348146" cy="1675009"/>
+          </a:xfrm>
+        </p:spPr>
+        <p:txBody>
+          <a:bodyPr anchor="t">
+            <a:normAutofit/>
+          </a:bodyPr>
+          <a:lstStyle/>
+          <a:p>
+            <a:r>
+              <a:rPr lang="en-GB" dirty="0">
+                <a:solidFill>
+                  <a:schemeClr val="tx2"/>
+                </a:solidFill>
+              </a:rPr>
+              <a:t>Making changes</a:t>
+            </a:r>
+          </a:p>
+        </p:txBody>
+      </p:sp>
+      <p:pic>
+        <p:nvPicPr>
+          <p:cNvPr id="14" name="Picture 13">
+            <a:extLst>
+              <a:ext uri="{FF2B5EF4-FFF2-40B4-BE49-F238E27FC236}">
+                <a16:creationId xmlns:a16="http://schemas.microsoft.com/office/drawing/2014/main" id="{1295E665-0408-4072-94B3-49BA5ACBCBD3}"/>
+              </a:ext>
+              <a:ext uri="{C183D7F6-B498-43B3-948B-1728B52AA6E4}">
+                <adec:decorative xmlns:adec="http://schemas.microsoft.com/office/drawing/2017/decorative" val="1"/>
+              </a:ext>
+            </a:extLst>
+          </p:cNvPr>
+          <p:cNvPicPr>
+            <a:picLocks noGrp="1" noRot="1" noChangeAspect="1" noMove="1" noResize="1" noEditPoints="1" noAdjustHandles="1" noChangeArrowheads="1" noChangeShapeType="1" noCrop="1"/>
+          </p:cNvPicPr>
+          <p:nvPr>
+            <p:extLst>
+              <p:ext uri="{386F3935-93C4-4BCD-93E2-E3B085C9AB24}">
+                <p16:designElem xmlns:p16="http://schemas.microsoft.com/office/powerpoint/2015/main" val="1"/>
+              </p:ext>
+            </p:extLst>
+          </p:nvPr>
+        </p:nvPicPr>
+        <p:blipFill rotWithShape="1">
+          <a:blip r:embed="rId3">
+            <a:duotone>
+              <a:schemeClr val="accent1">
+                <a:shade val="45000"/>
+                <a:satMod val="135000"/>
+              </a:schemeClr>
+              <a:prstClr val="white"/>
+            </a:duotone>
+            <a:extLst>
+              <a:ext uri="{28A0092B-C50C-407E-A947-70E740481C1C}">
+                <a14:useLocalDpi xmlns:a14="http://schemas.microsoft.com/office/drawing/2010/main" val="0"/>
+              </a:ext>
+            </a:extLst>
+          </a:blip>
+          <a:srcRect r="46048"/>
+          <a:stretch/>
+        </p:blipFill>
+        <p:spPr>
+          <a:xfrm rot="10800000">
+            <a:off x="0" y="2719662"/>
+            <a:ext cx="1371600" cy="2548349"/>
+          </a:xfrm>
+          <a:prstGeom prst="rect">
+            <a:avLst/>
+          </a:prstGeom>
+        </p:spPr>
+      </p:pic>
+      <p:sp>
+        <p:nvSpPr>
+          <p:cNvPr id="3" name="Content Placeholder 2">
+            <a:extLst>
+              <a:ext uri="{FF2B5EF4-FFF2-40B4-BE49-F238E27FC236}">
+                <a16:creationId xmlns:a16="http://schemas.microsoft.com/office/drawing/2014/main" id="{1E4B22C8-CC34-84E1-B9B0-86D7D8BDF672}"/>
+              </a:ext>
+            </a:extLst>
+          </p:cNvPr>
+          <p:cNvSpPr>
+            <a:spLocks noGrp="1"/>
+          </p:cNvSpPr>
+          <p:nvPr>
+            <p:ph idx="1"/>
+          </p:nvPr>
+        </p:nvSpPr>
+        <p:spPr>
+          <a:xfrm>
+            <a:off x="1756610" y="1876926"/>
+            <a:ext cx="10267937" cy="4236161"/>
+          </a:xfrm>
+        </p:spPr>
+        <p:txBody>
+          <a:bodyPr anchor="ctr">
+            <a:normAutofit fontScale="92500" lnSpcReduction="10000"/>
+          </a:bodyPr>
+          <a:lstStyle/>
+          <a:p>
+            <a:r>
+              <a:rPr lang="en-GB" sz="1800" dirty="0">
+                <a:solidFill>
+                  <a:schemeClr val="tx2"/>
+                </a:solidFill>
+              </a:rPr>
+              <a:t>Create a branch from the master branch in your local directory (on your PC)</a:t>
+            </a:r>
+          </a:p>
+          <a:p>
+            <a:pPr lvl="1"/>
+            <a:r>
+              <a:rPr lang="en-GB" sz="1400" dirty="0">
+                <a:solidFill>
+                  <a:schemeClr val="tx2"/>
+                </a:solidFill>
+              </a:rPr>
+              <a:t>git checkout master</a:t>
+            </a:r>
+          </a:p>
+          <a:p>
+            <a:pPr lvl="1"/>
+            <a:r>
+              <a:rPr lang="en-GB" sz="1400" dirty="0">
+                <a:solidFill>
+                  <a:schemeClr val="tx2"/>
+                </a:solidFill>
+              </a:rPr>
+              <a:t>git pull</a:t>
+            </a:r>
+          </a:p>
+          <a:p>
+            <a:pPr lvl="1"/>
+            <a:r>
+              <a:rPr lang="en-GB" sz="1400" dirty="0">
+                <a:solidFill>
+                  <a:schemeClr val="tx2"/>
+                </a:solidFill>
+              </a:rPr>
+              <a:t>git checkout –b YOUR_BRANCH_NAME</a:t>
+            </a:r>
+          </a:p>
+          <a:p>
+            <a:r>
+              <a:rPr lang="en-GB" sz="1800" dirty="0">
+                <a:solidFill>
+                  <a:schemeClr val="tx2"/>
+                </a:solidFill>
+              </a:rPr>
+              <a:t>Make changes</a:t>
+            </a:r>
+          </a:p>
+          <a:p>
+            <a:r>
+              <a:rPr lang="en-GB" sz="1800" dirty="0">
+                <a:solidFill>
+                  <a:schemeClr val="tx2"/>
+                </a:solidFill>
+              </a:rPr>
+              <a:t>Put changes into the staging environment (also called index)</a:t>
+            </a:r>
+          </a:p>
+          <a:p>
+            <a:pPr lvl="1"/>
+            <a:r>
+              <a:rPr lang="en-GB" sz="1400" dirty="0">
+                <a:solidFill>
+                  <a:schemeClr val="tx2"/>
+                </a:solidFill>
+              </a:rPr>
+              <a:t>git add .</a:t>
+            </a:r>
+          </a:p>
+          <a:p>
+            <a:pPr marL="457200" lvl="1" indent="0">
+              <a:buNone/>
+            </a:pPr>
+            <a:r>
+              <a:rPr lang="en-GB" sz="1400" dirty="0">
+                <a:solidFill>
+                  <a:schemeClr val="tx2"/>
+                </a:solidFill>
+              </a:rPr>
+              <a:t>Note: The “.” will add all files. You can specify files manually or use “-u” if you want to add only changed files.</a:t>
+            </a:r>
+          </a:p>
+          <a:p>
+            <a:r>
+              <a:rPr lang="en-GB" sz="1800" dirty="0">
+                <a:solidFill>
+                  <a:schemeClr val="tx2"/>
+                </a:solidFill>
+              </a:rPr>
+              <a:t>Create a new commit</a:t>
+            </a:r>
+          </a:p>
+          <a:p>
+            <a:pPr lvl="1"/>
+            <a:r>
+              <a:rPr lang="en-GB" sz="1400" dirty="0">
+                <a:solidFill>
+                  <a:schemeClr val="tx2"/>
+                </a:solidFill>
+              </a:rPr>
+              <a:t>git commit –m “YOUR_COMMIT_MESSAGE”</a:t>
+            </a:r>
+          </a:p>
+          <a:p>
+            <a:r>
+              <a:rPr lang="en-GB" sz="1800" dirty="0">
+                <a:solidFill>
+                  <a:schemeClr val="tx2"/>
+                </a:solidFill>
+              </a:rPr>
+              <a:t>Push commit to remote repository (also called origin)</a:t>
+            </a:r>
+          </a:p>
+          <a:p>
+            <a:pPr lvl="1"/>
+            <a:r>
+              <a:rPr lang="en-GB" sz="1400" dirty="0">
+                <a:solidFill>
+                  <a:schemeClr val="tx2"/>
+                </a:solidFill>
+              </a:rPr>
+              <a:t>git push</a:t>
+            </a:r>
+          </a:p>
+          <a:p>
+            <a:r>
+              <a:rPr lang="en-GB" sz="1800" dirty="0">
+                <a:solidFill>
+                  <a:schemeClr val="tx2"/>
+                </a:solidFill>
+              </a:rPr>
+              <a:t>Create a merge (sometimes also called “pull”) request in the web-based UI – more on the next slides</a:t>
+            </a:r>
+          </a:p>
+          <a:p>
+            <a:pPr lvl="1"/>
+            <a:endParaRPr lang="en-GB" sz="1400" dirty="0">
+              <a:solidFill>
+                <a:schemeClr val="tx2"/>
+              </a:solidFill>
+            </a:endParaRPr>
+          </a:p>
+        </p:txBody>
+      </p:sp>
+    </p:spTree>
+    <p:extLst>
+      <p:ext uri="{BB962C8B-B14F-4D97-AF65-F5344CB8AC3E}">
+        <p14:creationId xmlns:p14="http://schemas.microsoft.com/office/powerpoint/2010/main" val="1104446208"/>
+      </p:ext>
+    </p:extLst>
+  </p:cSld>
+  <p:clrMapOvr>
+    <a:masterClrMapping/>
+  </p:clrMapOvr>
+</p:sld>
+</file>
+
+<file path=ppt/slides/slide15.xml><?xml version="1.0" encoding="utf-8"?>
+<p:sld xmlns:a="http://schemas.openxmlformats.org/drawingml/2006/main" xmlns:r="http://schemas.openxmlformats.org/officeDocument/2006/relationships" xmlns:p="http://schemas.openxmlformats.org/presentationml/2006/main">
+  <p:cSld>
+    <p:bg>
+      <p:bgPr>
+        <a:solidFill>
+          <a:schemeClr val="bg1"/>
+        </a:solidFill>
+        <a:effectLst/>
+      </p:bgPr>
+    </p:bg>
+    <p:spTree>
+      <p:nvGrpSpPr>
+        <p:cNvPr id="1" name="">
+          <a:extLst>
+            <a:ext uri="{FF2B5EF4-FFF2-40B4-BE49-F238E27FC236}">
+              <a16:creationId xmlns:a16="http://schemas.microsoft.com/office/drawing/2014/main" id="{23D83EEC-017B-6526-5626-061B5F31354A}"/>
+            </a:ext>
+          </a:extLst>
+        </p:cNvPr>
+        <p:cNvGrpSpPr/>
+        <p:nvPr/>
+      </p:nvGrpSpPr>
+      <p:grpSpPr>
+        <a:xfrm>
+          <a:off x="0" y="0"/>
+          <a:ext cx="0" cy="0"/>
+          <a:chOff x="0" y="0"/>
+          <a:chExt cx="0" cy="0"/>
+        </a:xfrm>
+      </p:grpSpPr>
+      <p:sp useBgFill="1">
+        <p:nvSpPr>
+          <p:cNvPr id="8" name="Rectangle 7">
+            <a:extLst>
+              <a:ext uri="{FF2B5EF4-FFF2-40B4-BE49-F238E27FC236}">
+                <a16:creationId xmlns:a16="http://schemas.microsoft.com/office/drawing/2014/main" id="{FE50771A-7A1A-AD79-C7EE-7D3E6A4A1607}"/>
+              </a:ext>
+              <a:ext uri="{C183D7F6-B498-43B3-948B-1728B52AA6E4}">
+                <adec:decorative xmlns:adec="http://schemas.microsoft.com/office/drawing/2017/decorative" val="1"/>
+              </a:ext>
+            </a:extLst>
+          </p:cNvPr>
+          <p:cNvSpPr>
+            <a:spLocks noGrp="1" noRot="1" noChangeAspect="1" noMove="1" noResize="1" noEditPoints="1" noAdjustHandles="1" noChangeArrowheads="1" noChangeShapeType="1" noTextEdit="1"/>
+          </p:cNvSpPr>
+          <p:nvPr>
+            <p:extLst>
+              <p:ext uri="{386F3935-93C4-4BCD-93E2-E3B085C9AB24}">
+                <p16:designElem xmlns:p16="http://schemas.microsoft.com/office/powerpoint/2015/main" val="1"/>
+              </p:ext>
+            </p:extLst>
+          </p:nvPr>
+        </p:nvSpPr>
+        <p:spPr>
+          <a:xfrm>
+            <a:off x="0" y="0"/>
+            <a:ext cx="12188952" cy="6858000"/>
+          </a:xfrm>
+          <a:prstGeom prst="rect">
+            <a:avLst/>
+          </a:prstGeom>
+          <a:ln>
+            <a:noFill/>
+          </a:ln>
+        </p:spPr>
+        <p:style>
+          <a:lnRef idx="2">
+            <a:schemeClr val="accent1">
+              <a:shade val="50000"/>
+            </a:schemeClr>
+          </a:lnRef>
+          <a:fillRef idx="1">
+            <a:schemeClr val="accent1"/>
+          </a:fillRef>
+          <a:effectRef idx="0">
+            <a:schemeClr val="accent1"/>
+          </a:effectRef>
+          <a:fontRef idx="minor">
+            <a:schemeClr val="lt1"/>
+          </a:fontRef>
+        </p:style>
+        <p:txBody>
+          <a:bodyPr rtlCol="0" anchor="ctr"/>
+          <a:lstStyle/>
+          <a:p>
+            <a:pPr algn="ctr"/>
+            <a:endParaRPr lang="en-US">
+              <a:solidFill>
+                <a:schemeClr val="tx1">
+                  <a:lumMod val="65000"/>
+                  <a:lumOff val="35000"/>
+                </a:schemeClr>
+              </a:solidFill>
+              <a:latin typeface="AvenirNext LT Pro Medium" panose="020B0504020202020204" pitchFamily="34" charset="0"/>
+            </a:endParaRPr>
+          </a:p>
+        </p:txBody>
+      </p:sp>
+      <p:sp>
+        <p:nvSpPr>
+          <p:cNvPr id="10" name="Rectangle 9">
+            <a:extLst>
+              <a:ext uri="{FF2B5EF4-FFF2-40B4-BE49-F238E27FC236}">
+                <a16:creationId xmlns:a16="http://schemas.microsoft.com/office/drawing/2014/main" id="{B873D288-0185-6D29-1B02-711E740910BC}"/>
+              </a:ext>
+              <a:ext uri="{C183D7F6-B498-43B3-948B-1728B52AA6E4}">
+                <adec:decorative xmlns:adec="http://schemas.microsoft.com/office/drawing/2017/decorative" val="1"/>
+              </a:ext>
+            </a:extLst>
+          </p:cNvPr>
+          <p:cNvSpPr>
+            <a:spLocks noGrp="1" noRot="1" noChangeAspect="1" noMove="1" noResize="1" noEditPoints="1" noAdjustHandles="1" noChangeArrowheads="1" noChangeShapeType="1" noTextEdit="1"/>
+          </p:cNvSpPr>
+          <p:nvPr>
+            <p:extLst>
+              <p:ext uri="{386F3935-93C4-4BCD-93E2-E3B085C9AB24}">
+                <p16:designElem xmlns:p16="http://schemas.microsoft.com/office/powerpoint/2015/main" val="1"/>
+              </p:ext>
+            </p:extLst>
+          </p:nvPr>
+        </p:nvSpPr>
+        <p:spPr>
+          <a:xfrm>
+            <a:off x="0" y="0"/>
+            <a:ext cx="12188952" cy="6858000"/>
+          </a:xfrm>
+          <a:prstGeom prst="rect">
+            <a:avLst/>
+          </a:prstGeom>
+          <a:solidFill>
+            <a:schemeClr val="bg2">
+              <a:alpha val="70000"/>
+            </a:schemeClr>
+          </a:solidFill>
+          <a:ln>
+            <a:noFill/>
+          </a:ln>
+        </p:spPr>
+        <p:style>
+          <a:lnRef idx="2">
+            <a:schemeClr val="accent1">
+              <a:shade val="50000"/>
+            </a:schemeClr>
+          </a:lnRef>
+          <a:fillRef idx="1">
+            <a:schemeClr val="accent1"/>
+          </a:fillRef>
+          <a:effectRef idx="0">
+            <a:schemeClr val="accent1"/>
+          </a:effectRef>
+          <a:fontRef idx="minor">
+            <a:schemeClr val="lt1"/>
+          </a:fontRef>
+        </p:style>
+        <p:txBody>
+          <a:bodyPr rtlCol="0" anchor="ctr"/>
+          <a:lstStyle/>
+          <a:p>
+            <a:pPr algn="ctr"/>
+            <a:endParaRPr lang="en-US">
+              <a:solidFill>
+                <a:schemeClr val="tx1">
+                  <a:lumMod val="65000"/>
+                  <a:lumOff val="35000"/>
+                </a:schemeClr>
+              </a:solidFill>
+              <a:latin typeface="AvenirNext LT Pro Medium" panose="020B0504020202020204" pitchFamily="34" charset="0"/>
+            </a:endParaRPr>
+          </a:p>
+        </p:txBody>
+      </p:sp>
+      <p:pic>
+        <p:nvPicPr>
+          <p:cNvPr id="12" name="Picture 11">
+            <a:extLst>
+              <a:ext uri="{FF2B5EF4-FFF2-40B4-BE49-F238E27FC236}">
+                <a16:creationId xmlns:a16="http://schemas.microsoft.com/office/drawing/2014/main" id="{2944CD37-68FA-2F8F-2E5D-C1C3B0B3B409}"/>
+              </a:ext>
+              <a:ext uri="{C183D7F6-B498-43B3-948B-1728B52AA6E4}">
+                <adec:decorative xmlns:adec="http://schemas.microsoft.com/office/drawing/2017/decorative" val="1"/>
+              </a:ext>
+            </a:extLst>
+          </p:cNvPr>
+          <p:cNvPicPr>
+            <a:picLocks noGrp="1" noRot="1" noChangeAspect="1" noMove="1" noResize="1" noEditPoints="1" noAdjustHandles="1" noChangeArrowheads="1" noChangeShapeType="1" noCrop="1"/>
+          </p:cNvPicPr>
+          <p:nvPr>
+            <p:extLst>
+              <p:ext uri="{386F3935-93C4-4BCD-93E2-E3B085C9AB24}">
+                <p16:designElem xmlns:p16="http://schemas.microsoft.com/office/powerpoint/2015/main" val="1"/>
+              </p:ext>
+            </p:extLst>
+          </p:nvPr>
+        </p:nvPicPr>
+        <p:blipFill rotWithShape="1">
+          <a:blip r:embed="rId2">
+            <a:duotone>
+              <a:schemeClr val="accent1">
+                <a:shade val="45000"/>
+                <a:satMod val="135000"/>
+              </a:schemeClr>
+              <a:prstClr val="white"/>
+            </a:duotone>
+            <a:extLst>
+              <a:ext uri="{28A0092B-C50C-407E-A947-70E740481C1C}">
+                <a14:useLocalDpi xmlns:a14="http://schemas.microsoft.com/office/drawing/2010/main" val="0"/>
+              </a:ext>
+            </a:extLst>
+          </a:blip>
+          <a:srcRect t="37018" r="40625"/>
+          <a:stretch/>
+        </p:blipFill>
+        <p:spPr>
+          <a:xfrm>
+            <a:off x="10744200" y="0"/>
+            <a:ext cx="1447800" cy="1535750"/>
+          </a:xfrm>
+          <a:prstGeom prst="rect">
+            <a:avLst/>
+          </a:prstGeom>
+        </p:spPr>
+      </p:pic>
+      <p:sp>
+        <p:nvSpPr>
+          <p:cNvPr id="2" name="Title 1">
+            <a:extLst>
+              <a:ext uri="{FF2B5EF4-FFF2-40B4-BE49-F238E27FC236}">
+                <a16:creationId xmlns:a16="http://schemas.microsoft.com/office/drawing/2014/main" id="{4C698BB2-1574-D1EC-3625-6857707A00C1}"/>
+              </a:ext>
+            </a:extLst>
+          </p:cNvPr>
+          <p:cNvSpPr>
+            <a:spLocks noGrp="1"/>
+          </p:cNvSpPr>
+          <p:nvPr>
+            <p:ph type="title"/>
+          </p:nvPr>
+        </p:nvSpPr>
+        <p:spPr>
+          <a:xfrm>
+            <a:off x="838201" y="559813"/>
+            <a:ext cx="10348146" cy="1675009"/>
+          </a:xfrm>
+        </p:spPr>
+        <p:txBody>
+          <a:bodyPr anchor="t">
+            <a:normAutofit/>
+          </a:bodyPr>
+          <a:lstStyle/>
+          <a:p>
+            <a:r>
+              <a:rPr lang="en-GB" dirty="0">
+                <a:solidFill>
+                  <a:schemeClr val="tx2"/>
+                </a:solidFill>
+              </a:rPr>
+              <a:t>Making changes</a:t>
+            </a:r>
+          </a:p>
+        </p:txBody>
+      </p:sp>
+      <p:pic>
+        <p:nvPicPr>
+          <p:cNvPr id="14" name="Picture 13">
+            <a:extLst>
+              <a:ext uri="{FF2B5EF4-FFF2-40B4-BE49-F238E27FC236}">
+                <a16:creationId xmlns:a16="http://schemas.microsoft.com/office/drawing/2014/main" id="{84BB6C1E-F3AE-815C-7CCE-F8A05D7C2002}"/>
+              </a:ext>
+              <a:ext uri="{C183D7F6-B498-43B3-948B-1728B52AA6E4}">
+                <adec:decorative xmlns:adec="http://schemas.microsoft.com/office/drawing/2017/decorative" val="1"/>
+              </a:ext>
+            </a:extLst>
+          </p:cNvPr>
+          <p:cNvPicPr>
+            <a:picLocks noGrp="1" noRot="1" noChangeAspect="1" noMove="1" noResize="1" noEditPoints="1" noAdjustHandles="1" noChangeArrowheads="1" noChangeShapeType="1" noCrop="1"/>
+          </p:cNvPicPr>
+          <p:nvPr>
+            <p:extLst>
+              <p:ext uri="{386F3935-93C4-4BCD-93E2-E3B085C9AB24}">
+                <p16:designElem xmlns:p16="http://schemas.microsoft.com/office/powerpoint/2015/main" val="1"/>
+              </p:ext>
+            </p:extLst>
+          </p:nvPr>
+        </p:nvPicPr>
+        <p:blipFill rotWithShape="1">
+          <a:blip r:embed="rId3">
+            <a:duotone>
+              <a:schemeClr val="accent1">
+                <a:shade val="45000"/>
+                <a:satMod val="135000"/>
+              </a:schemeClr>
+              <a:prstClr val="white"/>
+            </a:duotone>
+            <a:extLst>
+              <a:ext uri="{28A0092B-C50C-407E-A947-70E740481C1C}">
+                <a14:useLocalDpi xmlns:a14="http://schemas.microsoft.com/office/drawing/2010/main" val="0"/>
+              </a:ext>
+            </a:extLst>
+          </a:blip>
+          <a:srcRect r="46048"/>
+          <a:stretch/>
+        </p:blipFill>
+        <p:spPr>
+          <a:xfrm rot="10800000">
+            <a:off x="0" y="2719662"/>
+            <a:ext cx="1371600" cy="2548349"/>
+          </a:xfrm>
+          <a:prstGeom prst="rect">
+            <a:avLst/>
+          </a:prstGeom>
+        </p:spPr>
+      </p:pic>
+      <p:pic>
+        <p:nvPicPr>
+          <p:cNvPr id="11" name="Picture 10">
+            <a:extLst>
+              <a:ext uri="{FF2B5EF4-FFF2-40B4-BE49-F238E27FC236}">
+                <a16:creationId xmlns:a16="http://schemas.microsoft.com/office/drawing/2014/main" id="{E65129E4-6803-5BD0-78D2-5B7FB0675FEB}"/>
+              </a:ext>
+            </a:extLst>
+          </p:cNvPr>
+          <p:cNvPicPr>
+            <a:picLocks noChangeAspect="1"/>
+          </p:cNvPicPr>
+          <p:nvPr/>
+        </p:nvPicPr>
+        <p:blipFill>
+          <a:blip r:embed="rId4"/>
+          <a:stretch>
+            <a:fillRect/>
+          </a:stretch>
+        </p:blipFill>
+        <p:spPr>
+          <a:xfrm>
+            <a:off x="3178191" y="2217175"/>
+            <a:ext cx="5668166" cy="3553321"/>
+          </a:xfrm>
+          <a:prstGeom prst="rect">
+            <a:avLst/>
+          </a:prstGeom>
+        </p:spPr>
+      </p:pic>
+      <p:sp>
+        <p:nvSpPr>
+          <p:cNvPr id="13" name="TextBox 12">
+            <a:extLst>
+              <a:ext uri="{FF2B5EF4-FFF2-40B4-BE49-F238E27FC236}">
+                <a16:creationId xmlns:a16="http://schemas.microsoft.com/office/drawing/2014/main" id="{34FE562C-47F1-B433-83F6-43E3AEBBA20F}"/>
+              </a:ext>
+            </a:extLst>
+          </p:cNvPr>
+          <p:cNvSpPr txBox="1"/>
+          <p:nvPr/>
+        </p:nvSpPr>
+        <p:spPr>
+          <a:xfrm>
+            <a:off x="2850927" y="5954670"/>
+            <a:ext cx="6487097" cy="276999"/>
+          </a:xfrm>
+          <a:prstGeom prst="rect">
+            <a:avLst/>
+          </a:prstGeom>
+          <a:noFill/>
+        </p:spPr>
+        <p:txBody>
+          <a:bodyPr wrap="none" rtlCol="0">
+            <a:spAutoFit/>
+          </a:bodyPr>
+          <a:lstStyle/>
+          <a:p>
+            <a:r>
+              <a:rPr lang="en-GB" sz="1200" dirty="0"/>
+              <a:t>Image source: https://www.slideshare.net/slideshow/git-101-git-and-github-for-beginners</a:t>
+            </a:r>
+          </a:p>
+        </p:txBody>
+      </p:sp>
+    </p:spTree>
+    <p:extLst>
+      <p:ext uri="{BB962C8B-B14F-4D97-AF65-F5344CB8AC3E}">
+        <p14:creationId xmlns:p14="http://schemas.microsoft.com/office/powerpoint/2010/main" val="2966881234"/>
+      </p:ext>
+    </p:extLst>
+  </p:cSld>
+  <p:clrMapOvr>
+    <a:masterClrMapping/>
+  </p:clrMapOvr>
+</p:sld>
+</file>
+
+<file path=ppt/slides/slide16.xml><?xml version="1.0" encoding="utf-8"?>
+<p:sld xmlns:a="http://schemas.openxmlformats.org/drawingml/2006/main" xmlns:r="http://schemas.openxmlformats.org/officeDocument/2006/relationships" xmlns:p="http://schemas.openxmlformats.org/presentationml/2006/main">
+  <p:cSld>
+    <p:bg>
+      <p:bgPr>
+        <a:solidFill>
+          <a:schemeClr val="bg1"/>
+        </a:solidFill>
+        <a:effectLst/>
+      </p:bgPr>
+    </p:bg>
+    <p:spTree>
+      <p:nvGrpSpPr>
+        <p:cNvPr id="1" name=""/>
+        <p:cNvGrpSpPr/>
+        <p:nvPr/>
+      </p:nvGrpSpPr>
+      <p:grpSpPr>
+        <a:xfrm>
+          <a:off x="0" y="0"/>
+          <a:ext cx="0" cy="0"/>
+          <a:chOff x="0" y="0"/>
+          <a:chExt cx="0" cy="0"/>
+        </a:xfrm>
+      </p:grpSpPr>
+      <p:sp useBgFill="1">
+        <p:nvSpPr>
+          <p:cNvPr id="19" name="Rectangle 18">
+            <a:extLst>
+              <a:ext uri="{FF2B5EF4-FFF2-40B4-BE49-F238E27FC236}">
+                <a16:creationId xmlns:a16="http://schemas.microsoft.com/office/drawing/2014/main" id="{8651CFA9-6065-4243-AC48-858E359780B1}"/>
+              </a:ext>
+              <a:ext uri="{C183D7F6-B498-43B3-948B-1728B52AA6E4}">
+                <adec:decorative xmlns:adec="http://schemas.microsoft.com/office/drawing/2017/decorative" val="1"/>
+              </a:ext>
+            </a:extLst>
+          </p:cNvPr>
+          <p:cNvSpPr>
+            <a:spLocks noGrp="1" noRot="1" noChangeAspect="1" noMove="1" noResize="1" noEditPoints="1" noAdjustHandles="1" noChangeArrowheads="1" noChangeShapeType="1" noTextEdit="1"/>
+          </p:cNvSpPr>
+          <p:nvPr>
+            <p:extLst>
+              <p:ext uri="{386F3935-93C4-4BCD-93E2-E3B085C9AB24}">
+                <p16:designElem xmlns:p16="http://schemas.microsoft.com/office/powerpoint/2015/main" val="1"/>
+              </p:ext>
+            </p:extLst>
+          </p:nvPr>
+        </p:nvSpPr>
+        <p:spPr>
+          <a:xfrm>
+            <a:off x="0" y="0"/>
+            <a:ext cx="12188952" cy="6858000"/>
+          </a:xfrm>
+          <a:prstGeom prst="rect">
+            <a:avLst/>
+          </a:prstGeom>
+          <a:ln>
+            <a:noFill/>
+          </a:ln>
+        </p:spPr>
+        <p:style>
+          <a:lnRef idx="2">
+            <a:schemeClr val="accent1">
+              <a:shade val="50000"/>
+            </a:schemeClr>
+          </a:lnRef>
+          <a:fillRef idx="1">
+            <a:schemeClr val="accent1"/>
+          </a:fillRef>
+          <a:effectRef idx="0">
+            <a:schemeClr val="accent1"/>
+          </a:effectRef>
+          <a:fontRef idx="minor">
+            <a:schemeClr val="lt1"/>
+          </a:fontRef>
+        </p:style>
+        <p:txBody>
+          <a:bodyPr rtlCol="0" anchor="ctr"/>
+          <a:lstStyle/>
+          <a:p>
+            <a:pPr algn="ctr"/>
+            <a:endParaRPr lang="en-US" dirty="0">
+              <a:solidFill>
+                <a:schemeClr val="tx1">
+                  <a:lumMod val="65000"/>
+                  <a:lumOff val="35000"/>
+                </a:schemeClr>
+              </a:solidFill>
+              <a:latin typeface="AvenirNext LT Pro Medium" panose="020B0504020202020204" pitchFamily="34" charset="0"/>
+            </a:endParaRPr>
+          </a:p>
+        </p:txBody>
+      </p:sp>
+      <p:sp>
+        <p:nvSpPr>
+          <p:cNvPr id="21" name="Rectangle 20">
+            <a:extLst>
+              <a:ext uri="{FF2B5EF4-FFF2-40B4-BE49-F238E27FC236}">
+                <a16:creationId xmlns:a16="http://schemas.microsoft.com/office/drawing/2014/main" id="{FBC8BBE5-981E-4B0B-9654-32B5668BFF31}"/>
+              </a:ext>
+              <a:ext uri="{C183D7F6-B498-43B3-948B-1728B52AA6E4}">
+                <adec:decorative xmlns:adec="http://schemas.microsoft.com/office/drawing/2017/decorative" val="1"/>
+              </a:ext>
+            </a:extLst>
+          </p:cNvPr>
+          <p:cNvSpPr>
+            <a:spLocks noGrp="1" noRot="1" noChangeAspect="1" noMove="1" noResize="1" noEditPoints="1" noAdjustHandles="1" noChangeArrowheads="1" noChangeShapeType="1" noTextEdit="1"/>
+          </p:cNvSpPr>
+          <p:nvPr>
+            <p:extLst>
+              <p:ext uri="{386F3935-93C4-4BCD-93E2-E3B085C9AB24}">
+                <p16:designElem xmlns:p16="http://schemas.microsoft.com/office/powerpoint/2015/main" val="1"/>
+              </p:ext>
+            </p:extLst>
+          </p:nvPr>
+        </p:nvSpPr>
+        <p:spPr>
+          <a:xfrm>
+            <a:off x="3048" y="0"/>
+            <a:ext cx="12188952" cy="6858000"/>
+          </a:xfrm>
+          <a:prstGeom prst="rect">
+            <a:avLst/>
+          </a:prstGeom>
+          <a:solidFill>
+            <a:schemeClr val="bg2">
+              <a:alpha val="70000"/>
+            </a:schemeClr>
+          </a:solidFill>
+          <a:ln>
+            <a:noFill/>
+          </a:ln>
+        </p:spPr>
+        <p:style>
+          <a:lnRef idx="2">
+            <a:schemeClr val="accent1">
+              <a:shade val="50000"/>
+            </a:schemeClr>
+          </a:lnRef>
+          <a:fillRef idx="1">
+            <a:schemeClr val="accent1"/>
+          </a:fillRef>
+          <a:effectRef idx="0">
+            <a:schemeClr val="accent1"/>
+          </a:effectRef>
+          <a:fontRef idx="minor">
+            <a:schemeClr val="lt1"/>
+          </a:fontRef>
+        </p:style>
+        <p:txBody>
+          <a:bodyPr rtlCol="0" anchor="ctr"/>
+          <a:lstStyle/>
+          <a:p>
+            <a:pPr algn="ctr"/>
+            <a:endParaRPr lang="en-US">
+              <a:solidFill>
+                <a:schemeClr val="tx1">
+                  <a:lumMod val="65000"/>
+                  <a:lumOff val="35000"/>
+                </a:schemeClr>
+              </a:solidFill>
+              <a:latin typeface="AvenirNext LT Pro Medium" panose="020B0504020202020204" pitchFamily="34" charset="0"/>
+            </a:endParaRPr>
+          </a:p>
+        </p:txBody>
+      </p:sp>
+      <p:sp>
+        <p:nvSpPr>
+          <p:cNvPr id="23" name="Rectangle 22">
+            <a:extLst>
+              <a:ext uri="{FF2B5EF4-FFF2-40B4-BE49-F238E27FC236}">
+                <a16:creationId xmlns:a16="http://schemas.microsoft.com/office/drawing/2014/main" id="{592DB257-3E16-4A3C-9E28-4682828127AD}"/>
+              </a:ext>
+              <a:ext uri="{C183D7F6-B498-43B3-948B-1728B52AA6E4}">
+                <adec:decorative xmlns:adec="http://schemas.microsoft.com/office/drawing/2017/decorative" val="1"/>
+              </a:ext>
+            </a:extLst>
+          </p:cNvPr>
+          <p:cNvSpPr>
+            <a:spLocks noGrp="1" noRot="1" noChangeAspect="1" noMove="1" noResize="1" noEditPoints="1" noAdjustHandles="1" noChangeArrowheads="1" noChangeShapeType="1" noTextEdit="1"/>
+          </p:cNvSpPr>
+          <p:nvPr>
+            <p:extLst>
+              <p:ext uri="{386F3935-93C4-4BCD-93E2-E3B085C9AB24}">
+                <p16:designElem xmlns:p16="http://schemas.microsoft.com/office/powerpoint/2015/main" val="1"/>
+              </p:ext>
+            </p:extLst>
+          </p:nvPr>
+        </p:nvSpPr>
+        <p:spPr>
+          <a:xfrm>
+            <a:off x="-3048" y="0"/>
+            <a:ext cx="5989027" cy="6858000"/>
+          </a:xfrm>
+          <a:prstGeom prst="rect">
+            <a:avLst/>
+          </a:prstGeom>
+          <a:solidFill>
+            <a:schemeClr val="tx2">
+              <a:lumMod val="90000"/>
+              <a:lumOff val="10000"/>
+            </a:schemeClr>
+          </a:solidFill>
+          <a:ln>
+            <a:noFill/>
+          </a:ln>
+        </p:spPr>
+        <p:style>
+          <a:lnRef idx="2">
+            <a:schemeClr val="accent1">
+              <a:shade val="50000"/>
+            </a:schemeClr>
+          </a:lnRef>
+          <a:fillRef idx="1">
+            <a:schemeClr val="accent1"/>
+          </a:fillRef>
+          <a:effectRef idx="0">
+            <a:schemeClr val="accent1"/>
+          </a:effectRef>
+          <a:fontRef idx="minor">
+            <a:schemeClr val="lt1"/>
+          </a:fontRef>
+        </p:style>
+        <p:txBody>
+          <a:bodyPr rtlCol="0" anchor="ctr"/>
+          <a:lstStyle/>
+          <a:p>
+            <a:pPr algn="ctr"/>
+            <a:endParaRPr lang="en-US" dirty="0">
+              <a:solidFill>
+                <a:schemeClr val="tx1">
+                  <a:lumMod val="65000"/>
+                  <a:lumOff val="35000"/>
+                </a:schemeClr>
+              </a:solidFill>
+              <a:latin typeface="AvenirNext LT Pro Medium" panose="020B0504020202020204" pitchFamily="34" charset="0"/>
+            </a:endParaRPr>
+          </a:p>
+        </p:txBody>
+      </p:sp>
+      <p:sp>
+        <p:nvSpPr>
+          <p:cNvPr id="25" name="Rectangle 24">
+            <a:extLst>
+              <a:ext uri="{FF2B5EF4-FFF2-40B4-BE49-F238E27FC236}">
+                <a16:creationId xmlns:a16="http://schemas.microsoft.com/office/drawing/2014/main" id="{487685E6-1160-459B-8C70-301404C06C23}"/>
+              </a:ext>
+              <a:ext uri="{C183D7F6-B498-43B3-948B-1728B52AA6E4}">
+                <adec:decorative xmlns:adec="http://schemas.microsoft.com/office/drawing/2017/decorative" val="1"/>
+              </a:ext>
+            </a:extLst>
+          </p:cNvPr>
+          <p:cNvSpPr>
+            <a:spLocks noGrp="1" noRot="1" noChangeAspect="1" noMove="1" noResize="1" noEditPoints="1" noAdjustHandles="1" noChangeArrowheads="1" noChangeShapeType="1" noTextEdit="1"/>
+          </p:cNvSpPr>
+          <p:nvPr>
+            <p:extLst>
+              <p:ext uri="{386F3935-93C4-4BCD-93E2-E3B085C9AB24}">
+                <p16:designElem xmlns:p16="http://schemas.microsoft.com/office/powerpoint/2015/main" val="1"/>
+              </p:ext>
+            </p:extLst>
+          </p:nvPr>
+        </p:nvSpPr>
+        <p:spPr>
+          <a:xfrm rot="10800000">
+            <a:off x="-3048" y="0"/>
+            <a:ext cx="5989019" cy="6858000"/>
+          </a:xfrm>
+          <a:prstGeom prst="rect">
+            <a:avLst/>
+          </a:prstGeom>
+          <a:blipFill dpi="0" rotWithShape="1">
+            <a:blip r:embed="rId3">
+              <a:alphaModFix amt="20000"/>
+              <a:duotone>
+                <a:schemeClr val="accent1">
+                  <a:shade val="45000"/>
+                  <a:satMod val="135000"/>
+                </a:schemeClr>
+                <a:prstClr val="white"/>
+              </a:duotone>
+            </a:blip>
+            <a:srcRect/>
+            <a:tile tx="889000" ty="0" sx="100000" sy="100000" flip="none" algn="tl"/>
+          </a:blipFill>
+          <a:ln>
+            <a:noFill/>
+          </a:ln>
+        </p:spPr>
+        <p:style>
+          <a:lnRef idx="2">
+            <a:schemeClr val="accent1">
+              <a:shade val="50000"/>
+            </a:schemeClr>
+          </a:lnRef>
+          <a:fillRef idx="1">
+            <a:schemeClr val="accent1"/>
+          </a:fillRef>
+          <a:effectRef idx="0">
+            <a:schemeClr val="accent1"/>
+          </a:effectRef>
+          <a:fontRef idx="minor">
+            <a:schemeClr val="lt1"/>
+          </a:fontRef>
+        </p:style>
+        <p:txBody>
+          <a:bodyPr rtlCol="0" anchor="ctr"/>
+          <a:lstStyle/>
+          <a:p>
+            <a:pPr algn="ctr"/>
+            <a:endParaRPr lang="en-US" dirty="0"/>
+          </a:p>
+        </p:txBody>
+      </p:sp>
+      <p:sp>
+        <p:nvSpPr>
+          <p:cNvPr id="27" name="Rectangle 26">
+            <a:extLst>
+              <a:ext uri="{FF2B5EF4-FFF2-40B4-BE49-F238E27FC236}">
+                <a16:creationId xmlns:a16="http://schemas.microsoft.com/office/drawing/2014/main" id="{094C9708-F6A4-4956-B261-A4A2C4DFEBF7}"/>
+              </a:ext>
+              <a:ext uri="{C183D7F6-B498-43B3-948B-1728B52AA6E4}">
+                <adec:decorative xmlns:adec="http://schemas.microsoft.com/office/drawing/2017/decorative" val="1"/>
+              </a:ext>
+            </a:extLst>
+          </p:cNvPr>
+          <p:cNvSpPr>
+            <a:spLocks noGrp="1" noRot="1" noChangeAspect="1" noMove="1" noResize="1" noEditPoints="1" noAdjustHandles="1" noChangeArrowheads="1" noChangeShapeType="1" noTextEdit="1"/>
+          </p:cNvSpPr>
+          <p:nvPr>
+            <p:extLst>
+              <p:ext uri="{386F3935-93C4-4BCD-93E2-E3B085C9AB24}">
+                <p16:designElem xmlns:p16="http://schemas.microsoft.com/office/powerpoint/2015/main" val="1"/>
+              </p:ext>
+            </p:extLst>
+          </p:nvPr>
+        </p:nvSpPr>
+        <p:spPr>
+          <a:xfrm>
+            <a:off x="6248400" y="0"/>
+            <a:ext cx="5943600" cy="6858000"/>
+          </a:xfrm>
+          <a:prstGeom prst="rect">
+            <a:avLst/>
+          </a:prstGeom>
+          <a:solidFill>
+            <a:schemeClr val="bg2">
+              <a:alpha val="60000"/>
+            </a:schemeClr>
+          </a:solidFill>
+          <a:ln>
+            <a:noFill/>
+          </a:ln>
+        </p:spPr>
+        <p:style>
+          <a:lnRef idx="2">
+            <a:schemeClr val="accent1">
+              <a:shade val="50000"/>
+            </a:schemeClr>
+          </a:lnRef>
+          <a:fillRef idx="1">
+            <a:schemeClr val="accent1"/>
+          </a:fillRef>
+          <a:effectRef idx="0">
+            <a:schemeClr val="accent1"/>
+          </a:effectRef>
+          <a:fontRef idx="minor">
+            <a:schemeClr val="lt1"/>
+          </a:fontRef>
+        </p:style>
+        <p:txBody>
+          <a:bodyPr rtlCol="0" anchor="ctr"/>
+          <a:lstStyle/>
+          <a:p>
+            <a:pPr algn="ctr"/>
+            <a:endParaRPr lang="en-US" dirty="0">
+              <a:solidFill>
+                <a:schemeClr val="tx1">
+                  <a:lumMod val="65000"/>
+                  <a:lumOff val="35000"/>
+                </a:schemeClr>
+              </a:solidFill>
+              <a:latin typeface="AvenirNext LT Pro Medium" panose="020B0504020202020204" pitchFamily="34" charset="0"/>
+            </a:endParaRPr>
+          </a:p>
+        </p:txBody>
+      </p:sp>
+      <p:sp>
+        <p:nvSpPr>
+          <p:cNvPr id="2" name="Title 1">
+            <a:extLst>
+              <a:ext uri="{FF2B5EF4-FFF2-40B4-BE49-F238E27FC236}">
+                <a16:creationId xmlns:a16="http://schemas.microsoft.com/office/drawing/2014/main" id="{79CFCA0F-7EA4-C35C-2A16-33F9DB400527}"/>
+              </a:ext>
+            </a:extLst>
+          </p:cNvPr>
+          <p:cNvSpPr>
+            <a:spLocks noGrp="1"/>
+          </p:cNvSpPr>
+          <p:nvPr>
+            <p:ph type="title"/>
+          </p:nvPr>
+        </p:nvSpPr>
+        <p:spPr>
+          <a:xfrm>
+            <a:off x="6553200" y="586992"/>
+            <a:ext cx="4953000" cy="1664573"/>
+          </a:xfrm>
+        </p:spPr>
+        <p:txBody>
+          <a:bodyPr>
+            <a:normAutofit/>
+          </a:bodyPr>
+          <a:lstStyle/>
+          <a:p>
+            <a:r>
+              <a:rPr lang="en-GB">
+                <a:solidFill>
+                  <a:schemeClr val="tx2"/>
+                </a:solidFill>
+              </a:rPr>
+              <a:t>Installing git on Windows</a:t>
+            </a:r>
+          </a:p>
+        </p:txBody>
+      </p:sp>
+      <p:pic>
+        <p:nvPicPr>
+          <p:cNvPr id="5" name="Picture 4">
+            <a:extLst>
+              <a:ext uri="{FF2B5EF4-FFF2-40B4-BE49-F238E27FC236}">
+                <a16:creationId xmlns:a16="http://schemas.microsoft.com/office/drawing/2014/main" id="{1294E3C8-CC75-54FB-DD42-451D4EB906F6}"/>
+              </a:ext>
+            </a:extLst>
+          </p:cNvPr>
+          <p:cNvPicPr>
+            <a:picLocks noChangeAspect="1"/>
+          </p:cNvPicPr>
+          <p:nvPr/>
+        </p:nvPicPr>
+        <p:blipFill>
+          <a:blip r:embed="rId4"/>
+          <a:stretch>
+            <a:fillRect/>
+          </a:stretch>
+        </p:blipFill>
+        <p:spPr>
+          <a:xfrm>
+            <a:off x="606552" y="1616496"/>
+            <a:ext cx="4724400" cy="3711352"/>
+          </a:xfrm>
+          <a:prstGeom prst="rect">
+            <a:avLst/>
+          </a:prstGeom>
+        </p:spPr>
+      </p:pic>
+      <p:sp>
+        <p:nvSpPr>
+          <p:cNvPr id="3" name="Content Placeholder 2">
+            <a:extLst>
+              <a:ext uri="{FF2B5EF4-FFF2-40B4-BE49-F238E27FC236}">
+                <a16:creationId xmlns:a16="http://schemas.microsoft.com/office/drawing/2014/main" id="{68C5860F-57FB-5F30-0F5F-3C1D30827D65}"/>
+              </a:ext>
+            </a:extLst>
+          </p:cNvPr>
+          <p:cNvSpPr>
+            <a:spLocks noGrp="1"/>
+          </p:cNvSpPr>
+          <p:nvPr>
+            <p:ph idx="1"/>
+          </p:nvPr>
+        </p:nvSpPr>
+        <p:spPr>
+          <a:xfrm>
+            <a:off x="6553200" y="2411653"/>
+            <a:ext cx="4952681" cy="3728613"/>
+          </a:xfrm>
+        </p:spPr>
+        <p:txBody>
+          <a:bodyPr>
+            <a:normAutofit/>
+          </a:bodyPr>
+          <a:lstStyle/>
+          <a:p>
+            <a:r>
+              <a:rPr lang="en-GB" sz="1800" dirty="0">
+                <a:solidFill>
+                  <a:schemeClr val="tx2"/>
+                </a:solidFill>
+              </a:rPr>
+              <a:t>Go to </a:t>
+            </a:r>
+            <a:r>
+              <a:rPr lang="en-GB" sz="1800" dirty="0">
+                <a:solidFill>
+                  <a:schemeClr val="tx2"/>
+                </a:solidFill>
+                <a:hlinkClick r:id="rId5"/>
+              </a:rPr>
+              <a:t>https://git-scm.com/downloads/win</a:t>
+            </a:r>
+            <a:r>
+              <a:rPr lang="en-GB" sz="1800" dirty="0">
+                <a:solidFill>
+                  <a:schemeClr val="tx2"/>
+                </a:solidFill>
+              </a:rPr>
+              <a:t> and download setup installer</a:t>
+            </a:r>
+          </a:p>
+          <a:p>
+            <a:r>
+              <a:rPr lang="en-GB" sz="1800" dirty="0">
+                <a:solidFill>
+                  <a:schemeClr val="tx2"/>
+                </a:solidFill>
+              </a:rPr>
+              <a:t>Open it. You can continue with the default options most of the time (you can for example change the default editor to your favourite one)</a:t>
+            </a:r>
+          </a:p>
+          <a:p>
+            <a:r>
+              <a:rPr lang="en-GB" sz="1800" dirty="0">
+                <a:solidFill>
+                  <a:schemeClr val="tx2"/>
+                </a:solidFill>
+              </a:rPr>
+              <a:t>Congratulations! You have successfully installed git</a:t>
+            </a:r>
+          </a:p>
+          <a:p>
+            <a:endParaRPr lang="en-GB" sz="1800" dirty="0">
+              <a:solidFill>
+                <a:schemeClr val="tx2"/>
+              </a:solidFill>
+            </a:endParaRPr>
+          </a:p>
+        </p:txBody>
+      </p:sp>
+    </p:spTree>
+    <p:extLst>
+      <p:ext uri="{BB962C8B-B14F-4D97-AF65-F5344CB8AC3E}">
+        <p14:creationId xmlns:p14="http://schemas.microsoft.com/office/powerpoint/2010/main" val="4240707876"/>
+      </p:ext>
+    </p:extLst>
+  </p:cSld>
+  <p:clrMapOvr>
+    <a:masterClrMapping/>
+  </p:clrMapOvr>
+</p:sld>
+</file>
+
+<file path=ppt/slides/slide17.xml><?xml version="1.0" encoding="utf-8"?>
+<p:sld xmlns:a="http://schemas.openxmlformats.org/drawingml/2006/main" xmlns:r="http://schemas.openxmlformats.org/officeDocument/2006/relationships" xmlns:p="http://schemas.openxmlformats.org/presentationml/2006/main">
+  <p:cSld>
+    <p:bg>
+      <p:bgPr>
+        <a:solidFill>
+          <a:schemeClr val="bg1"/>
+        </a:solidFill>
+        <a:effectLst/>
+      </p:bgPr>
+    </p:bg>
+    <p:spTree>
+      <p:nvGrpSpPr>
+        <p:cNvPr id="1" name=""/>
+        <p:cNvGrpSpPr/>
+        <p:nvPr/>
+      </p:nvGrpSpPr>
+      <p:grpSpPr>
+        <a:xfrm>
+          <a:off x="0" y="0"/>
+          <a:ext cx="0" cy="0"/>
+          <a:chOff x="0" y="0"/>
+          <a:chExt cx="0" cy="0"/>
+        </a:xfrm>
+      </p:grpSpPr>
+      <p:sp useBgFill="1">
+        <p:nvSpPr>
+          <p:cNvPr id="8" name="Rectangle 7">
+            <a:extLst>
+              <a:ext uri="{FF2B5EF4-FFF2-40B4-BE49-F238E27FC236}">
+                <a16:creationId xmlns:a16="http://schemas.microsoft.com/office/drawing/2014/main" id="{8651CFA9-6065-4243-AC48-858E359780B1}"/>
+              </a:ext>
+              <a:ext uri="{C183D7F6-B498-43B3-948B-1728B52AA6E4}">
+                <adec:decorative xmlns:adec="http://schemas.microsoft.com/office/drawing/2017/decorative" val="1"/>
+              </a:ext>
+            </a:extLst>
+          </p:cNvPr>
+          <p:cNvSpPr>
+            <a:spLocks noGrp="1" noRot="1" noChangeAspect="1" noMove="1" noResize="1" noEditPoints="1" noAdjustHandles="1" noChangeArrowheads="1" noChangeShapeType="1" noTextEdit="1"/>
+          </p:cNvSpPr>
+          <p:nvPr>
+            <p:extLst>
+              <p:ext uri="{386F3935-93C4-4BCD-93E2-E3B085C9AB24}">
+                <p16:designElem xmlns:p16="http://schemas.microsoft.com/office/powerpoint/2015/main" val="1"/>
+              </p:ext>
+            </p:extLst>
+          </p:nvPr>
+        </p:nvSpPr>
+        <p:spPr>
+          <a:xfrm>
+            <a:off x="0" y="0"/>
+            <a:ext cx="12188952" cy="6858000"/>
+          </a:xfrm>
+          <a:prstGeom prst="rect">
+            <a:avLst/>
+          </a:prstGeom>
+          <a:ln>
+            <a:noFill/>
+          </a:ln>
+        </p:spPr>
+        <p:style>
+          <a:lnRef idx="2">
+            <a:schemeClr val="accent1">
+              <a:shade val="50000"/>
+            </a:schemeClr>
+          </a:lnRef>
+          <a:fillRef idx="1">
+            <a:schemeClr val="accent1"/>
+          </a:fillRef>
+          <a:effectRef idx="0">
+            <a:schemeClr val="accent1"/>
+          </a:effectRef>
+          <a:fontRef idx="minor">
+            <a:schemeClr val="lt1"/>
+          </a:fontRef>
+        </p:style>
+        <p:txBody>
+          <a:bodyPr rtlCol="0" anchor="ctr"/>
+          <a:lstStyle/>
+          <a:p>
+            <a:pPr algn="ctr"/>
+            <a:endParaRPr lang="en-US">
+              <a:solidFill>
+                <a:schemeClr val="tx1">
+                  <a:lumMod val="65000"/>
+                  <a:lumOff val="35000"/>
+                </a:schemeClr>
+              </a:solidFill>
+              <a:latin typeface="AvenirNext LT Pro Medium" panose="020B0504020202020204" pitchFamily="34" charset="0"/>
+            </a:endParaRPr>
+          </a:p>
+        </p:txBody>
+      </p:sp>
+      <p:sp>
+        <p:nvSpPr>
+          <p:cNvPr id="10" name="Rectangle 9">
+            <a:extLst>
+              <a:ext uri="{FF2B5EF4-FFF2-40B4-BE49-F238E27FC236}">
+                <a16:creationId xmlns:a16="http://schemas.microsoft.com/office/drawing/2014/main" id="{37962AE0-6A1C-4B76-9D52-10E5E6D7D3BB}"/>
+              </a:ext>
+              <a:ext uri="{C183D7F6-B498-43B3-948B-1728B52AA6E4}">
+                <adec:decorative xmlns:adec="http://schemas.microsoft.com/office/drawing/2017/decorative" val="1"/>
+              </a:ext>
+            </a:extLst>
+          </p:cNvPr>
+          <p:cNvSpPr>
+            <a:spLocks noGrp="1" noRot="1" noChangeAspect="1" noMove="1" noResize="1" noEditPoints="1" noAdjustHandles="1" noChangeArrowheads="1" noChangeShapeType="1" noTextEdit="1"/>
+          </p:cNvSpPr>
+          <p:nvPr>
+            <p:extLst>
+              <p:ext uri="{386F3935-93C4-4BCD-93E2-E3B085C9AB24}">
+                <p16:designElem xmlns:p16="http://schemas.microsoft.com/office/powerpoint/2015/main" val="1"/>
+              </p:ext>
+            </p:extLst>
+          </p:nvPr>
+        </p:nvSpPr>
+        <p:spPr>
+          <a:xfrm>
+            <a:off x="0" y="0"/>
+            <a:ext cx="12188952" cy="6858000"/>
+          </a:xfrm>
+          <a:prstGeom prst="rect">
+            <a:avLst/>
+          </a:prstGeom>
+          <a:solidFill>
+            <a:schemeClr val="bg2">
+              <a:alpha val="70000"/>
+            </a:schemeClr>
+          </a:solidFill>
+          <a:ln>
+            <a:noFill/>
+          </a:ln>
+        </p:spPr>
+        <p:style>
+          <a:lnRef idx="2">
+            <a:schemeClr val="accent1">
+              <a:shade val="50000"/>
+            </a:schemeClr>
+          </a:lnRef>
+          <a:fillRef idx="1">
+            <a:schemeClr val="accent1"/>
+          </a:fillRef>
+          <a:effectRef idx="0">
+            <a:schemeClr val="accent1"/>
+          </a:effectRef>
+          <a:fontRef idx="minor">
+            <a:schemeClr val="lt1"/>
+          </a:fontRef>
+        </p:style>
+        <p:txBody>
+          <a:bodyPr rtlCol="0" anchor="ctr"/>
+          <a:lstStyle/>
+          <a:p>
+            <a:pPr algn="ctr"/>
+            <a:endParaRPr lang="en-US">
+              <a:solidFill>
+                <a:schemeClr val="tx1">
+                  <a:lumMod val="65000"/>
+                  <a:lumOff val="35000"/>
+                </a:schemeClr>
+              </a:solidFill>
+              <a:latin typeface="AvenirNext LT Pro Medium" panose="020B0504020202020204" pitchFamily="34" charset="0"/>
+            </a:endParaRPr>
+          </a:p>
+        </p:txBody>
+      </p:sp>
+      <p:pic>
+        <p:nvPicPr>
+          <p:cNvPr id="12" name="Picture 11">
+            <a:extLst>
+              <a:ext uri="{FF2B5EF4-FFF2-40B4-BE49-F238E27FC236}">
+                <a16:creationId xmlns:a16="http://schemas.microsoft.com/office/drawing/2014/main" id="{A72D06A1-BA08-4820-BBC8-B24DDB32A376}"/>
+              </a:ext>
+              <a:ext uri="{C183D7F6-B498-43B3-948B-1728B52AA6E4}">
+                <adec:decorative xmlns:adec="http://schemas.microsoft.com/office/drawing/2017/decorative" val="1"/>
+              </a:ext>
+            </a:extLst>
+          </p:cNvPr>
+          <p:cNvPicPr>
+            <a:picLocks noGrp="1" noRot="1" noChangeAspect="1" noMove="1" noResize="1" noEditPoints="1" noAdjustHandles="1" noChangeArrowheads="1" noChangeShapeType="1" noCrop="1"/>
+          </p:cNvPicPr>
+          <p:nvPr>
+            <p:extLst>
+              <p:ext uri="{386F3935-93C4-4BCD-93E2-E3B085C9AB24}">
+                <p16:designElem xmlns:p16="http://schemas.microsoft.com/office/powerpoint/2015/main" val="1"/>
+              </p:ext>
+            </p:extLst>
+          </p:nvPr>
+        </p:nvPicPr>
+        <p:blipFill rotWithShape="1">
+          <a:blip r:embed="rId2">
+            <a:duotone>
+              <a:schemeClr val="accent1">
+                <a:shade val="45000"/>
+                <a:satMod val="135000"/>
+              </a:schemeClr>
+              <a:prstClr val="white"/>
+            </a:duotone>
+            <a:extLst>
+              <a:ext uri="{28A0092B-C50C-407E-A947-70E740481C1C}">
+                <a14:useLocalDpi xmlns:a14="http://schemas.microsoft.com/office/drawing/2010/main" val="0"/>
+              </a:ext>
+            </a:extLst>
+          </a:blip>
+          <a:srcRect t="37018" r="40625"/>
+          <a:stretch/>
+        </p:blipFill>
+        <p:spPr>
+          <a:xfrm>
+            <a:off x="10744200" y="0"/>
+            <a:ext cx="1447800" cy="1535750"/>
+          </a:xfrm>
+          <a:prstGeom prst="rect">
+            <a:avLst/>
+          </a:prstGeom>
+        </p:spPr>
+      </p:pic>
+      <p:sp>
+        <p:nvSpPr>
+          <p:cNvPr id="2" name="Title 1">
+            <a:extLst>
+              <a:ext uri="{FF2B5EF4-FFF2-40B4-BE49-F238E27FC236}">
+                <a16:creationId xmlns:a16="http://schemas.microsoft.com/office/drawing/2014/main" id="{26B636E9-8EFF-F4F8-943A-B870AF45322B}"/>
+              </a:ext>
+            </a:extLst>
+          </p:cNvPr>
+          <p:cNvSpPr>
+            <a:spLocks noGrp="1"/>
+          </p:cNvSpPr>
+          <p:nvPr>
+            <p:ph type="title"/>
+          </p:nvPr>
+        </p:nvSpPr>
+        <p:spPr>
+          <a:xfrm>
+            <a:off x="838201" y="559813"/>
+            <a:ext cx="10348146" cy="1675009"/>
+          </a:xfrm>
+        </p:spPr>
+        <p:txBody>
+          <a:bodyPr anchor="t">
+            <a:normAutofit fontScale="90000"/>
+          </a:bodyPr>
+          <a:lstStyle/>
+          <a:p>
+            <a:r>
+              <a:rPr lang="en-GB" dirty="0">
+                <a:solidFill>
+                  <a:schemeClr val="tx2"/>
+                </a:solidFill>
+              </a:rPr>
+              <a:t>W</a:t>
+            </a:r>
+            <a:r>
+              <a:rPr lang="en-GB" sz="4400" dirty="0">
+                <a:solidFill>
+                  <a:schemeClr val="tx2"/>
+                </a:solidFill>
+              </a:rPr>
+              <a:t>eb-based git repository hosting services</a:t>
+            </a:r>
+            <a:br>
+              <a:rPr lang="en-GB" sz="4400" dirty="0">
+                <a:solidFill>
+                  <a:schemeClr val="tx2"/>
+                </a:solidFill>
+              </a:rPr>
+            </a:br>
+            <a:endParaRPr lang="en-GB" dirty="0">
+              <a:solidFill>
+                <a:schemeClr val="tx2"/>
+              </a:solidFill>
+            </a:endParaRPr>
+          </a:p>
+        </p:txBody>
+      </p:sp>
+      <p:pic>
+        <p:nvPicPr>
+          <p:cNvPr id="14" name="Picture 13">
+            <a:extLst>
+              <a:ext uri="{FF2B5EF4-FFF2-40B4-BE49-F238E27FC236}">
+                <a16:creationId xmlns:a16="http://schemas.microsoft.com/office/drawing/2014/main" id="{1295E665-0408-4072-94B3-49BA5ACBCBD3}"/>
+              </a:ext>
+              <a:ext uri="{C183D7F6-B498-43B3-948B-1728B52AA6E4}">
+                <adec:decorative xmlns:adec="http://schemas.microsoft.com/office/drawing/2017/decorative" val="1"/>
+              </a:ext>
+            </a:extLst>
+          </p:cNvPr>
+          <p:cNvPicPr>
+            <a:picLocks noGrp="1" noRot="1" noChangeAspect="1" noMove="1" noResize="1" noEditPoints="1" noAdjustHandles="1" noChangeArrowheads="1" noChangeShapeType="1" noCrop="1"/>
+          </p:cNvPicPr>
+          <p:nvPr>
+            <p:extLst>
+              <p:ext uri="{386F3935-93C4-4BCD-93E2-E3B085C9AB24}">
+                <p16:designElem xmlns:p16="http://schemas.microsoft.com/office/powerpoint/2015/main" val="1"/>
+              </p:ext>
+            </p:extLst>
+          </p:nvPr>
+        </p:nvPicPr>
+        <p:blipFill rotWithShape="1">
+          <a:blip r:embed="rId3">
+            <a:duotone>
+              <a:schemeClr val="accent1">
+                <a:shade val="45000"/>
+                <a:satMod val="135000"/>
+              </a:schemeClr>
+              <a:prstClr val="white"/>
+            </a:duotone>
+            <a:extLst>
+              <a:ext uri="{28A0092B-C50C-407E-A947-70E740481C1C}">
+                <a14:useLocalDpi xmlns:a14="http://schemas.microsoft.com/office/drawing/2010/main" val="0"/>
+              </a:ext>
+            </a:extLst>
+          </a:blip>
+          <a:srcRect r="46048"/>
+          <a:stretch/>
+        </p:blipFill>
+        <p:spPr>
+          <a:xfrm rot="10800000">
+            <a:off x="0" y="2719662"/>
+            <a:ext cx="1371600" cy="2548349"/>
+          </a:xfrm>
+          <a:prstGeom prst="rect">
+            <a:avLst/>
+          </a:prstGeom>
+        </p:spPr>
+      </p:pic>
+      <p:sp>
+        <p:nvSpPr>
+          <p:cNvPr id="3" name="Content Placeholder 2">
+            <a:extLst>
+              <a:ext uri="{FF2B5EF4-FFF2-40B4-BE49-F238E27FC236}">
+                <a16:creationId xmlns:a16="http://schemas.microsoft.com/office/drawing/2014/main" id="{F55FB845-B91B-EF04-B5AA-68BDA5A96137}"/>
+              </a:ext>
+            </a:extLst>
+          </p:cNvPr>
+          <p:cNvSpPr>
+            <a:spLocks noGrp="1"/>
+          </p:cNvSpPr>
+          <p:nvPr>
+            <p:ph idx="1"/>
+          </p:nvPr>
+        </p:nvSpPr>
+        <p:spPr>
+          <a:xfrm>
+            <a:off x="3994587" y="2403097"/>
+            <a:ext cx="7178691" cy="3709990"/>
+          </a:xfrm>
+        </p:spPr>
+        <p:txBody>
+          <a:bodyPr anchor="ctr">
+            <a:normAutofit/>
+          </a:bodyPr>
+          <a:lstStyle/>
+          <a:p>
+            <a:pPr marL="0" indent="0">
+              <a:buNone/>
+            </a:pPr>
+            <a:r>
+              <a:rPr lang="en-GB" sz="1800" dirty="0">
+                <a:solidFill>
+                  <a:schemeClr val="tx2"/>
+                </a:solidFill>
+              </a:rPr>
+              <a:t>A server (PC) that hosts git repository is required for proper git functionality. You can host it locally by yourself on your PC and allow others to connect. However, it is more common to use a 3</a:t>
+            </a:r>
+            <a:r>
+              <a:rPr lang="en-GB" sz="1800" baseline="30000" dirty="0">
+                <a:solidFill>
+                  <a:schemeClr val="tx2"/>
+                </a:solidFill>
+              </a:rPr>
+              <a:t>rd</a:t>
+            </a:r>
+            <a:r>
+              <a:rPr lang="en-GB" sz="1800" dirty="0">
+                <a:solidFill>
+                  <a:schemeClr val="tx2"/>
+                </a:solidFill>
+              </a:rPr>
+              <a:t> party provider which also takes care of backups and often offers convenient web UI for code reviews.</a:t>
+            </a:r>
+          </a:p>
+          <a:p>
+            <a:pPr marL="0" indent="0">
+              <a:buNone/>
+            </a:pPr>
+            <a:r>
+              <a:rPr lang="en-GB" sz="1800" dirty="0">
+                <a:solidFill>
+                  <a:schemeClr val="tx2"/>
+                </a:solidFill>
+              </a:rPr>
+              <a:t>The most common providers are:</a:t>
+            </a:r>
+          </a:p>
+          <a:p>
+            <a:r>
+              <a:rPr lang="en-GB" sz="1800" dirty="0">
+                <a:solidFill>
+                  <a:schemeClr val="tx2"/>
+                </a:solidFill>
+              </a:rPr>
+              <a:t>GitHub</a:t>
+            </a:r>
+          </a:p>
+          <a:p>
+            <a:r>
+              <a:rPr lang="en-GB" sz="1800" dirty="0">
+                <a:solidFill>
+                  <a:schemeClr val="tx2"/>
+                </a:solidFill>
+              </a:rPr>
+              <a:t>GitLab</a:t>
+            </a:r>
+          </a:p>
+          <a:p>
+            <a:r>
+              <a:rPr lang="en-GB" sz="1800" dirty="0">
+                <a:solidFill>
+                  <a:schemeClr val="tx2"/>
+                </a:solidFill>
+              </a:rPr>
+              <a:t>Bitbucket</a:t>
+            </a:r>
+          </a:p>
+        </p:txBody>
+      </p:sp>
+    </p:spTree>
+    <p:extLst>
+      <p:ext uri="{BB962C8B-B14F-4D97-AF65-F5344CB8AC3E}">
+        <p14:creationId xmlns:p14="http://schemas.microsoft.com/office/powerpoint/2010/main" val="3626474354"/>
+      </p:ext>
+    </p:extLst>
+  </p:cSld>
+  <p:clrMapOvr>
+    <a:masterClrMapping/>
+  </p:clrMapOvr>
+</p:sld>
+</file>
+
+<file path=ppt/slides/slide18.xml><?xml version="1.0" encoding="utf-8"?>
+<p:sld xmlns:a="http://schemas.openxmlformats.org/drawingml/2006/main" xmlns:r="http://schemas.openxmlformats.org/officeDocument/2006/relationships" xmlns:p="http://schemas.openxmlformats.org/presentationml/2006/main">
+  <p:cSld>
+    <p:bg>
+      <p:bgPr>
+        <a:solidFill>
+          <a:schemeClr val="bg1"/>
+        </a:solidFill>
+        <a:effectLst/>
+      </p:bgPr>
+    </p:bg>
+    <p:spTree>
+      <p:nvGrpSpPr>
+        <p:cNvPr id="1" name=""/>
+        <p:cNvGrpSpPr/>
+        <p:nvPr/>
+      </p:nvGrpSpPr>
+      <p:grpSpPr>
+        <a:xfrm>
+          <a:off x="0" y="0"/>
+          <a:ext cx="0" cy="0"/>
+          <a:chOff x="0" y="0"/>
+          <a:chExt cx="0" cy="0"/>
+        </a:xfrm>
+      </p:grpSpPr>
+      <p:sp useBgFill="1">
+        <p:nvSpPr>
+          <p:cNvPr id="8" name="Rectangle 7">
+            <a:extLst>
+              <a:ext uri="{FF2B5EF4-FFF2-40B4-BE49-F238E27FC236}">
+                <a16:creationId xmlns:a16="http://schemas.microsoft.com/office/drawing/2014/main" id="{8651CFA9-6065-4243-AC48-858E359780B1}"/>
+              </a:ext>
+              <a:ext uri="{C183D7F6-B498-43B3-948B-1728B52AA6E4}">
+                <adec:decorative xmlns:adec="http://schemas.microsoft.com/office/drawing/2017/decorative" val="1"/>
+              </a:ext>
+            </a:extLst>
+          </p:cNvPr>
+          <p:cNvSpPr>
+            <a:spLocks noGrp="1" noRot="1" noChangeAspect="1" noMove="1" noResize="1" noEditPoints="1" noAdjustHandles="1" noChangeArrowheads="1" noChangeShapeType="1" noTextEdit="1"/>
+          </p:cNvSpPr>
+          <p:nvPr>
+            <p:extLst>
+              <p:ext uri="{386F3935-93C4-4BCD-93E2-E3B085C9AB24}">
+                <p16:designElem xmlns:p16="http://schemas.microsoft.com/office/powerpoint/2015/main" val="1"/>
+              </p:ext>
+            </p:extLst>
+          </p:nvPr>
+        </p:nvSpPr>
+        <p:spPr>
+          <a:xfrm>
+            <a:off x="0" y="0"/>
+            <a:ext cx="12188952" cy="6858000"/>
+          </a:xfrm>
+          <a:prstGeom prst="rect">
+            <a:avLst/>
+          </a:prstGeom>
+          <a:ln>
+            <a:noFill/>
+          </a:ln>
+        </p:spPr>
+        <p:style>
+          <a:lnRef idx="2">
+            <a:schemeClr val="accent1">
+              <a:shade val="50000"/>
+            </a:schemeClr>
+          </a:lnRef>
+          <a:fillRef idx="1">
+            <a:schemeClr val="accent1"/>
+          </a:fillRef>
+          <a:effectRef idx="0">
+            <a:schemeClr val="accent1"/>
+          </a:effectRef>
+          <a:fontRef idx="minor">
+            <a:schemeClr val="lt1"/>
+          </a:fontRef>
+        </p:style>
+        <p:txBody>
+          <a:bodyPr rtlCol="0" anchor="ctr"/>
+          <a:lstStyle/>
+          <a:p>
+            <a:pPr algn="ctr"/>
+            <a:endParaRPr lang="en-US">
+              <a:solidFill>
+                <a:schemeClr val="tx1">
+                  <a:lumMod val="65000"/>
+                  <a:lumOff val="35000"/>
+                </a:schemeClr>
+              </a:solidFill>
+              <a:latin typeface="AvenirNext LT Pro Medium" panose="020B0504020202020204" pitchFamily="34" charset="0"/>
+            </a:endParaRPr>
+          </a:p>
+        </p:txBody>
+      </p:sp>
+      <p:sp>
+        <p:nvSpPr>
+          <p:cNvPr id="10" name="Rectangle 9">
+            <a:extLst>
+              <a:ext uri="{FF2B5EF4-FFF2-40B4-BE49-F238E27FC236}">
+                <a16:creationId xmlns:a16="http://schemas.microsoft.com/office/drawing/2014/main" id="{37962AE0-6A1C-4B76-9D52-10E5E6D7D3BB}"/>
+              </a:ext>
+              <a:ext uri="{C183D7F6-B498-43B3-948B-1728B52AA6E4}">
+                <adec:decorative xmlns:adec="http://schemas.microsoft.com/office/drawing/2017/decorative" val="1"/>
+              </a:ext>
+            </a:extLst>
+          </p:cNvPr>
+          <p:cNvSpPr>
+            <a:spLocks noGrp="1" noRot="1" noChangeAspect="1" noMove="1" noResize="1" noEditPoints="1" noAdjustHandles="1" noChangeArrowheads="1" noChangeShapeType="1" noTextEdit="1"/>
+          </p:cNvSpPr>
+          <p:nvPr>
+            <p:extLst>
+              <p:ext uri="{386F3935-93C4-4BCD-93E2-E3B085C9AB24}">
+                <p16:designElem xmlns:p16="http://schemas.microsoft.com/office/powerpoint/2015/main" val="1"/>
+              </p:ext>
+            </p:extLst>
+          </p:nvPr>
+        </p:nvSpPr>
+        <p:spPr>
+          <a:xfrm>
+            <a:off x="0" y="0"/>
+            <a:ext cx="12188952" cy="6858000"/>
+          </a:xfrm>
+          <a:prstGeom prst="rect">
+            <a:avLst/>
+          </a:prstGeom>
+          <a:solidFill>
+            <a:schemeClr val="bg2">
+              <a:alpha val="70000"/>
+            </a:schemeClr>
+          </a:solidFill>
+          <a:ln>
+            <a:noFill/>
+          </a:ln>
+        </p:spPr>
+        <p:style>
+          <a:lnRef idx="2">
+            <a:schemeClr val="accent1">
+              <a:shade val="50000"/>
+            </a:schemeClr>
+          </a:lnRef>
+          <a:fillRef idx="1">
+            <a:schemeClr val="accent1"/>
+          </a:fillRef>
+          <a:effectRef idx="0">
+            <a:schemeClr val="accent1"/>
+          </a:effectRef>
+          <a:fontRef idx="minor">
+            <a:schemeClr val="lt1"/>
+          </a:fontRef>
+        </p:style>
+        <p:txBody>
+          <a:bodyPr rtlCol="0" anchor="ctr"/>
+          <a:lstStyle/>
+          <a:p>
+            <a:pPr algn="ctr"/>
+            <a:endParaRPr lang="en-US">
+              <a:solidFill>
+                <a:schemeClr val="tx1">
+                  <a:lumMod val="65000"/>
+                  <a:lumOff val="35000"/>
+                </a:schemeClr>
+              </a:solidFill>
+              <a:latin typeface="AvenirNext LT Pro Medium" panose="020B0504020202020204" pitchFamily="34" charset="0"/>
+            </a:endParaRPr>
+          </a:p>
+        </p:txBody>
+      </p:sp>
+      <p:pic>
+        <p:nvPicPr>
+          <p:cNvPr id="12" name="Picture 11">
+            <a:extLst>
+              <a:ext uri="{FF2B5EF4-FFF2-40B4-BE49-F238E27FC236}">
+                <a16:creationId xmlns:a16="http://schemas.microsoft.com/office/drawing/2014/main" id="{A72D06A1-BA08-4820-BBC8-B24DDB32A376}"/>
+              </a:ext>
+              <a:ext uri="{C183D7F6-B498-43B3-948B-1728B52AA6E4}">
+                <adec:decorative xmlns:adec="http://schemas.microsoft.com/office/drawing/2017/decorative" val="1"/>
+              </a:ext>
+            </a:extLst>
+          </p:cNvPr>
+          <p:cNvPicPr>
+            <a:picLocks noGrp="1" noRot="1" noChangeAspect="1" noMove="1" noResize="1" noEditPoints="1" noAdjustHandles="1" noChangeArrowheads="1" noChangeShapeType="1" noCrop="1"/>
+          </p:cNvPicPr>
+          <p:nvPr>
+            <p:extLst>
+              <p:ext uri="{386F3935-93C4-4BCD-93E2-E3B085C9AB24}">
+                <p16:designElem xmlns:p16="http://schemas.microsoft.com/office/powerpoint/2015/main" val="1"/>
+              </p:ext>
+            </p:extLst>
+          </p:nvPr>
+        </p:nvPicPr>
+        <p:blipFill rotWithShape="1">
+          <a:blip r:embed="rId2">
+            <a:duotone>
+              <a:schemeClr val="accent1">
+                <a:shade val="45000"/>
+                <a:satMod val="135000"/>
+              </a:schemeClr>
+              <a:prstClr val="white"/>
+            </a:duotone>
+            <a:extLst>
+              <a:ext uri="{28A0092B-C50C-407E-A947-70E740481C1C}">
+                <a14:useLocalDpi xmlns:a14="http://schemas.microsoft.com/office/drawing/2010/main" val="0"/>
+              </a:ext>
+            </a:extLst>
+          </a:blip>
+          <a:srcRect t="37018" r="40625"/>
+          <a:stretch/>
+        </p:blipFill>
+        <p:spPr>
+          <a:xfrm>
+            <a:off x="10744200" y="0"/>
+            <a:ext cx="1447800" cy="1535750"/>
+          </a:xfrm>
+          <a:prstGeom prst="rect">
+            <a:avLst/>
+          </a:prstGeom>
+        </p:spPr>
+      </p:pic>
+      <p:sp>
+        <p:nvSpPr>
+          <p:cNvPr id="2" name="Title 1">
+            <a:extLst>
+              <a:ext uri="{FF2B5EF4-FFF2-40B4-BE49-F238E27FC236}">
+                <a16:creationId xmlns:a16="http://schemas.microsoft.com/office/drawing/2014/main" id="{FC795B22-7BE2-400B-3329-D0CB824EB592}"/>
+              </a:ext>
+            </a:extLst>
+          </p:cNvPr>
+          <p:cNvSpPr>
+            <a:spLocks noGrp="1"/>
+          </p:cNvSpPr>
+          <p:nvPr>
+            <p:ph type="title"/>
+          </p:nvPr>
+        </p:nvSpPr>
+        <p:spPr>
+          <a:xfrm>
+            <a:off x="838201" y="559813"/>
+            <a:ext cx="10348146" cy="1675009"/>
+          </a:xfrm>
+        </p:spPr>
+        <p:txBody>
+          <a:bodyPr anchor="t">
+            <a:normAutofit/>
+          </a:bodyPr>
+          <a:lstStyle/>
+          <a:p>
+            <a:r>
+              <a:rPr lang="en-GB" dirty="0">
+                <a:solidFill>
+                  <a:schemeClr val="tx2"/>
+                </a:solidFill>
+              </a:rPr>
+              <a:t>What is GitHub?</a:t>
+            </a:r>
+          </a:p>
+        </p:txBody>
+      </p:sp>
+      <p:pic>
+        <p:nvPicPr>
+          <p:cNvPr id="14" name="Picture 13">
+            <a:extLst>
+              <a:ext uri="{FF2B5EF4-FFF2-40B4-BE49-F238E27FC236}">
+                <a16:creationId xmlns:a16="http://schemas.microsoft.com/office/drawing/2014/main" id="{1295E665-0408-4072-94B3-49BA5ACBCBD3}"/>
+              </a:ext>
+              <a:ext uri="{C183D7F6-B498-43B3-948B-1728B52AA6E4}">
+                <adec:decorative xmlns:adec="http://schemas.microsoft.com/office/drawing/2017/decorative" val="1"/>
+              </a:ext>
+            </a:extLst>
+          </p:cNvPr>
+          <p:cNvPicPr>
+            <a:picLocks noGrp="1" noRot="1" noChangeAspect="1" noMove="1" noResize="1" noEditPoints="1" noAdjustHandles="1" noChangeArrowheads="1" noChangeShapeType="1" noCrop="1"/>
+          </p:cNvPicPr>
+          <p:nvPr>
+            <p:extLst>
+              <p:ext uri="{386F3935-93C4-4BCD-93E2-E3B085C9AB24}">
+                <p16:designElem xmlns:p16="http://schemas.microsoft.com/office/powerpoint/2015/main" val="1"/>
+              </p:ext>
+            </p:extLst>
+          </p:nvPr>
+        </p:nvPicPr>
+        <p:blipFill rotWithShape="1">
+          <a:blip r:embed="rId3">
+            <a:duotone>
+              <a:schemeClr val="accent1">
+                <a:shade val="45000"/>
+                <a:satMod val="135000"/>
+              </a:schemeClr>
+              <a:prstClr val="white"/>
+            </a:duotone>
+            <a:extLst>
+              <a:ext uri="{28A0092B-C50C-407E-A947-70E740481C1C}">
+                <a14:useLocalDpi xmlns:a14="http://schemas.microsoft.com/office/drawing/2010/main" val="0"/>
+              </a:ext>
+            </a:extLst>
+          </a:blip>
+          <a:srcRect r="46048"/>
+          <a:stretch/>
+        </p:blipFill>
+        <p:spPr>
+          <a:xfrm rot="10800000">
+            <a:off x="0" y="2719662"/>
+            <a:ext cx="1371600" cy="2548349"/>
+          </a:xfrm>
+          <a:prstGeom prst="rect">
+            <a:avLst/>
+          </a:prstGeom>
+        </p:spPr>
+      </p:pic>
+      <p:sp>
+        <p:nvSpPr>
+          <p:cNvPr id="3" name="Content Placeholder 2">
+            <a:extLst>
+              <a:ext uri="{FF2B5EF4-FFF2-40B4-BE49-F238E27FC236}">
+                <a16:creationId xmlns:a16="http://schemas.microsoft.com/office/drawing/2014/main" id="{C90D05BF-9C4E-82AF-C470-B37E72647F14}"/>
+              </a:ext>
+            </a:extLst>
+          </p:cNvPr>
+          <p:cNvSpPr>
+            <a:spLocks noGrp="1"/>
+          </p:cNvSpPr>
+          <p:nvPr>
+            <p:ph idx="1"/>
+          </p:nvPr>
+        </p:nvSpPr>
+        <p:spPr>
+          <a:xfrm>
+            <a:off x="3994587" y="2403097"/>
+            <a:ext cx="7178691" cy="3709990"/>
+          </a:xfrm>
+        </p:spPr>
+        <p:txBody>
+          <a:bodyPr anchor="ctr">
+            <a:normAutofit/>
+          </a:bodyPr>
+          <a:lstStyle/>
+          <a:p>
+            <a:r>
+              <a:rPr lang="en-GB" sz="1800" dirty="0">
+                <a:solidFill>
+                  <a:schemeClr val="tx2"/>
+                </a:solidFill>
+              </a:rPr>
+              <a:t>The largest web-based git repository hosting service</a:t>
+            </a:r>
+          </a:p>
+          <a:p>
+            <a:r>
+              <a:rPr lang="en-GB" sz="1800" dirty="0">
+                <a:solidFill>
+                  <a:schemeClr val="tx2"/>
+                </a:solidFill>
+              </a:rPr>
+              <a:t>Founded in 2008</a:t>
+            </a:r>
+          </a:p>
+          <a:p>
+            <a:r>
+              <a:rPr lang="en-GB" sz="1800" dirty="0">
+                <a:solidFill>
+                  <a:schemeClr val="tx2"/>
+                </a:solidFill>
+              </a:rPr>
+              <a:t>Allows online collaboration from anywhere</a:t>
+            </a:r>
+          </a:p>
+          <a:p>
+            <a:r>
+              <a:rPr lang="en-GB" sz="1800" dirty="0">
+                <a:solidFill>
+                  <a:schemeClr val="tx2"/>
+                </a:solidFill>
+              </a:rPr>
+              <a:t>Adds extra convenient functionalities:</a:t>
+            </a:r>
+          </a:p>
+          <a:p>
+            <a:pPr lvl="1"/>
+            <a:r>
+              <a:rPr lang="en-GB" sz="1400" dirty="0">
+                <a:solidFill>
+                  <a:schemeClr val="tx2"/>
+                </a:solidFill>
+              </a:rPr>
+              <a:t>UI</a:t>
+            </a:r>
+          </a:p>
+          <a:p>
+            <a:pPr lvl="1"/>
+            <a:r>
+              <a:rPr lang="en-GB" sz="1400" dirty="0">
+                <a:solidFill>
+                  <a:schemeClr val="tx2"/>
+                </a:solidFill>
+              </a:rPr>
+              <a:t>branch graph</a:t>
+            </a:r>
+          </a:p>
+          <a:p>
+            <a:pPr lvl="1"/>
+            <a:r>
+              <a:rPr lang="en-GB" sz="1400" dirty="0">
+                <a:solidFill>
+                  <a:schemeClr val="tx2"/>
+                </a:solidFill>
+              </a:rPr>
+              <a:t>pull requests</a:t>
+            </a:r>
+          </a:p>
+          <a:p>
+            <a:pPr lvl="1"/>
+            <a:r>
+              <a:rPr lang="en-GB" sz="1400" dirty="0">
+                <a:solidFill>
+                  <a:schemeClr val="tx2"/>
+                </a:solidFill>
+              </a:rPr>
+              <a:t>bug tracking</a:t>
+            </a:r>
+          </a:p>
+          <a:p>
+            <a:pPr lvl="1"/>
+            <a:r>
+              <a:rPr lang="en-GB" sz="1400" dirty="0">
+                <a:solidFill>
+                  <a:schemeClr val="tx2"/>
+                </a:solidFill>
+              </a:rPr>
+              <a:t>and more</a:t>
+            </a:r>
+          </a:p>
+        </p:txBody>
+      </p:sp>
+    </p:spTree>
+    <p:extLst>
+      <p:ext uri="{BB962C8B-B14F-4D97-AF65-F5344CB8AC3E}">
+        <p14:creationId xmlns:p14="http://schemas.microsoft.com/office/powerpoint/2010/main" val="600964517"/>
+      </p:ext>
+    </p:extLst>
+  </p:cSld>
+  <p:clrMapOvr>
+    <a:masterClrMapping/>
+  </p:clrMapOvr>
+</p:sld>
+</file>
+
+<file path=ppt/slides/slide19.xml><?xml version="1.0" encoding="utf-8"?>
+<p:sld xmlns:a="http://schemas.openxmlformats.org/drawingml/2006/main" xmlns:r="http://schemas.openxmlformats.org/officeDocument/2006/relationships" xmlns:p="http://schemas.openxmlformats.org/presentationml/2006/main">
+  <p:cSld>
+    <p:bg>
+      <p:bgPr>
+        <a:solidFill>
+          <a:schemeClr val="bg1"/>
+        </a:solidFill>
+        <a:effectLst/>
+      </p:bgPr>
+    </p:bg>
+    <p:spTree>
+      <p:nvGrpSpPr>
+        <p:cNvPr id="1" name=""/>
+        <p:cNvGrpSpPr/>
+        <p:nvPr/>
+      </p:nvGrpSpPr>
+      <p:grpSpPr>
+        <a:xfrm>
+          <a:off x="0" y="0"/>
+          <a:ext cx="0" cy="0"/>
+          <a:chOff x="0" y="0"/>
+          <a:chExt cx="0" cy="0"/>
+        </a:xfrm>
+      </p:grpSpPr>
+      <p:sp useBgFill="1">
+        <p:nvSpPr>
+          <p:cNvPr id="8" name="Rectangle 7">
+            <a:extLst>
+              <a:ext uri="{FF2B5EF4-FFF2-40B4-BE49-F238E27FC236}">
+                <a16:creationId xmlns:a16="http://schemas.microsoft.com/office/drawing/2014/main" id="{8651CFA9-6065-4243-AC48-858E359780B1}"/>
+              </a:ext>
+              <a:ext uri="{C183D7F6-B498-43B3-948B-1728B52AA6E4}">
+                <adec:decorative xmlns:adec="http://schemas.microsoft.com/office/drawing/2017/decorative" val="1"/>
+              </a:ext>
+            </a:extLst>
+          </p:cNvPr>
+          <p:cNvSpPr>
+            <a:spLocks noGrp="1" noRot="1" noChangeAspect="1" noMove="1" noResize="1" noEditPoints="1" noAdjustHandles="1" noChangeArrowheads="1" noChangeShapeType="1" noTextEdit="1"/>
+          </p:cNvSpPr>
+          <p:nvPr>
+            <p:extLst>
+              <p:ext uri="{386F3935-93C4-4BCD-93E2-E3B085C9AB24}">
+                <p16:designElem xmlns:p16="http://schemas.microsoft.com/office/powerpoint/2015/main" val="1"/>
+              </p:ext>
+            </p:extLst>
+          </p:nvPr>
+        </p:nvSpPr>
+        <p:spPr>
+          <a:xfrm>
+            <a:off x="0" y="0"/>
+            <a:ext cx="12188952" cy="6858000"/>
+          </a:xfrm>
+          <a:prstGeom prst="rect">
+            <a:avLst/>
+          </a:prstGeom>
+          <a:ln>
+            <a:noFill/>
+          </a:ln>
+        </p:spPr>
+        <p:style>
+          <a:lnRef idx="2">
+            <a:schemeClr val="accent1">
+              <a:shade val="50000"/>
+            </a:schemeClr>
+          </a:lnRef>
+          <a:fillRef idx="1">
+            <a:schemeClr val="accent1"/>
+          </a:fillRef>
+          <a:effectRef idx="0">
+            <a:schemeClr val="accent1"/>
+          </a:effectRef>
+          <a:fontRef idx="minor">
+            <a:schemeClr val="lt1"/>
+          </a:fontRef>
+        </p:style>
+        <p:txBody>
+          <a:bodyPr rtlCol="0" anchor="ctr"/>
+          <a:lstStyle/>
+          <a:p>
+            <a:pPr algn="ctr"/>
+            <a:endParaRPr lang="en-US">
+              <a:solidFill>
+                <a:schemeClr val="tx1">
+                  <a:lumMod val="65000"/>
+                  <a:lumOff val="35000"/>
+                </a:schemeClr>
+              </a:solidFill>
+              <a:latin typeface="AvenirNext LT Pro Medium" panose="020B0504020202020204" pitchFamily="34" charset="0"/>
+            </a:endParaRPr>
+          </a:p>
+        </p:txBody>
+      </p:sp>
+      <p:sp>
+        <p:nvSpPr>
+          <p:cNvPr id="10" name="Rectangle 9">
+            <a:extLst>
+              <a:ext uri="{FF2B5EF4-FFF2-40B4-BE49-F238E27FC236}">
+                <a16:creationId xmlns:a16="http://schemas.microsoft.com/office/drawing/2014/main" id="{37962AE0-6A1C-4B76-9D52-10E5E6D7D3BB}"/>
+              </a:ext>
+              <a:ext uri="{C183D7F6-B498-43B3-948B-1728B52AA6E4}">
+                <adec:decorative xmlns:adec="http://schemas.microsoft.com/office/drawing/2017/decorative" val="1"/>
+              </a:ext>
+            </a:extLst>
+          </p:cNvPr>
+          <p:cNvSpPr>
+            <a:spLocks noGrp="1" noRot="1" noChangeAspect="1" noMove="1" noResize="1" noEditPoints="1" noAdjustHandles="1" noChangeArrowheads="1" noChangeShapeType="1" noTextEdit="1"/>
+          </p:cNvSpPr>
+          <p:nvPr>
+            <p:extLst>
+              <p:ext uri="{386F3935-93C4-4BCD-93E2-E3B085C9AB24}">
+                <p16:designElem xmlns:p16="http://schemas.microsoft.com/office/powerpoint/2015/main" val="1"/>
+              </p:ext>
+            </p:extLst>
+          </p:nvPr>
+        </p:nvSpPr>
+        <p:spPr>
+          <a:xfrm>
+            <a:off x="0" y="0"/>
+            <a:ext cx="12188952" cy="6858000"/>
+          </a:xfrm>
+          <a:prstGeom prst="rect">
+            <a:avLst/>
+          </a:prstGeom>
+          <a:solidFill>
+            <a:schemeClr val="bg2">
+              <a:alpha val="70000"/>
+            </a:schemeClr>
+          </a:solidFill>
+          <a:ln>
+            <a:noFill/>
+          </a:ln>
+        </p:spPr>
+        <p:style>
+          <a:lnRef idx="2">
+            <a:schemeClr val="accent1">
+              <a:shade val="50000"/>
+            </a:schemeClr>
+          </a:lnRef>
+          <a:fillRef idx="1">
+            <a:schemeClr val="accent1"/>
+          </a:fillRef>
+          <a:effectRef idx="0">
+            <a:schemeClr val="accent1"/>
+          </a:effectRef>
+          <a:fontRef idx="minor">
+            <a:schemeClr val="lt1"/>
+          </a:fontRef>
+        </p:style>
+        <p:txBody>
+          <a:bodyPr rtlCol="0" anchor="ctr"/>
+          <a:lstStyle/>
+          <a:p>
+            <a:pPr algn="ctr"/>
+            <a:endParaRPr lang="en-US">
+              <a:solidFill>
+                <a:schemeClr val="tx1">
+                  <a:lumMod val="65000"/>
+                  <a:lumOff val="35000"/>
+                </a:schemeClr>
+              </a:solidFill>
+              <a:latin typeface="AvenirNext LT Pro Medium" panose="020B0504020202020204" pitchFamily="34" charset="0"/>
+            </a:endParaRPr>
+          </a:p>
+        </p:txBody>
+      </p:sp>
+      <p:pic>
+        <p:nvPicPr>
+          <p:cNvPr id="12" name="Picture 11">
+            <a:extLst>
+              <a:ext uri="{FF2B5EF4-FFF2-40B4-BE49-F238E27FC236}">
+                <a16:creationId xmlns:a16="http://schemas.microsoft.com/office/drawing/2014/main" id="{A72D06A1-BA08-4820-BBC8-B24DDB32A376}"/>
+              </a:ext>
+              <a:ext uri="{C183D7F6-B498-43B3-948B-1728B52AA6E4}">
+                <adec:decorative xmlns:adec="http://schemas.microsoft.com/office/drawing/2017/decorative" val="1"/>
+              </a:ext>
+            </a:extLst>
+          </p:cNvPr>
+          <p:cNvPicPr>
+            <a:picLocks noGrp="1" noRot="1" noChangeAspect="1" noMove="1" noResize="1" noEditPoints="1" noAdjustHandles="1" noChangeArrowheads="1" noChangeShapeType="1" noCrop="1"/>
+          </p:cNvPicPr>
+          <p:nvPr>
+            <p:extLst>
+              <p:ext uri="{386F3935-93C4-4BCD-93E2-E3B085C9AB24}">
+                <p16:designElem xmlns:p16="http://schemas.microsoft.com/office/powerpoint/2015/main" val="1"/>
+              </p:ext>
+            </p:extLst>
+          </p:nvPr>
+        </p:nvPicPr>
+        <p:blipFill rotWithShape="1">
+          <a:blip r:embed="rId3">
+            <a:duotone>
+              <a:schemeClr val="accent1">
+                <a:shade val="45000"/>
+                <a:satMod val="135000"/>
+              </a:schemeClr>
+              <a:prstClr val="white"/>
+            </a:duotone>
+            <a:extLst>
+              <a:ext uri="{28A0092B-C50C-407E-A947-70E740481C1C}">
+                <a14:useLocalDpi xmlns:a14="http://schemas.microsoft.com/office/drawing/2010/main" val="0"/>
+              </a:ext>
+            </a:extLst>
+          </a:blip>
+          <a:srcRect t="37018" r="40625"/>
+          <a:stretch/>
+        </p:blipFill>
+        <p:spPr>
+          <a:xfrm>
+            <a:off x="10744200" y="0"/>
+            <a:ext cx="1447800" cy="1535750"/>
+          </a:xfrm>
+          <a:prstGeom prst="rect">
+            <a:avLst/>
+          </a:prstGeom>
+        </p:spPr>
+      </p:pic>
+      <p:sp>
+        <p:nvSpPr>
+          <p:cNvPr id="2" name="Title 1">
+            <a:extLst>
+              <a:ext uri="{FF2B5EF4-FFF2-40B4-BE49-F238E27FC236}">
+                <a16:creationId xmlns:a16="http://schemas.microsoft.com/office/drawing/2014/main" id="{EC53F21F-2FBA-9045-D0E4-FC18093B9E76}"/>
+              </a:ext>
+            </a:extLst>
+          </p:cNvPr>
+          <p:cNvSpPr>
+            <a:spLocks noGrp="1"/>
+          </p:cNvSpPr>
+          <p:nvPr>
+            <p:ph type="title"/>
+          </p:nvPr>
+        </p:nvSpPr>
+        <p:spPr>
+          <a:xfrm>
+            <a:off x="838201" y="559813"/>
+            <a:ext cx="10348146" cy="1675009"/>
+          </a:xfrm>
+        </p:spPr>
+        <p:txBody>
+          <a:bodyPr anchor="t">
+            <a:normAutofit/>
+          </a:bodyPr>
+          <a:lstStyle/>
+          <a:p>
+            <a:r>
+              <a:rPr lang="en-GB" dirty="0">
+                <a:solidFill>
+                  <a:schemeClr val="tx2"/>
+                </a:solidFill>
+              </a:rPr>
+              <a:t>Setting up GitHub account</a:t>
+            </a:r>
+          </a:p>
+        </p:txBody>
+      </p:sp>
+      <p:pic>
+        <p:nvPicPr>
+          <p:cNvPr id="14" name="Picture 13">
+            <a:extLst>
+              <a:ext uri="{FF2B5EF4-FFF2-40B4-BE49-F238E27FC236}">
+                <a16:creationId xmlns:a16="http://schemas.microsoft.com/office/drawing/2014/main" id="{1295E665-0408-4072-94B3-49BA5ACBCBD3}"/>
+              </a:ext>
+              <a:ext uri="{C183D7F6-B498-43B3-948B-1728B52AA6E4}">
+                <adec:decorative xmlns:adec="http://schemas.microsoft.com/office/drawing/2017/decorative" val="1"/>
+              </a:ext>
+            </a:extLst>
+          </p:cNvPr>
+          <p:cNvPicPr>
+            <a:picLocks noGrp="1" noRot="1" noChangeAspect="1" noMove="1" noResize="1" noEditPoints="1" noAdjustHandles="1" noChangeArrowheads="1" noChangeShapeType="1" noCrop="1"/>
+          </p:cNvPicPr>
+          <p:nvPr>
+            <p:extLst>
+              <p:ext uri="{386F3935-93C4-4BCD-93E2-E3B085C9AB24}">
+                <p16:designElem xmlns:p16="http://schemas.microsoft.com/office/powerpoint/2015/main" val="1"/>
+              </p:ext>
+            </p:extLst>
+          </p:nvPr>
+        </p:nvPicPr>
+        <p:blipFill rotWithShape="1">
+          <a:blip r:embed="rId4">
+            <a:duotone>
+              <a:schemeClr val="accent1">
+                <a:shade val="45000"/>
+                <a:satMod val="135000"/>
+              </a:schemeClr>
+              <a:prstClr val="white"/>
+            </a:duotone>
+            <a:extLst>
+              <a:ext uri="{28A0092B-C50C-407E-A947-70E740481C1C}">
+                <a14:useLocalDpi xmlns:a14="http://schemas.microsoft.com/office/drawing/2010/main" val="0"/>
+              </a:ext>
+            </a:extLst>
+          </a:blip>
+          <a:srcRect r="46048"/>
+          <a:stretch/>
+        </p:blipFill>
+        <p:spPr>
+          <a:xfrm rot="10800000">
+            <a:off x="0" y="2719662"/>
+            <a:ext cx="1371600" cy="2548349"/>
+          </a:xfrm>
+          <a:prstGeom prst="rect">
+            <a:avLst/>
+          </a:prstGeom>
+        </p:spPr>
+      </p:pic>
+      <p:sp>
+        <p:nvSpPr>
+          <p:cNvPr id="3" name="Content Placeholder 2">
+            <a:extLst>
+              <a:ext uri="{FF2B5EF4-FFF2-40B4-BE49-F238E27FC236}">
+                <a16:creationId xmlns:a16="http://schemas.microsoft.com/office/drawing/2014/main" id="{76090E80-1EBC-14EA-8CB2-11C33A06B8F6}"/>
+              </a:ext>
+            </a:extLst>
+          </p:cNvPr>
+          <p:cNvSpPr>
+            <a:spLocks noGrp="1"/>
+          </p:cNvSpPr>
+          <p:nvPr>
+            <p:ph idx="1"/>
+          </p:nvPr>
+        </p:nvSpPr>
+        <p:spPr>
+          <a:xfrm>
+            <a:off x="2724789" y="1988360"/>
+            <a:ext cx="8448489" cy="4124727"/>
+          </a:xfrm>
+        </p:spPr>
+        <p:txBody>
+          <a:bodyPr anchor="ctr">
+            <a:normAutofit fontScale="55000" lnSpcReduction="20000"/>
+          </a:bodyPr>
+          <a:lstStyle/>
+          <a:p>
+            <a:r>
+              <a:rPr lang="en-GB" sz="1800" dirty="0">
+                <a:solidFill>
+                  <a:schemeClr val="tx2"/>
+                </a:solidFill>
+              </a:rPr>
+              <a:t>Go to </a:t>
+            </a:r>
+            <a:r>
+              <a:rPr lang="en-GB" sz="1800" dirty="0">
+                <a:solidFill>
+                  <a:schemeClr val="tx2"/>
+                </a:solidFill>
+                <a:hlinkClick r:id="rId5"/>
+              </a:rPr>
+              <a:t>https://github.com/</a:t>
+            </a:r>
+            <a:r>
+              <a:rPr lang="en-GB" sz="1800" dirty="0">
+                <a:solidFill>
+                  <a:schemeClr val="tx2"/>
+                </a:solidFill>
+              </a:rPr>
+              <a:t> and press “Sign up”</a:t>
+            </a:r>
+          </a:p>
+          <a:p>
+            <a:r>
+              <a:rPr lang="en-GB" sz="1800" dirty="0">
+                <a:solidFill>
+                  <a:schemeClr val="tx2"/>
+                </a:solidFill>
+              </a:rPr>
+              <a:t>Follow the account creation process and then log-in</a:t>
+            </a:r>
+          </a:p>
+          <a:p>
+            <a:r>
+              <a:rPr lang="en-GB" sz="1800" dirty="0">
+                <a:solidFill>
+                  <a:schemeClr val="tx2"/>
+                </a:solidFill>
+              </a:rPr>
+              <a:t>Click at your profile icon and select “Settings”</a:t>
+            </a:r>
+          </a:p>
+          <a:p>
+            <a:r>
+              <a:rPr lang="en-GB" sz="1800" dirty="0">
+                <a:solidFill>
+                  <a:schemeClr val="tx2"/>
+                </a:solidFill>
+              </a:rPr>
+              <a:t>Click at “SSH and GPG keys”</a:t>
+            </a:r>
+          </a:p>
+          <a:p>
+            <a:r>
+              <a:rPr lang="en-GB" sz="1800" dirty="0">
+                <a:solidFill>
+                  <a:schemeClr val="tx2"/>
+                </a:solidFill>
+              </a:rPr>
+              <a:t>Open terminal window on your machine an run</a:t>
+            </a:r>
+          </a:p>
+          <a:p>
+            <a:pPr lvl="1"/>
+            <a:r>
+              <a:rPr lang="de-DE" sz="1400" dirty="0">
+                <a:solidFill>
+                  <a:schemeClr val="tx2"/>
+                </a:solidFill>
+              </a:rPr>
+              <a:t>ssh-keygen -t ed25519 -C “email_you_used_for_github@example.com“</a:t>
+            </a:r>
+          </a:p>
+          <a:p>
+            <a:r>
+              <a:rPr lang="de-DE" sz="1800" dirty="0">
+                <a:solidFill>
+                  <a:schemeClr val="tx2"/>
+                </a:solidFill>
+              </a:rPr>
+              <a:t>You can leave the passphrase empty or use some favourite word</a:t>
+            </a:r>
+          </a:p>
+          <a:p>
+            <a:r>
+              <a:rPr lang="de-DE" sz="1800" dirty="0">
+                <a:solidFill>
+                  <a:schemeClr val="tx2"/>
+                </a:solidFill>
+              </a:rPr>
+              <a:t>This will generate new key to .ssh folder</a:t>
+            </a:r>
+          </a:p>
+          <a:p>
+            <a:r>
+              <a:rPr lang="de-DE" sz="1800" dirty="0">
+                <a:solidFill>
+                  <a:schemeClr val="tx2"/>
+                </a:solidFill>
+              </a:rPr>
+              <a:t>Press “Windows + R“ and type</a:t>
+            </a:r>
+          </a:p>
+          <a:p>
+            <a:pPr lvl="1"/>
+            <a:r>
+              <a:rPr lang="en-GB" sz="1400" dirty="0">
+                <a:solidFill>
+                  <a:schemeClr val="tx2"/>
+                </a:solidFill>
+              </a:rPr>
+              <a:t>%USERPROFILE%</a:t>
+            </a:r>
+          </a:p>
+          <a:p>
+            <a:r>
+              <a:rPr lang="en-GB" sz="1800" dirty="0">
+                <a:solidFill>
+                  <a:schemeClr val="tx2"/>
+                </a:solidFill>
+              </a:rPr>
+              <a:t>Press enter, new explorer window will open, navigate to the .ssh folder</a:t>
+            </a:r>
+          </a:p>
+          <a:p>
+            <a:r>
+              <a:rPr lang="en-GB" sz="1800" dirty="0">
+                <a:solidFill>
+                  <a:schemeClr val="tx2"/>
+                </a:solidFill>
+              </a:rPr>
+              <a:t>Open file ending with “.pub” (your public key) with your favourite text editor</a:t>
+            </a:r>
+          </a:p>
+          <a:p>
+            <a:r>
+              <a:rPr lang="en-GB" sz="1800" dirty="0">
+                <a:solidFill>
+                  <a:schemeClr val="tx2"/>
+                </a:solidFill>
+              </a:rPr>
+              <a:t>In GitHub click at “New SSH key” and copy the content of your public key there</a:t>
+            </a:r>
+          </a:p>
+          <a:p>
+            <a:r>
+              <a:rPr lang="en-GB" sz="1800" dirty="0">
+                <a:solidFill>
+                  <a:schemeClr val="tx2"/>
+                </a:solidFill>
+              </a:rPr>
+              <a:t>Provide the key some title, ex: “My personal PC”</a:t>
+            </a:r>
+          </a:p>
+          <a:p>
+            <a:r>
+              <a:rPr lang="en-GB" sz="1800" dirty="0">
+                <a:solidFill>
+                  <a:schemeClr val="tx2"/>
+                </a:solidFill>
+              </a:rPr>
+              <a:t>Click “Add SSH key”</a:t>
+            </a:r>
+          </a:p>
+          <a:p>
+            <a:r>
+              <a:rPr lang="en-GB" sz="1800" dirty="0">
+                <a:solidFill>
+                  <a:schemeClr val="tx2"/>
+                </a:solidFill>
+              </a:rPr>
+              <a:t>Congratulations! You have successfully setup GitHub with your computer</a:t>
+            </a:r>
+          </a:p>
+        </p:txBody>
+      </p:sp>
+    </p:spTree>
+    <p:extLst>
+      <p:ext uri="{BB962C8B-B14F-4D97-AF65-F5344CB8AC3E}">
+        <p14:creationId xmlns:p14="http://schemas.microsoft.com/office/powerpoint/2010/main" val="3074952208"/>
       </p:ext>
     </p:extLst>
   </p:cSld>
@@ -4652,7 +9767,7 @@
         </p:spPr>
         <p:txBody>
           <a:bodyPr>
-            <a:normAutofit/>
+            <a:normAutofit fontScale="47500" lnSpcReduction="20000"/>
           </a:bodyPr>
           <a:lstStyle/>
           <a:p>
@@ -4696,12 +9811,99 @@
             </a:r>
           </a:p>
           <a:p>
+            <a:pPr lvl="1"/>
+            <a:r>
+              <a:rPr lang="en-GB" sz="1400" dirty="0">
+                <a:solidFill>
+                  <a:schemeClr val="tx2"/>
+                </a:solidFill>
+              </a:rPr>
+              <a:t>What is snapshot?</a:t>
+            </a:r>
+          </a:p>
+          <a:p>
+            <a:pPr lvl="1"/>
+            <a:r>
+              <a:rPr lang="en-GB" sz="1400" dirty="0">
+                <a:solidFill>
+                  <a:schemeClr val="tx2"/>
+                </a:solidFill>
+              </a:rPr>
+              <a:t>What is commit?</a:t>
+            </a:r>
+          </a:p>
+          <a:p>
+            <a:pPr lvl="1"/>
+            <a:r>
+              <a:rPr lang="en-GB" sz="1400" dirty="0">
+                <a:solidFill>
+                  <a:schemeClr val="tx2"/>
+                </a:solidFill>
+              </a:rPr>
+              <a:t>What is repository?</a:t>
+            </a:r>
+          </a:p>
+          <a:p>
+            <a:pPr lvl="1"/>
+            <a:r>
+              <a:rPr lang="en-GB" sz="1400" dirty="0">
+                <a:solidFill>
+                  <a:schemeClr val="tx2"/>
+                </a:solidFill>
+              </a:rPr>
+              <a:t>What is branch?</a:t>
+            </a:r>
+          </a:p>
+          <a:p>
+            <a:pPr lvl="1"/>
+            <a:r>
+              <a:rPr lang="en-GB" sz="1400" dirty="0">
+                <a:solidFill>
+                  <a:schemeClr val="tx2"/>
+                </a:solidFill>
+              </a:rPr>
+              <a:t>What is HEAD?</a:t>
+            </a:r>
+          </a:p>
+          <a:p>
+            <a:pPr lvl="1"/>
+            <a:r>
+              <a:rPr lang="en-GB" sz="1400" dirty="0">
+                <a:solidFill>
+                  <a:schemeClr val="tx2"/>
+                </a:solidFill>
+              </a:rPr>
+              <a:t>What is master?</a:t>
+            </a:r>
+          </a:p>
+          <a:p>
+            <a:pPr lvl="1"/>
+            <a:r>
+              <a:rPr lang="en-GB" sz="1400" dirty="0">
+                <a:solidFill>
+                  <a:schemeClr val="tx2"/>
+                </a:solidFill>
+              </a:rPr>
+              <a:t>Making changes</a:t>
+            </a:r>
+          </a:p>
+          <a:p>
             <a:r>
               <a:rPr lang="en-GB" sz="1800" dirty="0">
                 <a:solidFill>
                   <a:schemeClr val="tx2"/>
                 </a:solidFill>
               </a:rPr>
+              <a:t>Installing git on Windows</a:t>
+            </a:r>
+          </a:p>
+          <a:p>
+            <a:r>
+              <a:rPr lang="en-GB" sz="1800" dirty="0">
+                <a:solidFill>
+                  <a:schemeClr val="tx2"/>
+                </a:solidFill>
+              </a:rPr>
               <a:t>Web-based git repository hosting services</a:t>
             </a:r>
           </a:p>
@@ -4713,6 +9915,16 @@
                 </a:solidFill>
               </a:rPr>
               <a:t>What is GitHub?</a:t>
+            </a:r>
+          </a:p>
+          <a:p>
+            <a:r>
+              <a:rPr lang="en-GB" sz="1800" dirty="0">
+                <a:solidFill>
+                  <a:schemeClr val="tx2"/>
+                </a:solidFill>
+              </a:rPr>
+              <a:t>Setting up GitHub account</a:t>
             </a:r>
           </a:p>
           <a:p>
@@ -4748,6 +9960,899 @@
     <p:extLst>
       <p:ext uri="{BB962C8B-B14F-4D97-AF65-F5344CB8AC3E}">
         <p14:creationId xmlns:p14="http://schemas.microsoft.com/office/powerpoint/2010/main" val="2560401910"/>
+      </p:ext>
+    </p:extLst>
+  </p:cSld>
+  <p:clrMapOvr>
+    <a:masterClrMapping/>
+  </p:clrMapOvr>
+</p:sld>
+</file>
+
+<file path=ppt/slides/slide20.xml><?xml version="1.0" encoding="utf-8"?>
+<p:sld xmlns:a="http://schemas.openxmlformats.org/drawingml/2006/main" xmlns:r="http://schemas.openxmlformats.org/officeDocument/2006/relationships" xmlns:p="http://schemas.openxmlformats.org/presentationml/2006/main">
+  <p:cSld>
+    <p:bg>
+      <p:bgPr>
+        <a:solidFill>
+          <a:schemeClr val="bg1"/>
+        </a:solidFill>
+        <a:effectLst/>
+      </p:bgPr>
+    </p:bg>
+    <p:spTree>
+      <p:nvGrpSpPr>
+        <p:cNvPr id="1" name=""/>
+        <p:cNvGrpSpPr/>
+        <p:nvPr/>
+      </p:nvGrpSpPr>
+      <p:grpSpPr>
+        <a:xfrm>
+          <a:off x="0" y="0"/>
+          <a:ext cx="0" cy="0"/>
+          <a:chOff x="0" y="0"/>
+          <a:chExt cx="0" cy="0"/>
+        </a:xfrm>
+      </p:grpSpPr>
+      <p:sp>
+        <p:nvSpPr>
+          <p:cNvPr id="19" name="Rectangle 18">
+            <a:extLst>
+              <a:ext uri="{FF2B5EF4-FFF2-40B4-BE49-F238E27FC236}">
+                <a16:creationId xmlns:a16="http://schemas.microsoft.com/office/drawing/2014/main" id="{0BABF38A-8A0D-492E-BD20-6CF4D46B50BD}"/>
+              </a:ext>
+              <a:ext uri="{C183D7F6-B498-43B3-948B-1728B52AA6E4}">
+                <adec:decorative xmlns:adec="http://schemas.microsoft.com/office/drawing/2017/decorative" val="1"/>
+              </a:ext>
+            </a:extLst>
+          </p:cNvPr>
+          <p:cNvSpPr>
+            <a:spLocks noGrp="1" noRot="1" noChangeAspect="1" noMove="1" noResize="1" noEditPoints="1" noAdjustHandles="1" noChangeArrowheads="1" noChangeShapeType="1" noTextEdit="1"/>
+          </p:cNvSpPr>
+          <p:nvPr>
+            <p:extLst>
+              <p:ext uri="{386F3935-93C4-4BCD-93E2-E3B085C9AB24}">
+                <p16:designElem xmlns:p16="http://schemas.microsoft.com/office/powerpoint/2015/main" val="1"/>
+              </p:ext>
+            </p:extLst>
+          </p:nvPr>
+        </p:nvSpPr>
+        <p:spPr>
+          <a:xfrm>
+            <a:off x="0" y="1"/>
+            <a:ext cx="12192000" cy="6858004"/>
+          </a:xfrm>
+          <a:prstGeom prst="rect">
+            <a:avLst/>
+          </a:prstGeom>
+          <a:solidFill>
+            <a:schemeClr val="tx2">
+              <a:lumMod val="90000"/>
+              <a:lumOff val="10000"/>
+            </a:schemeClr>
+          </a:solidFill>
+          <a:ln>
+            <a:noFill/>
+          </a:ln>
+        </p:spPr>
+        <p:style>
+          <a:lnRef idx="2">
+            <a:schemeClr val="accent1">
+              <a:shade val="50000"/>
+            </a:schemeClr>
+          </a:lnRef>
+          <a:fillRef idx="1">
+            <a:schemeClr val="accent1"/>
+          </a:fillRef>
+          <a:effectRef idx="0">
+            <a:schemeClr val="accent1"/>
+          </a:effectRef>
+          <a:fontRef idx="minor">
+            <a:schemeClr val="lt1"/>
+          </a:fontRef>
+        </p:style>
+        <p:txBody>
+          <a:bodyPr rtlCol="0" anchor="ctr"/>
+          <a:lstStyle/>
+          <a:p>
+            <a:pPr algn="ctr"/>
+            <a:endParaRPr lang="en-US" dirty="0">
+              <a:solidFill>
+                <a:schemeClr val="tx1">
+                  <a:lumMod val="65000"/>
+                  <a:lumOff val="35000"/>
+                </a:schemeClr>
+              </a:solidFill>
+              <a:latin typeface="AvenirNext LT Pro Medium" panose="020B0504020202020204" pitchFamily="34" charset="0"/>
+            </a:endParaRPr>
+          </a:p>
+        </p:txBody>
+      </p:sp>
+      <p:pic>
+        <p:nvPicPr>
+          <p:cNvPr id="21" name="Picture 20">
+            <a:extLst>
+              <a:ext uri="{FF2B5EF4-FFF2-40B4-BE49-F238E27FC236}">
+                <a16:creationId xmlns:a16="http://schemas.microsoft.com/office/drawing/2014/main" id="{1CB7E8AE-A3AC-4BB7-A5C6-F00EC697B265}"/>
+              </a:ext>
+              <a:ext uri="{C183D7F6-B498-43B3-948B-1728B52AA6E4}">
+                <adec:decorative xmlns:adec="http://schemas.microsoft.com/office/drawing/2017/decorative" val="1"/>
+              </a:ext>
+            </a:extLst>
+          </p:cNvPr>
+          <p:cNvPicPr>
+            <a:picLocks noGrp="1" noRot="1" noChangeAspect="1" noMove="1" noResize="1" noEditPoints="1" noAdjustHandles="1" noChangeArrowheads="1" noChangeShapeType="1" noCrop="1"/>
+          </p:cNvPicPr>
+          <p:nvPr>
+            <p:extLst>
+              <p:ext uri="{386F3935-93C4-4BCD-93E2-E3B085C9AB24}">
+                <p16:designElem xmlns:p16="http://schemas.microsoft.com/office/powerpoint/2015/main" val="1"/>
+              </p:ext>
+            </p:extLst>
+          </p:nvPr>
+        </p:nvPicPr>
+        <p:blipFill>
+          <a:blip r:embed="rId2">
+            <a:alphaModFix amt="35000"/>
+            <a:extLst>
+              <a:ext uri="{28A0092B-C50C-407E-A947-70E740481C1C}">
+                <a14:useLocalDpi xmlns:a14="http://schemas.microsoft.com/office/drawing/2010/main" val="0"/>
+              </a:ext>
+            </a:extLst>
+          </a:blip>
+          <a:stretch>
+            <a:fillRect/>
+          </a:stretch>
+        </p:blipFill>
+        <p:spPr>
+          <a:xfrm>
+            <a:off x="0" y="1"/>
+            <a:ext cx="12192000" cy="1392401"/>
+          </a:xfrm>
+          <a:prstGeom prst="rect">
+            <a:avLst/>
+          </a:prstGeom>
+        </p:spPr>
+      </p:pic>
+      <p:sp useBgFill="1">
+        <p:nvSpPr>
+          <p:cNvPr id="23" name="Rectangle 22">
+            <a:extLst>
+              <a:ext uri="{FF2B5EF4-FFF2-40B4-BE49-F238E27FC236}">
+                <a16:creationId xmlns:a16="http://schemas.microsoft.com/office/drawing/2014/main" id="{DE61FBD7-E37C-4B38-BE44-A6D4978D7486}"/>
+              </a:ext>
+              <a:ext uri="{C183D7F6-B498-43B3-948B-1728B52AA6E4}">
+                <adec:decorative xmlns:adec="http://schemas.microsoft.com/office/drawing/2017/decorative" val="1"/>
+              </a:ext>
+            </a:extLst>
+          </p:cNvPr>
+          <p:cNvSpPr>
+            <a:spLocks noGrp="1" noRot="1" noChangeAspect="1" noMove="1" noResize="1" noEditPoints="1" noAdjustHandles="1" noChangeArrowheads="1" noChangeShapeType="1" noTextEdit="1"/>
+          </p:cNvSpPr>
+          <p:nvPr>
+            <p:extLst>
+              <p:ext uri="{386F3935-93C4-4BCD-93E2-E3B085C9AB24}">
+                <p16:designElem xmlns:p16="http://schemas.microsoft.com/office/powerpoint/2015/main" val="1"/>
+              </p:ext>
+            </p:extLst>
+          </p:nvPr>
+        </p:nvSpPr>
+        <p:spPr>
+          <a:xfrm>
+            <a:off x="0" y="0"/>
+            <a:ext cx="12188952" cy="6858000"/>
+          </a:xfrm>
+          <a:prstGeom prst="rect">
+            <a:avLst/>
+          </a:prstGeom>
+          <a:ln>
+            <a:noFill/>
+          </a:ln>
+        </p:spPr>
+        <p:style>
+          <a:lnRef idx="2">
+            <a:schemeClr val="accent1">
+              <a:shade val="50000"/>
+            </a:schemeClr>
+          </a:lnRef>
+          <a:fillRef idx="1">
+            <a:schemeClr val="accent1"/>
+          </a:fillRef>
+          <a:effectRef idx="0">
+            <a:schemeClr val="accent1"/>
+          </a:effectRef>
+          <a:fontRef idx="minor">
+            <a:schemeClr val="lt1"/>
+          </a:fontRef>
+        </p:style>
+        <p:txBody>
+          <a:bodyPr rtlCol="0" anchor="ctr"/>
+          <a:lstStyle/>
+          <a:p>
+            <a:pPr algn="ctr"/>
+            <a:endParaRPr lang="en-US" dirty="0">
+              <a:solidFill>
+                <a:schemeClr val="tx1">
+                  <a:lumMod val="65000"/>
+                  <a:lumOff val="35000"/>
+                </a:schemeClr>
+              </a:solidFill>
+              <a:latin typeface="AvenirNext LT Pro Medium" panose="020B0504020202020204" pitchFamily="34" charset="0"/>
+            </a:endParaRPr>
+          </a:p>
+        </p:txBody>
+      </p:sp>
+      <p:sp>
+        <p:nvSpPr>
+          <p:cNvPr id="25" name="Rectangle 24">
+            <a:extLst>
+              <a:ext uri="{FF2B5EF4-FFF2-40B4-BE49-F238E27FC236}">
+                <a16:creationId xmlns:a16="http://schemas.microsoft.com/office/drawing/2014/main" id="{823772C2-0911-45A0-B7B6-D811380C75AC}"/>
+              </a:ext>
+              <a:ext uri="{C183D7F6-B498-43B3-948B-1728B52AA6E4}">
+                <adec:decorative xmlns:adec="http://schemas.microsoft.com/office/drawing/2017/decorative" val="1"/>
+              </a:ext>
+            </a:extLst>
+          </p:cNvPr>
+          <p:cNvSpPr>
+            <a:spLocks noGrp="1" noRot="1" noChangeAspect="1" noMove="1" noResize="1" noEditPoints="1" noAdjustHandles="1" noChangeArrowheads="1" noChangeShapeType="1" noTextEdit="1"/>
+          </p:cNvSpPr>
+          <p:nvPr>
+            <p:extLst>
+              <p:ext uri="{386F3935-93C4-4BCD-93E2-E3B085C9AB24}">
+                <p16:designElem xmlns:p16="http://schemas.microsoft.com/office/powerpoint/2015/main" val="1"/>
+              </p:ext>
+            </p:extLst>
+          </p:nvPr>
+        </p:nvSpPr>
+        <p:spPr>
+          <a:xfrm>
+            <a:off x="0" y="0"/>
+            <a:ext cx="12188952" cy="6858000"/>
+          </a:xfrm>
+          <a:prstGeom prst="rect">
+            <a:avLst/>
+          </a:prstGeom>
+          <a:solidFill>
+            <a:schemeClr val="tx2">
+              <a:lumMod val="90000"/>
+              <a:lumOff val="10000"/>
+            </a:schemeClr>
+          </a:solidFill>
+          <a:ln>
+            <a:noFill/>
+          </a:ln>
+        </p:spPr>
+        <p:style>
+          <a:lnRef idx="2">
+            <a:schemeClr val="accent1">
+              <a:shade val="50000"/>
+            </a:schemeClr>
+          </a:lnRef>
+          <a:fillRef idx="1">
+            <a:schemeClr val="accent1"/>
+          </a:fillRef>
+          <a:effectRef idx="0">
+            <a:schemeClr val="accent1"/>
+          </a:effectRef>
+          <a:fontRef idx="minor">
+            <a:schemeClr val="lt1"/>
+          </a:fontRef>
+        </p:style>
+        <p:txBody>
+          <a:bodyPr rtlCol="0" anchor="ctr"/>
+          <a:lstStyle/>
+          <a:p>
+            <a:pPr algn="ctr"/>
+            <a:endParaRPr lang="en-US" dirty="0"/>
+          </a:p>
+        </p:txBody>
+      </p:sp>
+      <p:sp>
+        <p:nvSpPr>
+          <p:cNvPr id="27" name="Rectangle 26">
+            <a:extLst>
+              <a:ext uri="{FF2B5EF4-FFF2-40B4-BE49-F238E27FC236}">
+                <a16:creationId xmlns:a16="http://schemas.microsoft.com/office/drawing/2014/main" id="{4572B5A9-5531-4FA5-8C90-295EFED8BFF8}"/>
+              </a:ext>
+              <a:ext uri="{C183D7F6-B498-43B3-948B-1728B52AA6E4}">
+                <adec:decorative xmlns:adec="http://schemas.microsoft.com/office/drawing/2017/decorative" val="1"/>
+              </a:ext>
+            </a:extLst>
+          </p:cNvPr>
+          <p:cNvSpPr>
+            <a:spLocks noGrp="1" noRot="1" noChangeAspect="1" noMove="1" noResize="1" noEditPoints="1" noAdjustHandles="1" noChangeArrowheads="1" noChangeShapeType="1" noTextEdit="1"/>
+          </p:cNvSpPr>
+          <p:nvPr>
+            <p:extLst>
+              <p:ext uri="{386F3935-93C4-4BCD-93E2-E3B085C9AB24}">
+                <p16:designElem xmlns:p16="http://schemas.microsoft.com/office/powerpoint/2015/main" val="1"/>
+              </p:ext>
+            </p:extLst>
+          </p:nvPr>
+        </p:nvSpPr>
+        <p:spPr>
+          <a:xfrm>
+            <a:off x="0" y="0"/>
+            <a:ext cx="12188952" cy="6858000"/>
+          </a:xfrm>
+          <a:prstGeom prst="rect">
+            <a:avLst/>
+          </a:prstGeom>
+          <a:blipFill dpi="0" rotWithShape="1">
+            <a:blip r:embed="rId3">
+              <a:alphaModFix amt="20000"/>
+              <a:duotone>
+                <a:schemeClr val="accent1">
+                  <a:shade val="45000"/>
+                  <a:satMod val="135000"/>
+                </a:schemeClr>
+                <a:prstClr val="white"/>
+              </a:duotone>
+            </a:blip>
+            <a:srcRect/>
+            <a:tile tx="889000" ty="0" sx="100000" sy="100000" flip="none" algn="tl"/>
+          </a:blipFill>
+          <a:ln>
+            <a:noFill/>
+          </a:ln>
+        </p:spPr>
+        <p:style>
+          <a:lnRef idx="2">
+            <a:schemeClr val="accent1">
+              <a:shade val="50000"/>
+            </a:schemeClr>
+          </a:lnRef>
+          <a:fillRef idx="1">
+            <a:schemeClr val="accent1"/>
+          </a:fillRef>
+          <a:effectRef idx="0">
+            <a:schemeClr val="accent1"/>
+          </a:effectRef>
+          <a:fontRef idx="minor">
+            <a:schemeClr val="lt1"/>
+          </a:fontRef>
+        </p:style>
+        <p:txBody>
+          <a:bodyPr rtlCol="0" anchor="ctr"/>
+          <a:lstStyle/>
+          <a:p>
+            <a:pPr algn="ctr"/>
+            <a:endParaRPr lang="en-US" dirty="0"/>
+          </a:p>
+        </p:txBody>
+      </p:sp>
+      <p:sp>
+        <p:nvSpPr>
+          <p:cNvPr id="2" name="Title 1">
+            <a:extLst>
+              <a:ext uri="{FF2B5EF4-FFF2-40B4-BE49-F238E27FC236}">
+                <a16:creationId xmlns:a16="http://schemas.microsoft.com/office/drawing/2014/main" id="{2A11E919-4BAB-02EA-961D-7F4B33CD1341}"/>
+              </a:ext>
+            </a:extLst>
+          </p:cNvPr>
+          <p:cNvSpPr>
+            <a:spLocks noGrp="1"/>
+          </p:cNvSpPr>
+          <p:nvPr>
+            <p:ph type="title"/>
+          </p:nvPr>
+        </p:nvSpPr>
+        <p:spPr>
+          <a:xfrm>
+            <a:off x="798576" y="744909"/>
+            <a:ext cx="10591800" cy="3155419"/>
+          </a:xfrm>
+        </p:spPr>
+        <p:txBody>
+          <a:bodyPr vert="horz" lIns="91440" tIns="45720" rIns="91440" bIns="45720" rtlCol="0" anchor="b">
+            <a:normAutofit/>
+          </a:bodyPr>
+          <a:lstStyle/>
+          <a:p>
+            <a:pPr algn="ctr"/>
+            <a:r>
+              <a:rPr lang="en-US" sz="5200"/>
+              <a:t>End of lesson 1</a:t>
+            </a:r>
+          </a:p>
+        </p:txBody>
+      </p:sp>
+      <p:sp>
+        <p:nvSpPr>
+          <p:cNvPr id="3" name="Content Placeholder 2">
+            <a:extLst>
+              <a:ext uri="{FF2B5EF4-FFF2-40B4-BE49-F238E27FC236}">
+                <a16:creationId xmlns:a16="http://schemas.microsoft.com/office/drawing/2014/main" id="{7F5AAB4C-959C-AF56-FD2C-C979469A97EC}"/>
+              </a:ext>
+            </a:extLst>
+          </p:cNvPr>
+          <p:cNvSpPr>
+            <a:spLocks noGrp="1"/>
+          </p:cNvSpPr>
+          <p:nvPr>
+            <p:ph idx="1"/>
+          </p:nvPr>
+        </p:nvSpPr>
+        <p:spPr>
+          <a:xfrm>
+            <a:off x="798577" y="4074784"/>
+            <a:ext cx="10591798" cy="2054306"/>
+          </a:xfrm>
+        </p:spPr>
+        <p:txBody>
+          <a:bodyPr vert="horz" lIns="91440" tIns="45720" rIns="91440" bIns="45720" rtlCol="0" anchor="t">
+            <a:normAutofit/>
+          </a:bodyPr>
+          <a:lstStyle/>
+          <a:p>
+            <a:pPr marL="0" indent="0" algn="ctr">
+              <a:buNone/>
+            </a:pPr>
+            <a:r>
+              <a:rPr lang="en-US" sz="2200"/>
+              <a:t>Jakub Malý 2025</a:t>
+            </a:r>
+          </a:p>
+        </p:txBody>
+      </p:sp>
+    </p:spTree>
+    <p:extLst>
+      <p:ext uri="{BB962C8B-B14F-4D97-AF65-F5344CB8AC3E}">
+        <p14:creationId xmlns:p14="http://schemas.microsoft.com/office/powerpoint/2010/main" val="851356260"/>
+      </p:ext>
+    </p:extLst>
+  </p:cSld>
+  <p:clrMapOvr>
+    <a:masterClrMapping/>
+  </p:clrMapOvr>
+</p:sld>
+</file>
+
+<file path=ppt/slides/slide21.xml><?xml version="1.0" encoding="utf-8"?>
+<p:sld xmlns:a="http://schemas.openxmlformats.org/drawingml/2006/main" xmlns:r="http://schemas.openxmlformats.org/officeDocument/2006/relationships" xmlns:p="http://schemas.openxmlformats.org/presentationml/2006/main">
+  <p:cSld>
+    <p:bg>
+      <p:bgPr>
+        <a:solidFill>
+          <a:schemeClr val="bg1"/>
+        </a:solidFill>
+        <a:effectLst/>
+      </p:bgPr>
+    </p:bg>
+    <p:spTree>
+      <p:nvGrpSpPr>
+        <p:cNvPr id="1" name=""/>
+        <p:cNvGrpSpPr/>
+        <p:nvPr/>
+      </p:nvGrpSpPr>
+      <p:grpSpPr>
+        <a:xfrm>
+          <a:off x="0" y="0"/>
+          <a:ext cx="0" cy="0"/>
+          <a:chOff x="0" y="0"/>
+          <a:chExt cx="0" cy="0"/>
+        </a:xfrm>
+      </p:grpSpPr>
+      <p:sp useBgFill="1">
+        <p:nvSpPr>
+          <p:cNvPr id="8" name="Rectangle 7">
+            <a:extLst>
+              <a:ext uri="{FF2B5EF4-FFF2-40B4-BE49-F238E27FC236}">
+                <a16:creationId xmlns:a16="http://schemas.microsoft.com/office/drawing/2014/main" id="{8651CFA9-6065-4243-AC48-858E359780B1}"/>
+              </a:ext>
+              <a:ext uri="{C183D7F6-B498-43B3-948B-1728B52AA6E4}">
+                <adec:decorative xmlns:adec="http://schemas.microsoft.com/office/drawing/2017/decorative" val="1"/>
+              </a:ext>
+            </a:extLst>
+          </p:cNvPr>
+          <p:cNvSpPr>
+            <a:spLocks noGrp="1" noRot="1" noChangeAspect="1" noMove="1" noResize="1" noEditPoints="1" noAdjustHandles="1" noChangeArrowheads="1" noChangeShapeType="1" noTextEdit="1"/>
+          </p:cNvSpPr>
+          <p:nvPr>
+            <p:extLst>
+              <p:ext uri="{386F3935-93C4-4BCD-93E2-E3B085C9AB24}">
+                <p16:designElem xmlns:p16="http://schemas.microsoft.com/office/powerpoint/2015/main" val="1"/>
+              </p:ext>
+            </p:extLst>
+          </p:nvPr>
+        </p:nvSpPr>
+        <p:spPr>
+          <a:xfrm>
+            <a:off x="0" y="0"/>
+            <a:ext cx="12188952" cy="6858000"/>
+          </a:xfrm>
+          <a:prstGeom prst="rect">
+            <a:avLst/>
+          </a:prstGeom>
+          <a:ln>
+            <a:noFill/>
+          </a:ln>
+        </p:spPr>
+        <p:style>
+          <a:lnRef idx="2">
+            <a:schemeClr val="accent1">
+              <a:shade val="50000"/>
+            </a:schemeClr>
+          </a:lnRef>
+          <a:fillRef idx="1">
+            <a:schemeClr val="accent1"/>
+          </a:fillRef>
+          <a:effectRef idx="0">
+            <a:schemeClr val="accent1"/>
+          </a:effectRef>
+          <a:fontRef idx="minor">
+            <a:schemeClr val="lt1"/>
+          </a:fontRef>
+        </p:style>
+        <p:txBody>
+          <a:bodyPr rtlCol="0" anchor="ctr"/>
+          <a:lstStyle/>
+          <a:p>
+            <a:pPr algn="ctr"/>
+            <a:endParaRPr lang="en-US">
+              <a:solidFill>
+                <a:schemeClr val="tx1">
+                  <a:lumMod val="65000"/>
+                  <a:lumOff val="35000"/>
+                </a:schemeClr>
+              </a:solidFill>
+              <a:latin typeface="AvenirNext LT Pro Medium" panose="020B0504020202020204" pitchFamily="34" charset="0"/>
+            </a:endParaRPr>
+          </a:p>
+        </p:txBody>
+      </p:sp>
+      <p:sp>
+        <p:nvSpPr>
+          <p:cNvPr id="10" name="Rectangle 9">
+            <a:extLst>
+              <a:ext uri="{FF2B5EF4-FFF2-40B4-BE49-F238E27FC236}">
+                <a16:creationId xmlns:a16="http://schemas.microsoft.com/office/drawing/2014/main" id="{37962AE0-6A1C-4B76-9D52-10E5E6D7D3BB}"/>
+              </a:ext>
+              <a:ext uri="{C183D7F6-B498-43B3-948B-1728B52AA6E4}">
+                <adec:decorative xmlns:adec="http://schemas.microsoft.com/office/drawing/2017/decorative" val="1"/>
+              </a:ext>
+            </a:extLst>
+          </p:cNvPr>
+          <p:cNvSpPr>
+            <a:spLocks noGrp="1" noRot="1" noChangeAspect="1" noMove="1" noResize="1" noEditPoints="1" noAdjustHandles="1" noChangeArrowheads="1" noChangeShapeType="1" noTextEdit="1"/>
+          </p:cNvSpPr>
+          <p:nvPr>
+            <p:extLst>
+              <p:ext uri="{386F3935-93C4-4BCD-93E2-E3B085C9AB24}">
+                <p16:designElem xmlns:p16="http://schemas.microsoft.com/office/powerpoint/2015/main" val="1"/>
+              </p:ext>
+            </p:extLst>
+          </p:nvPr>
+        </p:nvSpPr>
+        <p:spPr>
+          <a:xfrm>
+            <a:off x="0" y="0"/>
+            <a:ext cx="12188952" cy="6858000"/>
+          </a:xfrm>
+          <a:prstGeom prst="rect">
+            <a:avLst/>
+          </a:prstGeom>
+          <a:solidFill>
+            <a:schemeClr val="bg2">
+              <a:alpha val="70000"/>
+            </a:schemeClr>
+          </a:solidFill>
+          <a:ln>
+            <a:noFill/>
+          </a:ln>
+        </p:spPr>
+        <p:style>
+          <a:lnRef idx="2">
+            <a:schemeClr val="accent1">
+              <a:shade val="50000"/>
+            </a:schemeClr>
+          </a:lnRef>
+          <a:fillRef idx="1">
+            <a:schemeClr val="accent1"/>
+          </a:fillRef>
+          <a:effectRef idx="0">
+            <a:schemeClr val="accent1"/>
+          </a:effectRef>
+          <a:fontRef idx="minor">
+            <a:schemeClr val="lt1"/>
+          </a:fontRef>
+        </p:style>
+        <p:txBody>
+          <a:bodyPr rtlCol="0" anchor="ctr"/>
+          <a:lstStyle/>
+          <a:p>
+            <a:pPr algn="ctr"/>
+            <a:endParaRPr lang="en-US">
+              <a:solidFill>
+                <a:schemeClr val="tx1">
+                  <a:lumMod val="65000"/>
+                  <a:lumOff val="35000"/>
+                </a:schemeClr>
+              </a:solidFill>
+              <a:latin typeface="AvenirNext LT Pro Medium" panose="020B0504020202020204" pitchFamily="34" charset="0"/>
+            </a:endParaRPr>
+          </a:p>
+        </p:txBody>
+      </p:sp>
+      <p:pic>
+        <p:nvPicPr>
+          <p:cNvPr id="12" name="Picture 11">
+            <a:extLst>
+              <a:ext uri="{FF2B5EF4-FFF2-40B4-BE49-F238E27FC236}">
+                <a16:creationId xmlns:a16="http://schemas.microsoft.com/office/drawing/2014/main" id="{F7C12EAC-BD05-461D-9D1F-0862BA1F4C88}"/>
+              </a:ext>
+              <a:ext uri="{C183D7F6-B498-43B3-948B-1728B52AA6E4}">
+                <adec:decorative xmlns:adec="http://schemas.microsoft.com/office/drawing/2017/decorative" val="1"/>
+              </a:ext>
+            </a:extLst>
+          </p:cNvPr>
+          <p:cNvPicPr>
+            <a:picLocks noGrp="1" noRot="1" noChangeAspect="1" noMove="1" noResize="1" noEditPoints="1" noAdjustHandles="1" noChangeArrowheads="1" noChangeShapeType="1" noCrop="1"/>
+          </p:cNvPicPr>
+          <p:nvPr>
+            <p:extLst>
+              <p:ext uri="{386F3935-93C4-4BCD-93E2-E3B085C9AB24}">
+                <p16:designElem xmlns:p16="http://schemas.microsoft.com/office/powerpoint/2015/main" val="1"/>
+              </p:ext>
+            </p:extLst>
+          </p:nvPr>
+        </p:nvPicPr>
+        <p:blipFill>
+          <a:blip r:embed="rId2">
+            <a:duotone>
+              <a:schemeClr val="accent1">
+                <a:shade val="45000"/>
+                <a:satMod val="135000"/>
+              </a:schemeClr>
+              <a:prstClr val="white"/>
+            </a:duotone>
+            <a:extLst>
+              <a:ext uri="{28A0092B-C50C-407E-A947-70E740481C1C}">
+                <a14:useLocalDpi xmlns:a14="http://schemas.microsoft.com/office/drawing/2010/main" val="0"/>
+              </a:ext>
+            </a:extLst>
+          </a:blip>
+          <a:stretch>
+            <a:fillRect/>
+          </a:stretch>
+        </p:blipFill>
+        <p:spPr>
+          <a:xfrm>
+            <a:off x="157480" y="76200"/>
+            <a:ext cx="2057400" cy="2057400"/>
+          </a:xfrm>
+          <a:prstGeom prst="rect">
+            <a:avLst/>
+          </a:prstGeom>
+        </p:spPr>
+      </p:pic>
+      <p:pic>
+        <p:nvPicPr>
+          <p:cNvPr id="14" name="Picture 13">
+            <a:extLst>
+              <a:ext uri="{FF2B5EF4-FFF2-40B4-BE49-F238E27FC236}">
+                <a16:creationId xmlns:a16="http://schemas.microsoft.com/office/drawing/2014/main" id="{69D8DA42-2FEE-4C06-AFD6-6508150C4C71}"/>
+              </a:ext>
+              <a:ext uri="{C183D7F6-B498-43B3-948B-1728B52AA6E4}">
+                <adec:decorative xmlns:adec="http://schemas.microsoft.com/office/drawing/2017/decorative" val="1"/>
+              </a:ext>
+            </a:extLst>
+          </p:cNvPr>
+          <p:cNvPicPr>
+            <a:picLocks noGrp="1" noRot="1" noChangeAspect="1" noMove="1" noResize="1" noEditPoints="1" noAdjustHandles="1" noChangeArrowheads="1" noChangeShapeType="1" noCrop="1"/>
+          </p:cNvPicPr>
+          <p:nvPr>
+            <p:extLst>
+              <p:ext uri="{386F3935-93C4-4BCD-93E2-E3B085C9AB24}">
+                <p16:designElem xmlns:p16="http://schemas.microsoft.com/office/powerpoint/2015/main" val="1"/>
+              </p:ext>
+            </p:extLst>
+          </p:nvPr>
+        </p:nvPicPr>
+        <p:blipFill rotWithShape="1">
+          <a:blip r:embed="rId3">
+            <a:duotone>
+              <a:schemeClr val="accent1">
+                <a:shade val="45000"/>
+                <a:satMod val="135000"/>
+              </a:schemeClr>
+              <a:prstClr val="white"/>
+            </a:duotone>
+            <a:extLst>
+              <a:ext uri="{28A0092B-C50C-407E-A947-70E740481C1C}">
+                <a14:useLocalDpi xmlns:a14="http://schemas.microsoft.com/office/drawing/2010/main" val="0"/>
+              </a:ext>
+            </a:extLst>
+          </a:blip>
+          <a:srcRect r="62473"/>
+          <a:stretch/>
+        </p:blipFill>
+        <p:spPr>
+          <a:xfrm>
+            <a:off x="11234928" y="3144779"/>
+            <a:ext cx="954024" cy="2548349"/>
+          </a:xfrm>
+          <a:prstGeom prst="rect">
+            <a:avLst/>
+          </a:prstGeom>
+        </p:spPr>
+      </p:pic>
+      <p:sp>
+        <p:nvSpPr>
+          <p:cNvPr id="2" name="Title 1">
+            <a:extLst>
+              <a:ext uri="{FF2B5EF4-FFF2-40B4-BE49-F238E27FC236}">
+                <a16:creationId xmlns:a16="http://schemas.microsoft.com/office/drawing/2014/main" id="{FF69EF4F-5CD0-EFAB-8BEE-5D51BA39EC30}"/>
+              </a:ext>
+            </a:extLst>
+          </p:cNvPr>
+          <p:cNvSpPr>
+            <a:spLocks noGrp="1"/>
+          </p:cNvSpPr>
+          <p:nvPr>
+            <p:ph type="title"/>
+          </p:nvPr>
+        </p:nvSpPr>
+        <p:spPr>
+          <a:xfrm>
+            <a:off x="6324600" y="716365"/>
+            <a:ext cx="5029200" cy="5421381"/>
+          </a:xfrm>
+        </p:spPr>
+        <p:txBody>
+          <a:bodyPr anchor="t">
+            <a:normAutofit/>
+          </a:bodyPr>
+          <a:lstStyle/>
+          <a:p>
+            <a:r>
+              <a:rPr lang="en-GB" sz="4400" dirty="0">
+                <a:solidFill>
+                  <a:schemeClr val="tx2"/>
+                </a:solidFill>
+              </a:rPr>
+              <a:t>Homework: Clone course repository</a:t>
+            </a:r>
+          </a:p>
+        </p:txBody>
+      </p:sp>
+      <p:sp>
+        <p:nvSpPr>
+          <p:cNvPr id="3" name="Content Placeholder 2">
+            <a:extLst>
+              <a:ext uri="{FF2B5EF4-FFF2-40B4-BE49-F238E27FC236}">
+                <a16:creationId xmlns:a16="http://schemas.microsoft.com/office/drawing/2014/main" id="{D035028C-0254-C84A-06C0-CBE9D1181148}"/>
+              </a:ext>
+            </a:extLst>
+          </p:cNvPr>
+          <p:cNvSpPr>
+            <a:spLocks noGrp="1"/>
+          </p:cNvSpPr>
+          <p:nvPr>
+            <p:ph idx="1"/>
+          </p:nvPr>
+        </p:nvSpPr>
+        <p:spPr>
+          <a:xfrm>
+            <a:off x="1012506" y="2458720"/>
+            <a:ext cx="7291601" cy="3654368"/>
+          </a:xfrm>
+        </p:spPr>
+        <p:txBody>
+          <a:bodyPr anchor="b">
+            <a:normAutofit/>
+          </a:bodyPr>
+          <a:lstStyle/>
+          <a:p>
+            <a:r>
+              <a:rPr lang="en-GB" sz="1800" dirty="0">
+                <a:solidFill>
+                  <a:schemeClr val="tx2"/>
+                </a:solidFill>
+              </a:rPr>
+              <a:t>Open </a:t>
+            </a:r>
+            <a:r>
+              <a:rPr lang="en-GB" sz="1800" dirty="0">
+                <a:solidFill>
+                  <a:schemeClr val="tx2"/>
+                </a:solidFill>
+                <a:hlinkClick r:id="rId4"/>
+              </a:rPr>
+              <a:t>https://github.com/malyjak/python-course-2025</a:t>
+            </a:r>
+            <a:r>
+              <a:rPr lang="en-GB" sz="1800" dirty="0">
+                <a:solidFill>
+                  <a:schemeClr val="tx2"/>
+                </a:solidFill>
+              </a:rPr>
+              <a:t> in your web-browser</a:t>
+            </a:r>
+          </a:p>
+          <a:p>
+            <a:r>
+              <a:rPr lang="en-GB" sz="1800" dirty="0">
+                <a:solidFill>
+                  <a:schemeClr val="tx2"/>
+                </a:solidFill>
+              </a:rPr>
+              <a:t>Get familiar with UI, feel free to explore all buttons</a:t>
+            </a:r>
+          </a:p>
+          <a:p>
+            <a:r>
+              <a:rPr lang="en-GB" sz="1800" dirty="0">
+                <a:solidFill>
+                  <a:schemeClr val="tx2"/>
+                </a:solidFill>
+              </a:rPr>
+              <a:t>Clone the repository locally:</a:t>
+            </a:r>
+            <a:br>
+              <a:rPr lang="en-GB" sz="1800" dirty="0">
+                <a:solidFill>
+                  <a:schemeClr val="tx2"/>
+                </a:solidFill>
+              </a:rPr>
+            </a:br>
+            <a:r>
+              <a:rPr lang="en-GB" sz="1800" dirty="0">
+                <a:solidFill>
+                  <a:schemeClr val="tx2"/>
+                </a:solidFill>
+              </a:rPr>
+              <a:t>	</a:t>
+            </a:r>
+            <a:r>
+              <a:rPr lang="en-GB" sz="1800" i="1" dirty="0">
+                <a:solidFill>
+                  <a:schemeClr val="tx2"/>
+                </a:solidFill>
+              </a:rPr>
+              <a:t>git clone </a:t>
+            </a:r>
+            <a:r>
+              <a:rPr lang="en-GB" sz="1800" i="1" dirty="0" err="1">
+                <a:solidFill>
+                  <a:schemeClr val="tx2"/>
+                </a:solidFill>
+                <a:hlinkClick r:id="rId5"/>
+              </a:rPr>
+              <a:t>git@github.com:malyjak</a:t>
+            </a:r>
+            <a:r>
+              <a:rPr lang="en-GB" sz="1800" i="1" dirty="0">
+                <a:solidFill>
+                  <a:schemeClr val="tx2"/>
+                </a:solidFill>
+                <a:hlinkClick r:id="rId5"/>
+              </a:rPr>
+              <a:t>/python-course-2025.git</a:t>
+            </a:r>
+            <a:endParaRPr lang="en-GB" sz="1800" dirty="0">
+              <a:solidFill>
+                <a:schemeClr val="tx2"/>
+              </a:solidFill>
+            </a:endParaRPr>
+          </a:p>
+          <a:p>
+            <a:r>
+              <a:rPr lang="en-GB" sz="1800" dirty="0">
+                <a:solidFill>
+                  <a:schemeClr val="tx2"/>
+                </a:solidFill>
+              </a:rPr>
+              <a:t>Check that the content of cloned directory match the one in the web-browser</a:t>
+            </a:r>
+          </a:p>
+        </p:txBody>
+      </p:sp>
+    </p:spTree>
+    <p:extLst>
+      <p:ext uri="{BB962C8B-B14F-4D97-AF65-F5344CB8AC3E}">
+        <p14:creationId xmlns:p14="http://schemas.microsoft.com/office/powerpoint/2010/main" val="3653059728"/>
       </p:ext>
     </p:extLst>
   </p:cSld>
@@ -5173,7 +11278,7 @@
       </p:grpSpPr>
       <p:sp useBgFill="1">
         <p:nvSpPr>
-          <p:cNvPr id="8" name="Rectangle 7">
+          <p:cNvPr id="30" name="Rectangle 29">
             <a:extLst>
               <a:ext uri="{FF2B5EF4-FFF2-40B4-BE49-F238E27FC236}">
                 <a16:creationId xmlns:a16="http://schemas.microsoft.com/office/drawing/2014/main" id="{8651CFA9-6065-4243-AC48-858E359780B1}"/>
@@ -5227,7 +11332,7 @@
           <a:lstStyle/>
           <a:p>
             <a:pPr algn="ctr"/>
-            <a:endParaRPr lang="en-US">
+            <a:endParaRPr lang="en-US" dirty="0">
               <a:solidFill>
                 <a:schemeClr val="tx1">
                   <a:lumMod val="65000"/>
@@ -5241,10 +11346,10 @@
       </p:sp>
       <p:sp>
         <p:nvSpPr>
-          <p:cNvPr id="10" name="Rectangle 9">
-            <a:extLst>
-              <a:ext uri="{FF2B5EF4-FFF2-40B4-BE49-F238E27FC236}">
-                <a16:creationId xmlns:a16="http://schemas.microsoft.com/office/drawing/2014/main" id="{37962AE0-6A1C-4B76-9D52-10E5E6D7D3BB}"/>
+          <p:cNvPr id="32" name="Rectangle 31">
+            <a:extLst>
+              <a:ext uri="{FF2B5EF4-FFF2-40B4-BE49-F238E27FC236}">
+                <a16:creationId xmlns:a16="http://schemas.microsoft.com/office/drawing/2014/main" id="{FBC8BBE5-981E-4B0B-9654-32B5668BFF31}"/>
               </a:ext>
               <a:ext uri="{C183D7F6-B498-43B3-948B-1728B52AA6E4}">
                 <adec:decorative xmlns:adec="http://schemas.microsoft.com/office/drawing/2017/decorative" val="1"/>
@@ -5264,7 +11369,7 @@
         </p:nvSpPr>
         <p:spPr>
           <a:xfrm>
-            <a:off x="0" y="0"/>
+            <a:off x="3048" y="0"/>
             <a:ext cx="12188952" cy="6858000"/>
           </a:xfrm>
           <a:prstGeom prst="rect">
@@ -5312,21 +11417,157 @@
           </a:p>
         </p:txBody>
       </p:sp>
-      <p:pic>
-        <p:nvPicPr>
-          <p:cNvPr id="12" name="Picture 11">
-            <a:extLst>
-              <a:ext uri="{FF2B5EF4-FFF2-40B4-BE49-F238E27FC236}">
-                <a16:creationId xmlns:a16="http://schemas.microsoft.com/office/drawing/2014/main" id="{A72D06A1-BA08-4820-BBC8-B24DDB32A376}"/>
+      <p:sp>
+        <p:nvSpPr>
+          <p:cNvPr id="2" name="Title 1">
+            <a:extLst>
+              <a:ext uri="{FF2B5EF4-FFF2-40B4-BE49-F238E27FC236}">
+                <a16:creationId xmlns:a16="http://schemas.microsoft.com/office/drawing/2014/main" id="{1E20530E-B980-874B-1B78-42E4048B918D}"/>
+              </a:ext>
+            </a:extLst>
+          </p:cNvPr>
+          <p:cNvSpPr>
+            <a:spLocks noGrp="1"/>
+          </p:cNvSpPr>
+          <p:nvPr>
+            <p:ph type="title"/>
+          </p:nvPr>
+        </p:nvSpPr>
+        <p:spPr>
+          <a:xfrm>
+            <a:off x="838200" y="586992"/>
+            <a:ext cx="4953000" cy="1664573"/>
+          </a:xfrm>
+        </p:spPr>
+        <p:txBody>
+          <a:bodyPr>
+            <a:normAutofit/>
+          </a:bodyPr>
+          <a:lstStyle/>
+          <a:p>
+            <a:r>
+              <a:rPr lang="en-GB">
+                <a:solidFill>
+                  <a:schemeClr val="tx2"/>
+                </a:solidFill>
+              </a:rPr>
+              <a:t>Types of version control systems</a:t>
+            </a:r>
+            <a:endParaRPr lang="en-GB" dirty="0">
+              <a:solidFill>
+                <a:schemeClr val="tx2"/>
+              </a:solidFill>
+            </a:endParaRPr>
+          </a:p>
+        </p:txBody>
+      </p:sp>
+      <p:sp>
+        <p:nvSpPr>
+          <p:cNvPr id="3" name="Content Placeholder 2">
+            <a:extLst>
+              <a:ext uri="{FF2B5EF4-FFF2-40B4-BE49-F238E27FC236}">
+                <a16:creationId xmlns:a16="http://schemas.microsoft.com/office/drawing/2014/main" id="{B2EBA259-AF79-58B4-84A2-BC464BE6107F}"/>
+              </a:ext>
+            </a:extLst>
+          </p:cNvPr>
+          <p:cNvSpPr>
+            <a:spLocks noGrp="1"/>
+          </p:cNvSpPr>
+          <p:nvPr>
+            <p:ph idx="1"/>
+          </p:nvPr>
+        </p:nvSpPr>
+        <p:spPr>
+          <a:xfrm>
+            <a:off x="838200" y="2411653"/>
+            <a:ext cx="4952681" cy="3728613"/>
+          </a:xfrm>
+        </p:spPr>
+        <p:txBody>
+          <a:bodyPr>
+            <a:normAutofit/>
+          </a:bodyPr>
+          <a:lstStyle/>
+          <a:p>
+            <a:r>
+              <a:rPr lang="en-GB" sz="1800" dirty="0">
+                <a:solidFill>
+                  <a:schemeClr val="tx2"/>
+                </a:solidFill>
+              </a:rPr>
+              <a:t>Local version control systems</a:t>
+            </a:r>
+          </a:p>
+          <a:p>
+            <a:pPr lvl="1"/>
+            <a:r>
+              <a:rPr lang="en-GB" sz="1400" dirty="0">
+                <a:solidFill>
+                  <a:schemeClr val="tx2"/>
+                </a:solidFill>
+              </a:rPr>
+              <a:t>local database</a:t>
+            </a:r>
+          </a:p>
+          <a:p>
+            <a:r>
+              <a:rPr lang="en-GB" sz="1800" dirty="0">
+                <a:solidFill>
+                  <a:schemeClr val="tx2"/>
+                </a:solidFill>
+              </a:rPr>
+              <a:t>Centralized version control systems</a:t>
+            </a:r>
+          </a:p>
+          <a:p>
+            <a:pPr lvl="1"/>
+            <a:r>
+              <a:rPr lang="en-GB" sz="1400" dirty="0">
+                <a:solidFill>
+                  <a:schemeClr val="tx2"/>
+                </a:solidFill>
+              </a:rPr>
+              <a:t>single remote repository</a:t>
+            </a:r>
+          </a:p>
+          <a:p>
+            <a:r>
+              <a:rPr lang="en-GB" sz="1800" dirty="0">
+                <a:solidFill>
+                  <a:schemeClr val="tx2"/>
+                </a:solidFill>
+              </a:rPr>
+              <a:t>Distributed version control systems</a:t>
+            </a:r>
+          </a:p>
+          <a:p>
+            <a:pPr lvl="1"/>
+            <a:r>
+              <a:rPr lang="en-GB" sz="1400" dirty="0">
+                <a:solidFill>
+                  <a:schemeClr val="tx2"/>
+                </a:solidFill>
+              </a:rPr>
+              <a:t>one remote repository and multiple local repositories</a:t>
+            </a:r>
+          </a:p>
+        </p:txBody>
+      </p:sp>
+      <p:sp>
+        <p:nvSpPr>
+          <p:cNvPr id="34" name="Rectangle 33">
+            <a:extLst>
+              <a:ext uri="{FF2B5EF4-FFF2-40B4-BE49-F238E27FC236}">
+                <a16:creationId xmlns:a16="http://schemas.microsoft.com/office/drawing/2014/main" id="{094C9708-F6A4-4956-B261-A4A2C4DFEBF7}"/>
               </a:ext>
               <a:ext uri="{C183D7F6-B498-43B3-948B-1728B52AA6E4}">
                 <adec:decorative xmlns:adec="http://schemas.microsoft.com/office/drawing/2017/decorative" val="1"/>
               </a:ext>
             </a:extLst>
           </p:cNvPr>
-          <p:cNvPicPr>
-            <a:picLocks noGrp="1" noRot="1" noChangeAspect="1" noMove="1" noResize="1" noEditPoints="1" noAdjustHandles="1" noChangeArrowheads="1" noChangeShapeType="1" noCrop="1"/>
-          </p:cNvPicPr>
+          <p:cNvSpPr>
+            <a:spLocks noGrp="1" noRot="1" noChangeAspect="1" noMove="1" noResize="1" noEditPoints="1" noAdjustHandles="1" noChangeArrowheads="1" noChangeShapeType="1" noTextEdit="1"/>
+          </p:cNvSpPr>
           <p:nvPr>
             <p:extLst>
               <p:ext uri="{386F3935-93C4-4BCD-93E2-E3B085C9AB24}">
@@ -5334,89 +11575,72 @@
               </p:ext>
             </p:extLst>
           </p:nvPr>
-        </p:nvPicPr>
-        <p:blipFill rotWithShape="1">
-          <a:blip r:embed="rId2">
-            <a:duotone>
-              <a:schemeClr val="accent1">
-                <a:shade val="45000"/>
-                <a:satMod val="135000"/>
-              </a:schemeClr>
-              <a:prstClr val="white"/>
-            </a:duotone>
-            <a:extLst>
-              <a:ext uri="{28A0092B-C50C-407E-A947-70E740481C1C}">
-                <a14:useLocalDpi xmlns:a14="http://schemas.microsoft.com/office/drawing/2010/main" val="0"/>
-              </a:ext>
-            </a:extLst>
-          </a:blip>
-          <a:srcRect t="37018" r="40625"/>
-          <a:stretch/>
-        </p:blipFill>
-        <p:spPr>
-          <a:xfrm>
-            <a:off x="10744200" y="0"/>
-            <a:ext cx="1447800" cy="1535750"/>
+        </p:nvSpPr>
+        <p:spPr>
+          <a:xfrm>
+            <a:off x="6248400" y="0"/>
+            <a:ext cx="5943600" cy="6858000"/>
           </a:xfrm>
           <a:prstGeom prst="rect">
             <a:avLst/>
           </a:prstGeom>
-        </p:spPr>
-      </p:pic>
-      <p:sp>
-        <p:nvSpPr>
-          <p:cNvPr id="2" name="Title 1">
-            <a:extLst>
-              <a:ext uri="{FF2B5EF4-FFF2-40B4-BE49-F238E27FC236}">
-                <a16:creationId xmlns:a16="http://schemas.microsoft.com/office/drawing/2014/main" id="{1E20530E-B980-874B-1B78-42E4048B918D}"/>
-              </a:ext>
-            </a:extLst>
-          </p:cNvPr>
-          <p:cNvSpPr>
-            <a:spLocks noGrp="1"/>
-          </p:cNvSpPr>
-          <p:nvPr>
-            <p:ph type="title"/>
-          </p:nvPr>
-        </p:nvSpPr>
-        <p:spPr>
-          <a:xfrm>
-            <a:off x="838201" y="559813"/>
-            <a:ext cx="10348146" cy="1675009"/>
-          </a:xfrm>
-        </p:spPr>
-        <p:txBody>
-          <a:bodyPr anchor="t">
-            <a:normAutofit/>
-          </a:bodyPr>
-          <a:lstStyle/>
-          <a:p>
-            <a:r>
-              <a:rPr lang="en-GB" dirty="0">
-                <a:solidFill>
-                  <a:schemeClr val="tx2"/>
-                </a:solidFill>
-              </a:rPr>
-              <a:t>Types of version control systems</a:t>
-            </a:r>
-          </a:p>
-        </p:txBody>
-      </p:sp>
-      <p:pic>
-        <p:nvPicPr>
-          <p:cNvPr id="14" name="Picture 13">
-            <a:extLst>
-              <a:ext uri="{FF2B5EF4-FFF2-40B4-BE49-F238E27FC236}">
-                <a16:creationId xmlns:a16="http://schemas.microsoft.com/office/drawing/2014/main" id="{1295E665-0408-4072-94B3-49BA5ACBCBD3}"/>
+          <a:solidFill>
+            <a:schemeClr val="bg2">
+              <a:alpha val="60000"/>
+            </a:schemeClr>
+          </a:solidFill>
+          <a:ln>
+            <a:noFill/>
+          </a:ln>
+        </p:spPr>
+        <p:style>
+          <a:lnRef idx="2">
+            <a:schemeClr val="accent1">
+              <a:shade val="50000"/>
+            </a:schemeClr>
+          </a:lnRef>
+          <a:fillRef idx="1">
+            <a:schemeClr val="accent1"/>
+          </a:fillRef>
+          <a:effectRef idx="0">
+            <a:schemeClr val="accent1"/>
+          </a:effectRef>
+          <a:fontRef idx="minor">
+            <a:schemeClr val="lt1"/>
+          </a:fontRef>
+        </p:style>
+        <p:txBody>
+          <a:bodyPr rtlCol="0" anchor="ctr"/>
+          <a:lstStyle/>
+          <a:p>
+            <a:pPr algn="ctr"/>
+            <a:endParaRPr lang="en-US" dirty="0">
+              <a:solidFill>
+                <a:schemeClr val="tx1">
+                  <a:lumMod val="65000"/>
+                  <a:lumOff val="35000"/>
+                </a:schemeClr>
+              </a:solidFill>
+              <a:latin typeface="AvenirNext LT Pro Medium" panose="020B0504020202020204" pitchFamily="34" charset="0"/>
+            </a:endParaRPr>
+          </a:p>
+        </p:txBody>
+      </p:sp>
+      <p:sp>
+        <p:nvSpPr>
+          <p:cNvPr id="36" name="Rectangle 35">
+            <a:extLst>
+              <a:ext uri="{FF2B5EF4-FFF2-40B4-BE49-F238E27FC236}">
+                <a16:creationId xmlns:a16="http://schemas.microsoft.com/office/drawing/2014/main" id="{592DB257-3E16-4A3C-9E28-4682828127AD}"/>
               </a:ext>
               <a:ext uri="{C183D7F6-B498-43B3-948B-1728B52AA6E4}">
                 <adec:decorative xmlns:adec="http://schemas.microsoft.com/office/drawing/2017/decorative" val="1"/>
               </a:ext>
             </a:extLst>
           </p:cNvPr>
-          <p:cNvPicPr>
-            <a:picLocks noGrp="1" noRot="1" noChangeAspect="1" noMove="1" noResize="1" noEditPoints="1" noAdjustHandles="1" noChangeArrowheads="1" noChangeShapeType="1" noCrop="1"/>
-          </p:cNvPicPr>
+          <p:cNvSpPr>
+            <a:spLocks noGrp="1" noRot="1" noChangeAspect="1" noMove="1" noResize="1" noEditPoints="1" noAdjustHandles="1" noChangeArrowheads="1" noChangeShapeType="1" noTextEdit="1"/>
+          </p:cNvSpPr>
           <p:nvPr>
             <p:extLst>
               <p:ext uri="{386F3935-93C4-4BCD-93E2-E3B085C9AB24}">
@@ -5424,68 +11648,240 @@
               </p:ext>
             </p:extLst>
           </p:nvPr>
-        </p:nvPicPr>
-        <p:blipFill rotWithShape="1">
-          <a:blip r:embed="rId3">
-            <a:duotone>
-              <a:schemeClr val="accent1">
-                <a:shade val="45000"/>
-                <a:satMod val="135000"/>
-              </a:schemeClr>
-              <a:prstClr val="white"/>
-            </a:duotone>
-            <a:extLst>
-              <a:ext uri="{28A0092B-C50C-407E-A947-70E740481C1C}">
-                <a14:useLocalDpi xmlns:a14="http://schemas.microsoft.com/office/drawing/2010/main" val="0"/>
-              </a:ext>
-            </a:extLst>
-          </a:blip>
-          <a:srcRect r="46048"/>
-          <a:stretch/>
-        </p:blipFill>
-        <p:spPr>
-          <a:xfrm rot="10800000">
-            <a:off x="0" y="2719662"/>
-            <a:ext cx="1371600" cy="2548349"/>
+        </p:nvSpPr>
+        <p:spPr>
+          <a:xfrm>
+            <a:off x="6248400" y="0"/>
+            <a:ext cx="5943600" cy="6858000"/>
           </a:xfrm>
           <a:prstGeom prst="rect">
             <a:avLst/>
           </a:prstGeom>
+          <a:solidFill>
+            <a:schemeClr val="tx2">
+              <a:lumMod val="90000"/>
+              <a:lumOff val="10000"/>
+            </a:schemeClr>
+          </a:solidFill>
+          <a:ln>
+            <a:noFill/>
+          </a:ln>
+        </p:spPr>
+        <p:style>
+          <a:lnRef idx="2">
+            <a:schemeClr val="accent1">
+              <a:shade val="50000"/>
+            </a:schemeClr>
+          </a:lnRef>
+          <a:fillRef idx="1">
+            <a:schemeClr val="accent1"/>
+          </a:fillRef>
+          <a:effectRef idx="0">
+            <a:schemeClr val="accent1"/>
+          </a:effectRef>
+          <a:fontRef idx="minor">
+            <a:schemeClr val="lt1"/>
+          </a:fontRef>
+        </p:style>
+        <p:txBody>
+          <a:bodyPr rtlCol="0" anchor="ctr"/>
+          <a:lstStyle/>
+          <a:p>
+            <a:pPr algn="ctr"/>
+            <a:endParaRPr lang="en-US" dirty="0">
+              <a:solidFill>
+                <a:schemeClr val="tx1">
+                  <a:lumMod val="65000"/>
+                  <a:lumOff val="35000"/>
+                </a:schemeClr>
+              </a:solidFill>
+              <a:latin typeface="AvenirNext LT Pro Medium" panose="020B0504020202020204" pitchFamily="34" charset="0"/>
+            </a:endParaRPr>
+          </a:p>
+        </p:txBody>
+      </p:sp>
+      <p:sp>
+        <p:nvSpPr>
+          <p:cNvPr id="38" name="Rectangle 37">
+            <a:extLst>
+              <a:ext uri="{FF2B5EF4-FFF2-40B4-BE49-F238E27FC236}">
+                <a16:creationId xmlns:a16="http://schemas.microsoft.com/office/drawing/2014/main" id="{487685E6-1160-459B-8C70-301404C06C23}"/>
+              </a:ext>
+              <a:ext uri="{C183D7F6-B498-43B3-948B-1728B52AA6E4}">
+                <adec:decorative xmlns:adec="http://schemas.microsoft.com/office/drawing/2017/decorative" val="1"/>
+              </a:ext>
+            </a:extLst>
+          </p:cNvPr>
+          <p:cNvSpPr>
+            <a:spLocks noGrp="1" noRot="1" noChangeAspect="1" noMove="1" noResize="1" noEditPoints="1" noAdjustHandles="1" noChangeArrowheads="1" noChangeShapeType="1" noTextEdit="1"/>
+          </p:cNvSpPr>
+          <p:nvPr>
+            <p:extLst>
+              <p:ext uri="{386F3935-93C4-4BCD-93E2-E3B085C9AB24}">
+                <p16:designElem xmlns:p16="http://schemas.microsoft.com/office/powerpoint/2015/main" val="1"/>
+              </p:ext>
+            </p:extLst>
+          </p:nvPr>
+        </p:nvSpPr>
+        <p:spPr>
+          <a:xfrm rot="10800000">
+            <a:off x="6248080" y="-1"/>
+            <a:ext cx="5943919" cy="6858000"/>
+          </a:xfrm>
+          <a:prstGeom prst="rect">
+            <a:avLst/>
+          </a:prstGeom>
+          <a:blipFill dpi="0" rotWithShape="1">
+            <a:blip r:embed="rId2">
+              <a:alphaModFix amt="20000"/>
+              <a:duotone>
+                <a:schemeClr val="accent1">
+                  <a:shade val="45000"/>
+                  <a:satMod val="135000"/>
+                </a:schemeClr>
+                <a:prstClr val="white"/>
+              </a:duotone>
+            </a:blip>
+            <a:srcRect/>
+            <a:tile tx="889000" ty="0" sx="100000" sy="100000" flip="none" algn="tl"/>
+          </a:blipFill>
+          <a:ln>
+            <a:noFill/>
+          </a:ln>
+        </p:spPr>
+        <p:style>
+          <a:lnRef idx="2">
+            <a:schemeClr val="accent1">
+              <a:shade val="50000"/>
+            </a:schemeClr>
+          </a:lnRef>
+          <a:fillRef idx="1">
+            <a:schemeClr val="accent1"/>
+          </a:fillRef>
+          <a:effectRef idx="0">
+            <a:schemeClr val="accent1"/>
+          </a:effectRef>
+          <a:fontRef idx="minor">
+            <a:schemeClr val="lt1"/>
+          </a:fontRef>
+        </p:style>
+        <p:txBody>
+          <a:bodyPr rtlCol="0" anchor="ctr"/>
+          <a:lstStyle/>
+          <a:p>
+            <a:pPr algn="ctr"/>
+            <a:endParaRPr lang="en-US" dirty="0"/>
+          </a:p>
+        </p:txBody>
+      </p:sp>
+      <p:pic>
+        <p:nvPicPr>
+          <p:cNvPr id="20" name="Picture 19" descr="A diagram of a computer program&#10;&#10;Description automatically generated">
+            <a:extLst>
+              <a:ext uri="{FF2B5EF4-FFF2-40B4-BE49-F238E27FC236}">
+                <a16:creationId xmlns:a16="http://schemas.microsoft.com/office/drawing/2014/main" id="{F0FFB908-F2F6-A463-7DC2-FC18E643FAB7}"/>
+              </a:ext>
+            </a:extLst>
+          </p:cNvPr>
+          <p:cNvPicPr>
+            <a:picLocks noChangeAspect="1"/>
+          </p:cNvPicPr>
+          <p:nvPr/>
+        </p:nvPicPr>
+        <p:blipFill>
+          <a:blip r:embed="rId3">
+            <a:extLst>
+              <a:ext uri="{28A0092B-C50C-407E-A947-70E740481C1C}">
+                <a14:useLocalDpi xmlns:a14="http://schemas.microsoft.com/office/drawing/2010/main" val="0"/>
+              </a:ext>
+            </a:extLst>
+          </a:blip>
+          <a:stretch>
+            <a:fillRect/>
+          </a:stretch>
+        </p:blipFill>
+        <p:spPr>
+          <a:xfrm>
+            <a:off x="7455441" y="3471321"/>
+            <a:ext cx="3529196" cy="2708658"/>
+          </a:xfrm>
+          <a:prstGeom prst="rect">
+            <a:avLst/>
+          </a:prstGeom>
         </p:spPr>
       </p:pic>
-      <p:sp>
-        <p:nvSpPr>
-          <p:cNvPr id="3" name="Content Placeholder 2">
-            <a:extLst>
-              <a:ext uri="{FF2B5EF4-FFF2-40B4-BE49-F238E27FC236}">
-                <a16:creationId xmlns:a16="http://schemas.microsoft.com/office/drawing/2014/main" id="{B2EBA259-AF79-58B4-84A2-BC464BE6107F}"/>
-              </a:ext>
-            </a:extLst>
-          </p:cNvPr>
-          <p:cNvSpPr>
-            <a:spLocks noGrp="1"/>
-          </p:cNvSpPr>
-          <p:nvPr>
-            <p:ph idx="1"/>
-          </p:nvPr>
-        </p:nvSpPr>
-        <p:spPr>
-          <a:xfrm>
-            <a:off x="3994587" y="2403097"/>
-            <a:ext cx="7178691" cy="3709990"/>
-          </a:xfrm>
-        </p:spPr>
-        <p:txBody>
-          <a:bodyPr anchor="ctr">
-            <a:normAutofit/>
+      <p:pic>
+        <p:nvPicPr>
+          <p:cNvPr id="17" name="Picture 16" descr="A diagram of a computer system&#10;&#10;Description automatically generated">
+            <a:extLst>
+              <a:ext uri="{FF2B5EF4-FFF2-40B4-BE49-F238E27FC236}">
+                <a16:creationId xmlns:a16="http://schemas.microsoft.com/office/drawing/2014/main" id="{6BB1A579-0856-0F77-0B71-F855ED68467E}"/>
+              </a:ext>
+            </a:extLst>
+          </p:cNvPr>
+          <p:cNvPicPr>
+            <a:picLocks noChangeAspect="1"/>
+          </p:cNvPicPr>
+          <p:nvPr/>
+        </p:nvPicPr>
+        <p:blipFill>
+          <a:blip r:embed="rId4">
+            <a:extLst>
+              <a:ext uri="{28A0092B-C50C-407E-A947-70E740481C1C}">
+                <a14:useLocalDpi xmlns:a14="http://schemas.microsoft.com/office/drawing/2010/main" val="0"/>
+              </a:ext>
+            </a:extLst>
+          </a:blip>
+          <a:stretch>
+            <a:fillRect/>
+          </a:stretch>
+        </p:blipFill>
+        <p:spPr>
+          <a:xfrm>
+            <a:off x="7455441" y="792514"/>
+            <a:ext cx="3529196" cy="2285154"/>
+          </a:xfrm>
+          <a:prstGeom prst="rect">
+            <a:avLst/>
+          </a:prstGeom>
+        </p:spPr>
+      </p:pic>
+      <p:sp>
+        <p:nvSpPr>
+          <p:cNvPr id="22" name="TextBox 21">
+            <a:extLst>
+              <a:ext uri="{FF2B5EF4-FFF2-40B4-BE49-F238E27FC236}">
+                <a16:creationId xmlns:a16="http://schemas.microsoft.com/office/drawing/2014/main" id="{0D6BF50F-6182-9CF4-24FB-1CF6295882E4}"/>
+              </a:ext>
+            </a:extLst>
+          </p:cNvPr>
+          <p:cNvSpPr txBox="1"/>
+          <p:nvPr/>
+        </p:nvSpPr>
+        <p:spPr>
+          <a:xfrm>
+            <a:off x="6617916" y="6442502"/>
+            <a:ext cx="5204245" cy="276999"/>
+          </a:xfrm>
+          <a:prstGeom prst="rect">
+            <a:avLst/>
+          </a:prstGeom>
+          <a:noFill/>
+        </p:spPr>
+        <p:txBody>
+          <a:bodyPr wrap="none" rtlCol="0">
+            <a:spAutoFit/>
           </a:bodyPr>
           <a:lstStyle/>
           <a:p>
-            <a:endParaRPr lang="en-GB" sz="1800">
-              <a:solidFill>
-                <a:schemeClr val="tx2"/>
-              </a:solidFill>
-            </a:endParaRPr>
+            <a:r>
+              <a:rPr lang="en-GB" sz="1200" dirty="0">
+                <a:solidFill>
+                  <a:schemeClr val="bg1"/>
+                </a:solidFill>
+              </a:rPr>
+              <a:t>Image source: https://www.geeksforgeeks.org/version-control-systems</a:t>
+            </a:r>
           </a:p>
         </p:txBody>
       </p:sp>
@@ -6255,8 +12651,81 @@
                   <a:schemeClr val="tx2"/>
                 </a:solidFill>
               </a:rPr>
-              <a:t>Snapshots</a:t>
-            </a:r>
+              <a:t>Key concepts of git</a:t>
+            </a:r>
+          </a:p>
+          <a:p>
+            <a:pPr lvl="1"/>
+            <a:r>
+              <a:rPr lang="en-GB" sz="1400" dirty="0">
+                <a:solidFill>
+                  <a:schemeClr val="tx2"/>
+                </a:solidFill>
+              </a:rPr>
+              <a:t>Snapshot</a:t>
+            </a:r>
+          </a:p>
+          <a:p>
+            <a:pPr lvl="1"/>
+            <a:r>
+              <a:rPr lang="en-GB" sz="1400" dirty="0">
+                <a:solidFill>
+                  <a:schemeClr val="tx2"/>
+                </a:solidFill>
+              </a:rPr>
+              <a:t>Commit</a:t>
+            </a:r>
+          </a:p>
+          <a:p>
+            <a:pPr lvl="1"/>
+            <a:r>
+              <a:rPr lang="en-GB" sz="1400" dirty="0">
+                <a:solidFill>
+                  <a:schemeClr val="tx2"/>
+                </a:solidFill>
+              </a:rPr>
+              <a:t>Repository</a:t>
+            </a:r>
+          </a:p>
+          <a:p>
+            <a:pPr lvl="1"/>
+            <a:r>
+              <a:rPr lang="en-GB" sz="1400" dirty="0">
+                <a:solidFill>
+                  <a:schemeClr val="tx2"/>
+                </a:solidFill>
+              </a:rPr>
+              <a:t>Branch</a:t>
+            </a:r>
+          </a:p>
+          <a:p>
+            <a:pPr lvl="1"/>
+            <a:r>
+              <a:rPr lang="en-GB" sz="1400" dirty="0">
+                <a:solidFill>
+                  <a:schemeClr val="tx2"/>
+                </a:solidFill>
+              </a:rPr>
+              <a:t>HEAD</a:t>
+            </a:r>
+          </a:p>
+          <a:p>
+            <a:pPr lvl="1"/>
+            <a:r>
+              <a:rPr lang="en-GB" sz="1400" dirty="0">
+                <a:solidFill>
+                  <a:schemeClr val="tx2"/>
+                </a:solidFill>
+              </a:rPr>
+              <a:t>master</a:t>
+            </a:r>
+          </a:p>
+          <a:p>
+            <a:endParaRPr lang="en-GB" sz="1800" dirty="0">
+              <a:solidFill>
+                <a:schemeClr val="tx2"/>
+              </a:solidFill>
+            </a:endParaRPr>
           </a:p>
         </p:txBody>
       </p:sp>
@@ -6286,7 +12755,13 @@
     </p:bg>
     <p:spTree>
       <p:nvGrpSpPr>
-        <p:cNvPr id="1" name=""/>
+        <p:cNvPr id="1" name="">
+          <a:extLst>
+            <a:ext uri="{FF2B5EF4-FFF2-40B4-BE49-F238E27FC236}">
+              <a16:creationId xmlns:a16="http://schemas.microsoft.com/office/drawing/2014/main" id="{7C8DBD13-7A5E-543E-A86B-9053ADB5CC67}"/>
+            </a:ext>
+          </a:extLst>
+        </p:cNvPr>
         <p:cNvGrpSpPr/>
         <p:nvPr/>
       </p:nvGrpSpPr>
@@ -6303,7 +12778,7 @@
           <p:cNvPr id="8" name="Rectangle 7">
             <a:extLst>
               <a:ext uri="{FF2B5EF4-FFF2-40B4-BE49-F238E27FC236}">
-                <a16:creationId xmlns:a16="http://schemas.microsoft.com/office/drawing/2014/main" id="{8651CFA9-6065-4243-AC48-858E359780B1}"/>
+                <a16:creationId xmlns:a16="http://schemas.microsoft.com/office/drawing/2014/main" id="{9DDE13C9-74D6-595C-C65B-6D8A2BA68EA3}"/>
               </a:ext>
               <a:ext uri="{C183D7F6-B498-43B3-948B-1728B52AA6E4}">
                 <adec:decorative xmlns:adec="http://schemas.microsoft.com/office/drawing/2017/decorative" val="1"/>
@@ -6371,7 +12846,7 @@
           <p:cNvPr id="10" name="Rectangle 9">
             <a:extLst>
               <a:ext uri="{FF2B5EF4-FFF2-40B4-BE49-F238E27FC236}">
-                <a16:creationId xmlns:a16="http://schemas.microsoft.com/office/drawing/2014/main" id="{37962AE0-6A1C-4B76-9D52-10E5E6D7D3BB}"/>
+                <a16:creationId xmlns:a16="http://schemas.microsoft.com/office/drawing/2014/main" id="{BE5C0EB4-A528-3A98-1578-B284C173733B}"/>
               </a:ext>
               <a:ext uri="{C183D7F6-B498-43B3-948B-1728B52AA6E4}">
                 <adec:decorative xmlns:adec="http://schemas.microsoft.com/office/drawing/2017/decorative" val="1"/>
@@ -6444,7 +12919,7 @@
           <p:cNvPr id="12" name="Picture 11">
             <a:extLst>
               <a:ext uri="{FF2B5EF4-FFF2-40B4-BE49-F238E27FC236}">
-                <a16:creationId xmlns:a16="http://schemas.microsoft.com/office/drawing/2014/main" id="{A72D06A1-BA08-4820-BBC8-B24DDB32A376}"/>
+                <a16:creationId xmlns:a16="http://schemas.microsoft.com/office/drawing/2014/main" id="{6C040B31-BBD1-E73F-620E-FD59328C1FC2}"/>
               </a:ext>
               <a:ext uri="{C183D7F6-B498-43B3-948B-1728B52AA6E4}">
                 <adec:decorative xmlns:adec="http://schemas.microsoft.com/office/drawing/2017/decorative" val="1"/>
@@ -6495,7 +12970,7 @@
           <p:cNvPr id="2" name="Title 1">
             <a:extLst>
               <a:ext uri="{FF2B5EF4-FFF2-40B4-BE49-F238E27FC236}">
-                <a16:creationId xmlns:a16="http://schemas.microsoft.com/office/drawing/2014/main" id="{26B636E9-8EFF-F4F8-943A-B870AF45322B}"/>
+                <a16:creationId xmlns:a16="http://schemas.microsoft.com/office/drawing/2014/main" id="{4EDE1B3A-C351-CF16-BBD3-5E1F56CF39E1}"/>
               </a:ext>
             </a:extLst>
           </p:cNvPr>
@@ -6514,7 +12989,7 @@
         </p:spPr>
         <p:txBody>
           <a:bodyPr anchor="t">
-            <a:normAutofit fontScale="90000"/>
+            <a:normAutofit/>
           </a:bodyPr>
           <a:lstStyle/>
           <a:p>
@@ -6524,28 +12999,8 @@
                   <a:schemeClr val="tx2"/>
                 </a:solidFill>
               </a:rPr>
-              <a:t>W</a:t>
-            </a:r>
-            <a:r>
-              <a:rPr lang="en-GB" sz="4400" dirty="0">
-                <a:solidFill>
-                  <a:schemeClr val="tx2"/>
-                </a:solidFill>
-              </a:rPr>
-              <a:t>eb-based git repository hosting services</a:t>
-            </a:r>
-            <a:br>
-              <a:rPr lang="en-GB" sz="4400" dirty="0">
-                <a:solidFill>
-                  <a:schemeClr val="tx2"/>
-                </a:solidFill>
-              </a:rPr>
-            </a:br>
-            <a:endParaRPr lang="en-GB" dirty="0">
-              <a:solidFill>
-                <a:schemeClr val="tx2"/>
-              </a:solidFill>
-            </a:endParaRPr>
+              <a:t>What is snapshot?</a:t>
+            </a:r>
           </a:p>
         </p:txBody>
       </p:sp>
@@ -6554,7 +13009,7 @@
           <p:cNvPr id="14" name="Picture 13">
             <a:extLst>
               <a:ext uri="{FF2B5EF4-FFF2-40B4-BE49-F238E27FC236}">
-                <a16:creationId xmlns:a16="http://schemas.microsoft.com/office/drawing/2014/main" id="{1295E665-0408-4072-94B3-49BA5ACBCBD3}"/>
+                <a16:creationId xmlns:a16="http://schemas.microsoft.com/office/drawing/2014/main" id="{26A276CE-B040-0EBE-637B-507FAE5E895A}"/>
               </a:ext>
               <a:ext uri="{C183D7F6-B498-43B3-948B-1728B52AA6E4}">
                 <adec:decorative xmlns:adec="http://schemas.microsoft.com/office/drawing/2017/decorative" val="1"/>
@@ -6605,7 +13060,7 @@
           <p:cNvPr id="3" name="Content Placeholder 2">
             <a:extLst>
               <a:ext uri="{FF2B5EF4-FFF2-40B4-BE49-F238E27FC236}">
-                <a16:creationId xmlns:a16="http://schemas.microsoft.com/office/drawing/2014/main" id="{F55FB845-B91B-EF04-B5AA-68BDA5A96137}"/>
+                <a16:creationId xmlns:a16="http://schemas.microsoft.com/office/drawing/2014/main" id="{6BE91853-7BD5-F42A-9EB2-07A690B23A60}"/>
               </a:ext>
             </a:extLst>
           </p:cNvPr>
@@ -6618,8 +13073,8 @@
         </p:nvSpPr>
         <p:spPr>
           <a:xfrm>
-            <a:off x="3994587" y="2403097"/>
-            <a:ext cx="7178691" cy="3709990"/>
+            <a:off x="3693695" y="2403097"/>
+            <a:ext cx="7479583" cy="3709990"/>
           </a:xfrm>
         </p:spPr>
         <p:txBody>
@@ -6628,45 +13083,40 @@
           </a:bodyPr>
           <a:lstStyle/>
           <a:p>
-            <a:pPr marL="0" indent="0">
-              <a:buNone/>
-            </a:pPr>
+            <a:endParaRPr lang="en-GB" sz="1800" dirty="0">
+              <a:solidFill>
+                <a:schemeClr val="tx2"/>
+              </a:solidFill>
+            </a:endParaRPr>
+          </a:p>
+          <a:p>
             <a:r>
               <a:rPr lang="en-GB" sz="1800" dirty="0">
                 <a:solidFill>
                   <a:schemeClr val="tx2"/>
                 </a:solidFill>
               </a:rPr>
-              <a:t>A server (PC) that hosts git repository is required for proper git functionality. You can host it locally by yourself on your PC and allow others to connect. However, it is more common to use a 3</a:t>
-            </a:r>
-            <a:r>
-              <a:rPr lang="en-GB" sz="1800" baseline="30000" dirty="0">
-                <a:solidFill>
-                  <a:schemeClr val="tx2"/>
-                </a:solidFill>
-              </a:rPr>
-              <a:t>rd</a:t>
-            </a:r>
+              <a:t>Record that helps git track code history</a:t>
+            </a:r>
+          </a:p>
+          <a:p>
             <a:r>
               <a:rPr lang="en-GB" sz="1800" dirty="0">
                 <a:solidFill>
                   <a:schemeClr val="tx2"/>
                 </a:solidFill>
               </a:rPr>
-              <a:t> party provider which also takes care of backups and often offers convenient web UI for code reviews.</a:t>
-            </a:r>
-          </a:p>
-          <a:p>
-            <a:pPr marL="0" indent="0">
-              <a:buNone/>
-            </a:pPr>
+              <a:t>Record that says how files looked at a given point in time</a:t>
+            </a:r>
+          </a:p>
+          <a:p>
             <a:r>
               <a:rPr lang="en-GB" sz="1800" dirty="0">
                 <a:solidFill>
                   <a:schemeClr val="tx2"/>
                 </a:solidFill>
               </a:rPr>
-              <a:t>The most common providers are:</a:t>
+              <a:t>You can specify which file changes are included and which are not</a:t>
             </a:r>
           </a:p>
           <a:p>
@@ -6676,35 +13126,22 @@
                   <a:schemeClr val="tx2"/>
                 </a:solidFill>
               </a:rPr>
-              <a:t>GitHub</a:t>
-            </a:r>
-          </a:p>
-          <a:p>
-            <a:r>
-              <a:rPr lang="en-GB" sz="1800" dirty="0">
-                <a:solidFill>
-                  <a:schemeClr val="tx2"/>
-                </a:solidFill>
-              </a:rPr>
-              <a:t>GitLab</a:t>
-            </a:r>
-          </a:p>
-          <a:p>
-            <a:r>
-              <a:rPr lang="en-GB" sz="1800" dirty="0">
-                <a:solidFill>
-                  <a:schemeClr val="tx2"/>
-                </a:solidFill>
-              </a:rPr>
-              <a:t>Bitbucket</a:t>
-            </a:r>
+              <a:t>Changing between any snapshots is possible and easy</a:t>
+            </a:r>
+          </a:p>
+          <a:p>
+            <a:endParaRPr lang="en-GB" sz="1800" dirty="0">
+              <a:solidFill>
+                <a:schemeClr val="tx2"/>
+              </a:solidFill>
+            </a:endParaRPr>
           </a:p>
         </p:txBody>
       </p:sp>
     </p:spTree>
     <p:extLst>
       <p:ext uri="{BB962C8B-B14F-4D97-AF65-F5344CB8AC3E}">
-        <p14:creationId xmlns:p14="http://schemas.microsoft.com/office/powerpoint/2010/main" val="3626474354"/>
+        <p14:creationId xmlns:p14="http://schemas.microsoft.com/office/powerpoint/2010/main" val="4216493985"/>
       </p:ext>
     </p:extLst>
   </p:cSld>
@@ -6727,7 +13164,13 @@
     </p:bg>
     <p:spTree>
       <p:nvGrpSpPr>
-        <p:cNvPr id="1" name=""/>
+        <p:cNvPr id="1" name="">
+          <a:extLst>
+            <a:ext uri="{FF2B5EF4-FFF2-40B4-BE49-F238E27FC236}">
+              <a16:creationId xmlns:a16="http://schemas.microsoft.com/office/drawing/2014/main" id="{94ACF91F-C29D-07AE-55AE-DB6BDA1E9AC5}"/>
+            </a:ext>
+          </a:extLst>
+        </p:cNvPr>
         <p:cNvGrpSpPr/>
         <p:nvPr/>
       </p:nvGrpSpPr>
@@ -6744,7 +13187,7 @@
           <p:cNvPr id="8" name="Rectangle 7">
             <a:extLst>
               <a:ext uri="{FF2B5EF4-FFF2-40B4-BE49-F238E27FC236}">
-                <a16:creationId xmlns:a16="http://schemas.microsoft.com/office/drawing/2014/main" id="{8651CFA9-6065-4243-AC48-858E359780B1}"/>
+                <a16:creationId xmlns:a16="http://schemas.microsoft.com/office/drawing/2014/main" id="{A32626A6-FE63-9B8C-1879-8B34679FC1CC}"/>
               </a:ext>
               <a:ext uri="{C183D7F6-B498-43B3-948B-1728B52AA6E4}">
                 <adec:decorative xmlns:adec="http://schemas.microsoft.com/office/drawing/2017/decorative" val="1"/>
@@ -6812,7 +13255,7 @@
           <p:cNvPr id="10" name="Rectangle 9">
             <a:extLst>
               <a:ext uri="{FF2B5EF4-FFF2-40B4-BE49-F238E27FC236}">
-                <a16:creationId xmlns:a16="http://schemas.microsoft.com/office/drawing/2014/main" id="{37962AE0-6A1C-4B76-9D52-10E5E6D7D3BB}"/>
+                <a16:creationId xmlns:a16="http://schemas.microsoft.com/office/drawing/2014/main" id="{492A21BA-C18D-6052-DE03-BB0F3700F8BB}"/>
               </a:ext>
               <a:ext uri="{C183D7F6-B498-43B3-948B-1728B52AA6E4}">
                 <adec:decorative xmlns:adec="http://schemas.microsoft.com/office/drawing/2017/decorative" val="1"/>
@@ -6885,7 +13328,7 @@
           <p:cNvPr id="12" name="Picture 11">
             <a:extLst>
               <a:ext uri="{FF2B5EF4-FFF2-40B4-BE49-F238E27FC236}">
-                <a16:creationId xmlns:a16="http://schemas.microsoft.com/office/drawing/2014/main" id="{A72D06A1-BA08-4820-BBC8-B24DDB32A376}"/>
+                <a16:creationId xmlns:a16="http://schemas.microsoft.com/office/drawing/2014/main" id="{45D730C6-A19A-4460-CEC2-44A739DBA960}"/>
               </a:ext>
               <a:ext uri="{C183D7F6-B498-43B3-948B-1728B52AA6E4}">
                 <adec:decorative xmlns:adec="http://schemas.microsoft.com/office/drawing/2017/decorative" val="1"/>
@@ -6936,7 +13379,7 @@
           <p:cNvPr id="2" name="Title 1">
             <a:extLst>
               <a:ext uri="{FF2B5EF4-FFF2-40B4-BE49-F238E27FC236}">
-                <a16:creationId xmlns:a16="http://schemas.microsoft.com/office/drawing/2014/main" id="{FC795B22-7BE2-400B-3329-D0CB824EB592}"/>
+                <a16:creationId xmlns:a16="http://schemas.microsoft.com/office/drawing/2014/main" id="{DEC527A3-64BF-E60D-1016-9317F86C7290}"/>
               </a:ext>
             </a:extLst>
           </p:cNvPr>
@@ -6965,7 +13408,7 @@
                   <a:schemeClr val="tx2"/>
                 </a:solidFill>
               </a:rPr>
-              <a:t>What is GitHub?</a:t>
+              <a:t>What is commit?</a:t>
             </a:r>
           </a:p>
         </p:txBody>
@@ -6975,7 +13418,7 @@
           <p:cNvPr id="14" name="Picture 13">
             <a:extLst>
               <a:ext uri="{FF2B5EF4-FFF2-40B4-BE49-F238E27FC236}">
-                <a16:creationId xmlns:a16="http://schemas.microsoft.com/office/drawing/2014/main" id="{1295E665-0408-4072-94B3-49BA5ACBCBD3}"/>
+                <a16:creationId xmlns:a16="http://schemas.microsoft.com/office/drawing/2014/main" id="{5503877C-0819-6298-BF36-9E4FE615A158}"/>
               </a:ext>
               <a:ext uri="{C183D7F6-B498-43B3-948B-1728B52AA6E4}">
                 <adec:decorative xmlns:adec="http://schemas.microsoft.com/office/drawing/2017/decorative" val="1"/>
@@ -7026,7 +13469,7 @@
           <p:cNvPr id="3" name="Content Placeholder 2">
             <a:extLst>
               <a:ext uri="{FF2B5EF4-FFF2-40B4-BE49-F238E27FC236}">
-                <a16:creationId xmlns:a16="http://schemas.microsoft.com/office/drawing/2014/main" id="{C90D05BF-9C4E-82AF-C470-B37E72647F14}"/>
+                <a16:creationId xmlns:a16="http://schemas.microsoft.com/office/drawing/2014/main" id="{9A02A130-38C6-1E9B-D586-9A992E9DC179}"/>
               </a:ext>
             </a:extLst>
           </p:cNvPr>
@@ -7049,13 +13492,20 @@
           </a:bodyPr>
           <a:lstStyle/>
           <a:p>
+            <a:endParaRPr lang="en-GB" sz="1800" dirty="0">
+              <a:solidFill>
+                <a:schemeClr val="tx2"/>
+              </a:solidFill>
+            </a:endParaRPr>
+          </a:p>
+          <a:p>
             <a:r>
               <a:rPr lang="en-GB" sz="1800" dirty="0">
                 <a:solidFill>
                   <a:schemeClr val="tx2"/>
                 </a:solidFill>
               </a:rPr>
-              <a:t>The largest web-based git repository hosting service</a:t>
+              <a:t>The act of creating a snapshot</a:t>
             </a:r>
           </a:p>
           <a:p>
@@ -7065,27 +13515,7 @@
                   <a:schemeClr val="tx2"/>
                 </a:solidFill>
               </a:rPr>
-              <a:t>Founded in 2008</a:t>
-            </a:r>
-          </a:p>
-          <a:p>
-            <a:r>
-              <a:rPr lang="en-GB" sz="1800" dirty="0">
-                <a:solidFill>
-                  <a:schemeClr val="tx2"/>
-                </a:solidFill>
-              </a:rPr>
-              <a:t>Allows online collaboration from anywhere</a:t>
-            </a:r>
-          </a:p>
-          <a:p>
-            <a:r>
-              <a:rPr lang="en-GB" sz="1800" dirty="0">
-                <a:solidFill>
-                  <a:schemeClr val="tx2"/>
-                </a:solidFill>
-              </a:rPr>
-              <a:t>Adds extra convenient functionalities:</a:t>
+              <a:t>It contains these information</a:t>
             </a:r>
           </a:p>
           <a:p>
@@ -7096,7 +13526,7 @@
                   <a:schemeClr val="tx2"/>
                 </a:solidFill>
               </a:rPr>
-              <a:t>UI</a:t>
+              <a:t>Information about file changes</a:t>
             </a:r>
           </a:p>
           <a:p>
@@ -7107,7 +13537,7 @@
                   <a:schemeClr val="tx2"/>
                 </a:solidFill>
               </a:rPr>
-              <a:t>branch graph</a:t>
+              <a:t>Information about parent (the previous commit it originates from)</a:t>
             </a:r>
           </a:p>
           <a:p>
@@ -7118,7 +13548,7 @@
                   <a:schemeClr val="tx2"/>
                 </a:solidFill>
               </a:rPr>
-              <a:t>pull requests</a:t>
+              <a:t>Information about its name (a hash code)</a:t>
             </a:r>
           </a:p>
           <a:p>
@@ -7129,26 +13559,22 @@
                   <a:schemeClr val="tx2"/>
                 </a:solidFill>
               </a:rPr>
-              <a:t>bug tracking</a:t>
-            </a:r>
-          </a:p>
-          <a:p>
-            <a:pPr lvl="1"/>
-            <a:r>
-              <a:rPr lang="en-GB" sz="1400" dirty="0">
-                <a:solidFill>
-                  <a:schemeClr val="tx2"/>
-                </a:solidFill>
-              </a:rPr>
-              <a:t>and more</a:t>
-            </a:r>
+              <a:t>Information about commit message (a user message describing this commit)</a:t>
+            </a:r>
+          </a:p>
+          <a:p>
+            <a:endParaRPr lang="en-GB" sz="1800" dirty="0">
+              <a:solidFill>
+                <a:schemeClr val="tx2"/>
+              </a:solidFill>
+            </a:endParaRPr>
           </a:p>
         </p:txBody>
       </p:sp>
     </p:spTree>
     <p:extLst>
       <p:ext uri="{BB962C8B-B14F-4D97-AF65-F5344CB8AC3E}">
-        <p14:creationId xmlns:p14="http://schemas.microsoft.com/office/powerpoint/2010/main" val="600964517"/>
+        <p14:creationId xmlns:p14="http://schemas.microsoft.com/office/powerpoint/2010/main" val="2732622013"/>
       </p:ext>
     </p:extLst>
   </p:cSld>
@@ -7171,7 +13597,13 @@
     </p:bg>
     <p:spTree>
       <p:nvGrpSpPr>
-        <p:cNvPr id="1" name=""/>
+        <p:cNvPr id="1" name="">
+          <a:extLst>
+            <a:ext uri="{FF2B5EF4-FFF2-40B4-BE49-F238E27FC236}">
+              <a16:creationId xmlns:a16="http://schemas.microsoft.com/office/drawing/2014/main" id="{090DD7D3-FCCD-A8D4-179F-4679B55A0BFF}"/>
+            </a:ext>
+          </a:extLst>
+        </p:cNvPr>
         <p:cNvGrpSpPr/>
         <p:nvPr/>
       </p:nvGrpSpPr>
@@ -7183,12 +13615,12 @@
           <a:chExt cx="0" cy="0"/>
         </a:xfrm>
       </p:grpSpPr>
-      <p:sp>
-        <p:nvSpPr>
-          <p:cNvPr id="19" name="Rectangle 18">
-            <a:extLst>
-              <a:ext uri="{FF2B5EF4-FFF2-40B4-BE49-F238E27FC236}">
-                <a16:creationId xmlns:a16="http://schemas.microsoft.com/office/drawing/2014/main" id="{0BABF38A-8A0D-492E-BD20-6CF4D46B50BD}"/>
+      <p:sp useBgFill="1">
+        <p:nvSpPr>
+          <p:cNvPr id="8" name="Rectangle 7">
+            <a:extLst>
+              <a:ext uri="{FF2B5EF4-FFF2-40B4-BE49-F238E27FC236}">
+                <a16:creationId xmlns:a16="http://schemas.microsoft.com/office/drawing/2014/main" id="{606EFED4-8607-589F-3EA9-75AD7D3DAF96}"/>
               </a:ext>
               <a:ext uri="{C183D7F6-B498-43B3-948B-1728B52AA6E4}">
                 <adec:decorative xmlns:adec="http://schemas.microsoft.com/office/drawing/2017/decorative" val="1"/>
@@ -7208,18 +13640,12 @@
         </p:nvSpPr>
         <p:spPr>
           <a:xfrm>
-            <a:off x="0" y="1"/>
-            <a:ext cx="12192000" cy="6858004"/>
+            <a:off x="0" y="0"/>
+            <a:ext cx="12188952" cy="6858000"/>
           </a:xfrm>
           <a:prstGeom prst="rect">
             <a:avLst/>
           </a:prstGeom>
-          <a:solidFill>
-            <a:schemeClr val="tx2">
-              <a:lumMod val="90000"/>
-              <a:lumOff val="10000"/>
-            </a:schemeClr>
-          </a:solidFill>
           <a:ln>
             <a:noFill/>
           </a:ln>
@@ -7245,7 +13671,7 @@
           <a:lstStyle/>
           <a:p>
             <a:pPr algn="ctr"/>
-            <a:endParaRPr lang="en-US" dirty="0">
+            <a:endParaRPr lang="en-US">
               <a:solidFill>
                 <a:schemeClr val="tx1">
                   <a:lumMod val="65000"/>
@@ -7257,21 +13683,21 @@
           </a:p>
         </p:txBody>
       </p:sp>
-      <p:pic>
-        <p:nvPicPr>
-          <p:cNvPr id="21" name="Picture 20">
-            <a:extLst>
-              <a:ext uri="{FF2B5EF4-FFF2-40B4-BE49-F238E27FC236}">
-                <a16:creationId xmlns:a16="http://schemas.microsoft.com/office/drawing/2014/main" id="{1CB7E8AE-A3AC-4BB7-A5C6-F00EC697B265}"/>
+      <p:sp>
+        <p:nvSpPr>
+          <p:cNvPr id="10" name="Rectangle 9">
+            <a:extLst>
+              <a:ext uri="{FF2B5EF4-FFF2-40B4-BE49-F238E27FC236}">
+                <a16:creationId xmlns:a16="http://schemas.microsoft.com/office/drawing/2014/main" id="{B1B993EF-DC87-B577-F85D-829090304D45}"/>
               </a:ext>
               <a:ext uri="{C183D7F6-B498-43B3-948B-1728B52AA6E4}">
                 <adec:decorative xmlns:adec="http://schemas.microsoft.com/office/drawing/2017/decorative" val="1"/>
               </a:ext>
             </a:extLst>
           </p:cNvPr>
-          <p:cNvPicPr>
-            <a:picLocks noGrp="1" noRot="1" noChangeAspect="1" noMove="1" noResize="1" noEditPoints="1" noAdjustHandles="1" noChangeArrowheads="1" noChangeShapeType="1" noCrop="1"/>
-          </p:cNvPicPr>
+          <p:cNvSpPr>
+            <a:spLocks noGrp="1" noRot="1" noChangeAspect="1" noMove="1" noResize="1" noEditPoints="1" noAdjustHandles="1" noChangeArrowheads="1" noChangeShapeType="1" noTextEdit="1"/>
+          </p:cNvSpPr>
           <p:nvPr>
             <p:extLst>
               <p:ext uri="{386F3935-93C4-4BCD-93E2-E3B085C9AB24}">
@@ -7279,61 +13705,20 @@
               </p:ext>
             </p:extLst>
           </p:nvPr>
-        </p:nvPicPr>
-        <p:blipFill>
-          <a:blip r:embed="rId2">
-            <a:alphaModFix amt="35000"/>
-            <a:extLst>
-              <a:ext uri="{28A0092B-C50C-407E-A947-70E740481C1C}">
-                <a14:useLocalDpi xmlns:a14="http://schemas.microsoft.com/office/drawing/2010/main" val="0"/>
-              </a:ext>
-            </a:extLst>
-          </a:blip>
-          <a:stretch>
-            <a:fillRect/>
-          </a:stretch>
-        </p:blipFill>
-        <p:spPr>
-          <a:xfrm>
-            <a:off x="0" y="1"/>
-            <a:ext cx="12192000" cy="1392401"/>
+        </p:nvSpPr>
+        <p:spPr>
+          <a:xfrm>
+            <a:off x="0" y="0"/>
+            <a:ext cx="12188952" cy="6858000"/>
           </a:xfrm>
           <a:prstGeom prst="rect">
             <a:avLst/>
           </a:prstGeom>
-        </p:spPr>
-      </p:pic>
-      <p:sp useBgFill="1">
-        <p:nvSpPr>
-          <p:cNvPr id="23" name="Rectangle 22">
-            <a:extLst>
-              <a:ext uri="{FF2B5EF4-FFF2-40B4-BE49-F238E27FC236}">
-                <a16:creationId xmlns:a16="http://schemas.microsoft.com/office/drawing/2014/main" id="{DE61FBD7-E37C-4B38-BE44-A6D4978D7486}"/>
-              </a:ext>
-              <a:ext uri="{C183D7F6-B498-43B3-948B-1728B52AA6E4}">
-                <adec:decorative xmlns:adec="http://schemas.microsoft.com/office/drawing/2017/decorative" val="1"/>
-              </a:ext>
-            </a:extLst>
-          </p:cNvPr>
-          <p:cNvSpPr>
-            <a:spLocks noGrp="1" noRot="1" noChangeAspect="1" noMove="1" noResize="1" noEditPoints="1" noAdjustHandles="1" noChangeArrowheads="1" noChangeShapeType="1" noTextEdit="1"/>
-          </p:cNvSpPr>
-          <p:nvPr>
-            <p:extLst>
-              <p:ext uri="{386F3935-93C4-4BCD-93E2-E3B085C9AB24}">
-                <p16:designElem xmlns:p16="http://schemas.microsoft.com/office/powerpoint/2015/main" val="1"/>
-              </p:ext>
-            </p:extLst>
-          </p:nvPr>
-        </p:nvSpPr>
-        <p:spPr>
-          <a:xfrm>
-            <a:off x="0" y="0"/>
-            <a:ext cx="12188952" cy="6858000"/>
-          </a:xfrm>
-          <a:prstGeom prst="rect">
-            <a:avLst/>
-          </a:prstGeom>
+          <a:solidFill>
+            <a:schemeClr val="bg2">
+              <a:alpha val="70000"/>
+            </a:schemeClr>
+          </a:solidFill>
           <a:ln>
             <a:noFill/>
           </a:ln>
@@ -7359,7 +13744,7 @@
           <a:lstStyle/>
           <a:p>
             <a:pPr algn="ctr"/>
-            <a:endParaRPr lang="en-US" dirty="0">
+            <a:endParaRPr lang="en-US">
               <a:solidFill>
                 <a:schemeClr val="tx1">
                   <a:lumMod val="65000"/>
@@ -7371,21 +13756,21 @@
           </a:p>
         </p:txBody>
       </p:sp>
-      <p:sp>
-        <p:nvSpPr>
-          <p:cNvPr id="25" name="Rectangle 24">
-            <a:extLst>
-              <a:ext uri="{FF2B5EF4-FFF2-40B4-BE49-F238E27FC236}">
-                <a16:creationId xmlns:a16="http://schemas.microsoft.com/office/drawing/2014/main" id="{823772C2-0911-45A0-B7B6-D811380C75AC}"/>
+      <p:pic>
+        <p:nvPicPr>
+          <p:cNvPr id="12" name="Picture 11">
+            <a:extLst>
+              <a:ext uri="{FF2B5EF4-FFF2-40B4-BE49-F238E27FC236}">
+                <a16:creationId xmlns:a16="http://schemas.microsoft.com/office/drawing/2014/main" id="{76EAAE81-D471-A8DB-8E4E-F222F3E57DE6}"/>
               </a:ext>
               <a:ext uri="{C183D7F6-B498-43B3-948B-1728B52AA6E4}">
                 <adec:decorative xmlns:adec="http://schemas.microsoft.com/office/drawing/2017/decorative" val="1"/>
               </a:ext>
             </a:extLst>
           </p:cNvPr>
-          <p:cNvSpPr>
-            <a:spLocks noGrp="1" noRot="1" noChangeAspect="1" noMove="1" noResize="1" noEditPoints="1" noAdjustHandles="1" noChangeArrowheads="1" noChangeShapeType="1" noTextEdit="1"/>
-          </p:cNvSpPr>
+          <p:cNvPicPr>
+            <a:picLocks noGrp="1" noRot="1" noChangeAspect="1" noMove="1" noResize="1" noEditPoints="1" noAdjustHandles="1" noChangeArrowheads="1" noChangeShapeType="1" noCrop="1"/>
+          </p:cNvPicPr>
           <p:nvPr>
             <p:extLst>
               <p:ext uri="{386F3935-93C4-4BCD-93E2-E3B085C9AB24}">
@@ -7393,65 +13778,89 @@
               </p:ext>
             </p:extLst>
           </p:nvPr>
-        </p:nvSpPr>
-        <p:spPr>
-          <a:xfrm>
-            <a:off x="0" y="0"/>
-            <a:ext cx="12188952" cy="6858000"/>
+        </p:nvPicPr>
+        <p:blipFill rotWithShape="1">
+          <a:blip r:embed="rId2">
+            <a:duotone>
+              <a:schemeClr val="accent1">
+                <a:shade val="45000"/>
+                <a:satMod val="135000"/>
+              </a:schemeClr>
+              <a:prstClr val="white"/>
+            </a:duotone>
+            <a:extLst>
+              <a:ext uri="{28A0092B-C50C-407E-A947-70E740481C1C}">
+                <a14:useLocalDpi xmlns:a14="http://schemas.microsoft.com/office/drawing/2010/main" val="0"/>
+              </a:ext>
+            </a:extLst>
+          </a:blip>
+          <a:srcRect t="37018" r="40625"/>
+          <a:stretch/>
+        </p:blipFill>
+        <p:spPr>
+          <a:xfrm>
+            <a:off x="10744200" y="0"/>
+            <a:ext cx="1447800" cy="1535750"/>
           </a:xfrm>
           <a:prstGeom prst="rect">
             <a:avLst/>
           </a:prstGeom>
-          <a:solidFill>
-            <a:schemeClr val="tx2">
-              <a:lumMod val="90000"/>
-              <a:lumOff val="10000"/>
-            </a:schemeClr>
-          </a:solidFill>
-          <a:ln>
-            <a:noFill/>
-          </a:ln>
-        </p:spPr>
-        <p:style>
-          <a:lnRef idx="2">
-            <a:schemeClr val="accent1">
-              <a:shade val="50000"/>
-            </a:schemeClr>
-          </a:lnRef>
-          <a:fillRef idx="1">
-            <a:schemeClr val="accent1"/>
-          </a:fillRef>
-          <a:effectRef idx="0">
-            <a:schemeClr val="accent1"/>
-          </a:effectRef>
-          <a:fontRef idx="minor">
-            <a:schemeClr val="lt1"/>
-          </a:fontRef>
-        </p:style>
-        <p:txBody>
-          <a:bodyPr rtlCol="0" anchor="ctr"/>
-          <a:lstStyle/>
-          <a:p>
-            <a:pPr algn="ctr"/>
-            <a:endParaRPr lang="en-US" dirty="0"/>
-          </a:p>
-        </p:txBody>
-      </p:sp>
-      <p:sp>
-        <p:nvSpPr>
-          <p:cNvPr id="27" name="Rectangle 26">
-            <a:extLst>
-              <a:ext uri="{FF2B5EF4-FFF2-40B4-BE49-F238E27FC236}">
-                <a16:creationId xmlns:a16="http://schemas.microsoft.com/office/drawing/2014/main" id="{4572B5A9-5531-4FA5-8C90-295EFED8BFF8}"/>
+        </p:spPr>
+      </p:pic>
+      <p:sp>
+        <p:nvSpPr>
+          <p:cNvPr id="2" name="Title 1">
+            <a:extLst>
+              <a:ext uri="{FF2B5EF4-FFF2-40B4-BE49-F238E27FC236}">
+                <a16:creationId xmlns:a16="http://schemas.microsoft.com/office/drawing/2014/main" id="{65F88121-03EF-F954-3B36-31810AED5D05}"/>
+              </a:ext>
+            </a:extLst>
+          </p:cNvPr>
+          <p:cNvSpPr>
+            <a:spLocks noGrp="1"/>
+          </p:cNvSpPr>
+          <p:nvPr>
+            <p:ph type="title"/>
+          </p:nvPr>
+        </p:nvSpPr>
+        <p:spPr>
+          <a:xfrm>
+            <a:off x="838201" y="559813"/>
+            <a:ext cx="10348146" cy="1675009"/>
+          </a:xfrm>
+        </p:spPr>
+        <p:txBody>
+          <a:bodyPr anchor="t">
+            <a:normAutofit/>
+          </a:bodyPr>
+          <a:lstStyle/>
+          <a:p>
+            <a:r>
+              <a:rPr lang="en-GB" dirty="0">
+                <a:solidFill>
+                  <a:schemeClr val="tx2"/>
+                </a:solidFill>
+              </a:rPr>
+              <a:t>What is repository?</a:t>
+            </a:r>
+          </a:p>
+        </p:txBody>
+      </p:sp>
+      <p:pic>
+        <p:nvPicPr>
+          <p:cNvPr id="14" name="Picture 13">
+            <a:extLst>
+              <a:ext uri="{FF2B5EF4-FFF2-40B4-BE49-F238E27FC236}">
+                <a16:creationId xmlns:a16="http://schemas.microsoft.com/office/drawing/2014/main" id="{18962274-71BD-AEA8-4078-1D5FDA7EED06}"/>
               </a:ext>
               <a:ext uri="{C183D7F6-B498-43B3-948B-1728B52AA6E4}">
                 <adec:decorative xmlns:adec="http://schemas.microsoft.com/office/drawing/2017/decorative" val="1"/>
               </a:ext>
             </a:extLst>
           </p:cNvPr>
-          <p:cNvSpPr>
-            <a:spLocks noGrp="1" noRot="1" noChangeAspect="1" noMove="1" noResize="1" noEditPoints="1" noAdjustHandles="1" noChangeArrowheads="1" noChangeShapeType="1" noTextEdit="1"/>
-          </p:cNvSpPr>
+          <p:cNvPicPr>
+            <a:picLocks noGrp="1" noRot="1" noChangeAspect="1" noMove="1" noResize="1" noEditPoints="1" noAdjustHandles="1" noChangeArrowheads="1" noChangeShapeType="1" noCrop="1"/>
+          </p:cNvPicPr>
           <p:nvPr>
             <p:extLst>
               <p:ext uri="{386F3935-93C4-4BCD-93E2-E3B085C9AB24}">
@@ -7459,64 +13868,41 @@
               </p:ext>
             </p:extLst>
           </p:nvPr>
-        </p:nvSpPr>
-        <p:spPr>
-          <a:xfrm>
-            <a:off x="0" y="0"/>
-            <a:ext cx="12188952" cy="6858000"/>
+        </p:nvPicPr>
+        <p:blipFill rotWithShape="1">
+          <a:blip r:embed="rId3">
+            <a:duotone>
+              <a:schemeClr val="accent1">
+                <a:shade val="45000"/>
+                <a:satMod val="135000"/>
+              </a:schemeClr>
+              <a:prstClr val="white"/>
+            </a:duotone>
+            <a:extLst>
+              <a:ext uri="{28A0092B-C50C-407E-A947-70E740481C1C}">
+                <a14:useLocalDpi xmlns:a14="http://schemas.microsoft.com/office/drawing/2010/main" val="0"/>
+              </a:ext>
+            </a:extLst>
+          </a:blip>
+          <a:srcRect r="46048"/>
+          <a:stretch/>
+        </p:blipFill>
+        <p:spPr>
+          <a:xfrm rot="10800000">
+            <a:off x="0" y="2719662"/>
+            <a:ext cx="1371600" cy="2548349"/>
           </a:xfrm>
           <a:prstGeom prst="rect">
             <a:avLst/>
           </a:prstGeom>
-          <a:blipFill dpi="0" rotWithShape="1">
-            <a:blip r:embed="rId3">
-              <a:alphaModFix amt="20000"/>
-              <a:duotone>
-                <a:schemeClr val="accent1">
-                  <a:shade val="45000"/>
-                  <a:satMod val="135000"/>
-                </a:schemeClr>
-                <a:prstClr val="white"/>
-              </a:duotone>
-            </a:blip>
-            <a:srcRect/>
-            <a:tile tx="889000" ty="0" sx="100000" sy="100000" flip="none" algn="tl"/>
-          </a:blipFill>
-          <a:ln>
-            <a:noFill/>
-          </a:ln>
-        </p:spPr>
-        <p:style>
-          <a:lnRef idx="2">
-            <a:schemeClr val="accent1">
-              <a:shade val="50000"/>
-            </a:schemeClr>
-          </a:lnRef>
-          <a:fillRef idx="1">
-            <a:schemeClr val="accent1"/>
-          </a:fillRef>
-          <a:effectRef idx="0">
-            <a:schemeClr val="accent1"/>
-          </a:effectRef>
-          <a:fontRef idx="minor">
-            <a:schemeClr val="lt1"/>
-          </a:fontRef>
-        </p:style>
-        <p:txBody>
-          <a:bodyPr rtlCol="0" anchor="ctr"/>
-          <a:lstStyle/>
-          <a:p>
-            <a:pPr algn="ctr"/>
-            <a:endParaRPr lang="en-US" dirty="0"/>
-          </a:p>
-        </p:txBody>
-      </p:sp>
-      <p:sp>
-        <p:nvSpPr>
-          <p:cNvPr id="2" name="Title 1">
-            <a:extLst>
-              <a:ext uri="{FF2B5EF4-FFF2-40B4-BE49-F238E27FC236}">
-                <a16:creationId xmlns:a16="http://schemas.microsoft.com/office/drawing/2014/main" id="{2A11E919-4BAB-02EA-961D-7F4B33CD1341}"/>
+        </p:spPr>
+      </p:pic>
+      <p:sp>
+        <p:nvSpPr>
+          <p:cNvPr id="3" name="Content Placeholder 2">
+            <a:extLst>
+              <a:ext uri="{FF2B5EF4-FFF2-40B4-BE49-F238E27FC236}">
+                <a16:creationId xmlns:a16="http://schemas.microsoft.com/office/drawing/2014/main" id="{8228BD68-3399-8BBF-48D7-77A155C26A3E}"/>
               </a:ext>
             </a:extLst>
           </p:cNvPr>
@@ -7524,71 +13910,175 @@
             <a:spLocks noGrp="1"/>
           </p:cNvSpPr>
           <p:nvPr>
-            <p:ph type="title"/>
-          </p:nvPr>
-        </p:nvSpPr>
-        <p:spPr>
-          <a:xfrm>
-            <a:off x="798576" y="744909"/>
-            <a:ext cx="10591800" cy="3155419"/>
-          </a:xfrm>
-        </p:spPr>
-        <p:txBody>
-          <a:bodyPr vert="horz" lIns="91440" tIns="45720" rIns="91440" bIns="45720" rtlCol="0" anchor="b">
-            <a:normAutofit/>
+            <p:ph idx="1"/>
+          </p:nvPr>
+        </p:nvSpPr>
+        <p:spPr>
+          <a:xfrm>
+            <a:off x="3994587" y="2403097"/>
+            <a:ext cx="7178691" cy="3709990"/>
+          </a:xfrm>
+        </p:spPr>
+        <p:txBody>
+          <a:bodyPr anchor="ctr">
+            <a:normAutofit lnSpcReduction="10000"/>
           </a:bodyPr>
           <a:lstStyle/>
           <a:p>
-            <a:pPr algn="ctr"/>
-            <a:r>
-              <a:rPr lang="en-US" sz="5200"/>
-              <a:t>End of lesson 1</a:t>
-            </a:r>
-          </a:p>
-        </p:txBody>
-      </p:sp>
-      <p:sp>
-        <p:nvSpPr>
-          <p:cNvPr id="3" name="Content Placeholder 2">
-            <a:extLst>
-              <a:ext uri="{FF2B5EF4-FFF2-40B4-BE49-F238E27FC236}">
-                <a16:creationId xmlns:a16="http://schemas.microsoft.com/office/drawing/2014/main" id="{7F5AAB4C-959C-AF56-FD2C-C979469A97EC}"/>
-              </a:ext>
-            </a:extLst>
-          </p:cNvPr>
-          <p:cNvSpPr>
-            <a:spLocks noGrp="1"/>
-          </p:cNvSpPr>
-          <p:nvPr>
-            <p:ph idx="1"/>
-          </p:nvPr>
-        </p:nvSpPr>
-        <p:spPr>
-          <a:xfrm>
-            <a:off x="798577" y="4074784"/>
-            <a:ext cx="10591798" cy="2054306"/>
-          </a:xfrm>
-        </p:spPr>
-        <p:txBody>
-          <a:bodyPr vert="horz" lIns="91440" tIns="45720" rIns="91440" bIns="45720" rtlCol="0" anchor="t">
-            <a:normAutofit/>
-          </a:bodyPr>
-          <a:lstStyle/>
-          <a:p>
-            <a:pPr marL="0" indent="0" algn="ctr">
+            <a:r>
+              <a:rPr lang="en-GB" sz="1800" dirty="0">
+                <a:solidFill>
+                  <a:schemeClr val="tx2"/>
+                </a:solidFill>
+              </a:rPr>
+              <a:t>A collection of all files and their history</a:t>
+            </a:r>
+          </a:p>
+          <a:p>
+            <a:r>
+              <a:rPr lang="en-GB" sz="1800" dirty="0">
+                <a:solidFill>
+                  <a:schemeClr val="tx2"/>
+                </a:solidFill>
+              </a:rPr>
+              <a:t>Contains all commits and allows to switch between them</a:t>
+            </a:r>
+          </a:p>
+          <a:p>
+            <a:r>
+              <a:rPr lang="en-GB" sz="1800" dirty="0">
+                <a:solidFill>
+                  <a:schemeClr val="tx2"/>
+                </a:solidFill>
+              </a:rPr>
+              <a:t>Can be </a:t>
+            </a:r>
+            <a:r>
+              <a:rPr lang="en-GB" sz="1800" b="1" dirty="0">
+                <a:solidFill>
+                  <a:schemeClr val="tx2"/>
+                </a:solidFill>
+              </a:rPr>
+              <a:t>cloned</a:t>
+            </a:r>
+            <a:r>
+              <a:rPr lang="en-GB" sz="1800" dirty="0">
+                <a:solidFill>
+                  <a:schemeClr val="tx2"/>
+                </a:solidFill>
+              </a:rPr>
+              <a:t> to local machines</a:t>
+            </a:r>
+          </a:p>
+          <a:p>
+            <a:pPr lvl="1"/>
+            <a:r>
+              <a:rPr lang="en-GB" sz="1400" dirty="0">
+                <a:solidFill>
+                  <a:schemeClr val="tx2"/>
+                </a:solidFill>
+              </a:rPr>
+              <a:t>git clone </a:t>
+            </a:r>
+            <a:r>
+              <a:rPr lang="en-GB" sz="1400" dirty="0" err="1">
+                <a:solidFill>
+                  <a:schemeClr val="tx2"/>
+                </a:solidFill>
+                <a:hlinkClick r:id="rId4"/>
+              </a:rPr>
+              <a:t>repository@address.git</a:t>
+            </a:r>
+            <a:endParaRPr lang="en-GB" sz="1400" dirty="0">
+              <a:solidFill>
+                <a:schemeClr val="tx2"/>
+              </a:solidFill>
+            </a:endParaRPr>
+          </a:p>
+          <a:p>
+            <a:pPr marL="457200" lvl="1" indent="0">
               <a:buNone/>
             </a:pPr>
             <a:r>
-              <a:rPr lang="en-US" sz="2200"/>
-              <a:t>Jakub Malý 2025</a:t>
-            </a:r>
+              <a:rPr lang="en-GB" sz="1400" dirty="0">
+                <a:solidFill>
+                  <a:schemeClr val="tx2"/>
+                </a:solidFill>
+              </a:rPr>
+              <a:t>Note: This will create a new folder which contains the project. This folder is often called “local directory”.</a:t>
+            </a:r>
+          </a:p>
+          <a:p>
+            <a:r>
+              <a:rPr lang="en-GB" sz="1800" dirty="0">
+                <a:solidFill>
+                  <a:schemeClr val="tx2"/>
+                </a:solidFill>
+              </a:rPr>
+              <a:t>Commits from other team members can be downloaded by </a:t>
+            </a:r>
+            <a:r>
+              <a:rPr lang="en-GB" sz="1800" b="1" dirty="0">
+                <a:solidFill>
+                  <a:schemeClr val="tx2"/>
+                </a:solidFill>
+              </a:rPr>
+              <a:t>pulling</a:t>
+            </a:r>
+          </a:p>
+          <a:p>
+            <a:pPr lvl="1"/>
+            <a:r>
+              <a:rPr lang="en-GB" sz="1400" dirty="0">
+                <a:solidFill>
+                  <a:schemeClr val="tx2"/>
+                </a:solidFill>
+              </a:rPr>
+              <a:t>git pull</a:t>
+            </a:r>
+          </a:p>
+          <a:p>
+            <a:r>
+              <a:rPr lang="en-GB" sz="1800" dirty="0">
+                <a:solidFill>
+                  <a:schemeClr val="tx2"/>
+                </a:solidFill>
+              </a:rPr>
+              <a:t>Commits from you can be uploaded by </a:t>
+            </a:r>
+            <a:r>
+              <a:rPr lang="en-GB" sz="1800" b="1" dirty="0">
+                <a:solidFill>
+                  <a:schemeClr val="tx2"/>
+                </a:solidFill>
+              </a:rPr>
+              <a:t>pushing</a:t>
+            </a:r>
+          </a:p>
+          <a:p>
+            <a:pPr lvl="1"/>
+            <a:r>
+              <a:rPr lang="en-GB" sz="1400" dirty="0">
+                <a:solidFill>
+                  <a:schemeClr val="tx2"/>
+                </a:solidFill>
+              </a:rPr>
+              <a:t>git push</a:t>
+            </a:r>
+          </a:p>
+          <a:p>
+            <a:endParaRPr lang="en-GB" sz="1800" dirty="0">
+              <a:solidFill>
+                <a:schemeClr val="tx2"/>
+              </a:solidFill>
+            </a:endParaRPr>
           </a:p>
         </p:txBody>
       </p:sp>
     </p:spTree>
     <p:extLst>
       <p:ext uri="{BB962C8B-B14F-4D97-AF65-F5344CB8AC3E}">
-        <p14:creationId xmlns:p14="http://schemas.microsoft.com/office/powerpoint/2010/main" val="851356260"/>
+        <p14:creationId xmlns:p14="http://schemas.microsoft.com/office/powerpoint/2010/main" val="4148268444"/>
       </p:ext>
     </p:extLst>
   </p:cSld>
@@ -7797,4 +14287,319 @@
     </a:ext>
   </a:extLst>
 </a:theme>
+</file>
+
+<file path=ppt/theme/theme2.xml><?xml version="1.0" encoding="utf-8"?>
+<a:theme xmlns:a="http://schemas.openxmlformats.org/drawingml/2006/main" name="Office Theme">
+  <a:themeElements>
+    <a:clrScheme name="Office">
+      <a:dk1>
+        <a:sysClr val="windowText" lastClr="000000"/>
+      </a:dk1>
+      <a:lt1>
+        <a:sysClr val="window" lastClr="FFFFFF"/>
+      </a:lt1>
+      <a:dk2>
+        <a:srgbClr val="0E2841"/>
+      </a:dk2>
+      <a:lt2>
+        <a:srgbClr val="E8E8E8"/>
+      </a:lt2>
+      <a:accent1>
+        <a:srgbClr val="156082"/>
+      </a:accent1>
+      <a:accent2>
+        <a:srgbClr val="E97132"/>
+      </a:accent2>
+      <a:accent3>
+        <a:srgbClr val="196B24"/>
+      </a:accent3>
+      <a:accent4>
+        <a:srgbClr val="0F9ED5"/>
+      </a:accent4>
+      <a:accent5>
+        <a:srgbClr val="A02B93"/>
+      </a:accent5>
+      <a:accent6>
+        <a:srgbClr val="4EA72E"/>
+      </a:accent6>
+      <a:hlink>
+        <a:srgbClr val="467886"/>
+      </a:hlink>
+      <a:folHlink>
+        <a:srgbClr val="96607D"/>
+      </a:folHlink>
+    </a:clrScheme>
+    <a:fontScheme name="Office">
+      <a:majorFont>
+        <a:latin typeface="Aptos Display" panose="02110004020202020204"/>
+        <a:ea typeface=""/>
+        <a:cs typeface=""/>
+        <a:font script="Jpan" typeface="游ゴシック Light"/>
+        <a:font script="Hang" typeface="맑은 고딕"/>
+        <a:font script="Hans" typeface="等线 Light"/>
+        <a:font script="Hant" typeface="新細明體"/>
+        <a:font script="Arab" typeface="Times New Roman"/>
+        <a:font script="Hebr" typeface="Times New Roman"/>
+        <a:font script="Thai" typeface="Angsana New"/>
+        <a:font script="Ethi" typeface="Nyala"/>
+        <a:font script="Beng" typeface="Vrinda"/>
+        <a:font script="Gujr" typeface="Shruti"/>
+        <a:font script="Khmr" typeface="MoolBoran"/>
+        <a:font script="Knda" typeface="Tunga"/>
+        <a:font script="Guru" typeface="Raavi"/>
+        <a:font script="Cans" typeface="Euphemia"/>
+        <a:font script="Cher" typeface="Plantagenet Cherokee"/>
+        <a:font script="Yiii" typeface="Microsoft Yi Baiti"/>
+        <a:font script="Tibt" typeface="Microsoft Himalaya"/>
+        <a:font script="Thaa" typeface="MV Boli"/>
+        <a:font script="Deva" typeface="Mangal"/>
+        <a:font script="Telu" typeface="Gautami"/>
+        <a:font script="Taml" typeface="Latha"/>
+        <a:font script="Syrc" typeface="Estrangelo Edessa"/>
+        <a:font script="Orya" typeface="Kalinga"/>
+        <a:font script="Mlym" typeface="Kartika"/>
+        <a:font script="Laoo" typeface="DokChampa"/>
+        <a:font script="Sinh" typeface="Iskoola Pota"/>
+        <a:font script="Mong" typeface="Mongolian Baiti"/>
+        <a:font script="Viet" typeface="Times New Roman"/>
+        <a:font script="Uigh" typeface="Microsoft Uighur"/>
+        <a:font script="Geor" typeface="Sylfaen"/>
+        <a:font script="Armn" typeface="Arial"/>
+        <a:font script="Bugi" typeface="Leelawadee UI"/>
+        <a:font script="Bopo" typeface="Microsoft JhengHei"/>
+        <a:font script="Java" typeface="Javanese Text"/>
+        <a:font script="Lisu" typeface="Segoe UI"/>
+        <a:font script="Mymr" typeface="Myanmar Text"/>
+        <a:font script="Nkoo" typeface="Ebrima"/>
+        <a:font script="Olck" typeface="Nirmala UI"/>
+        <a:font script="Osma" typeface="Ebrima"/>
+        <a:font script="Phag" typeface="Phagspa"/>
+        <a:font script="Syrn" typeface="Estrangelo Edessa"/>
+        <a:font script="Syrj" typeface="Estrangelo Edessa"/>
+        <a:font script="Syre" typeface="Estrangelo Edessa"/>
+        <a:font script="Sora" typeface="Nirmala UI"/>
+        <a:font script="Tale" typeface="Microsoft Tai Le"/>
+        <a:font script="Talu" typeface="Microsoft New Tai Lue"/>
+        <a:font script="Tfng" typeface="Ebrima"/>
+      </a:majorFont>
+      <a:minorFont>
+        <a:latin typeface="Aptos" panose="02110004020202020204"/>
+        <a:ea typeface=""/>
+        <a:cs typeface=""/>
+        <a:font script="Jpan" typeface="游ゴシック"/>
+        <a:font script="Hang" typeface="맑은 고딕"/>
+        <a:font script="Hans" typeface="等线"/>
+        <a:font script="Hant" typeface="新細明體"/>
+        <a:font script="Arab" typeface="Arial"/>
+        <a:font script="Hebr" typeface="Arial"/>
+        <a:font script="Thai" typeface="Cordia New"/>
+        <a:font script="Ethi" typeface="Nyala"/>
+        <a:font script="Beng" typeface="Vrinda"/>
+        <a:font script="Gujr" typeface="Shruti"/>
+        <a:font script="Khmr" typeface="DaunPenh"/>
+        <a:font script="Knda" typeface="Tunga"/>
+        <a:font script="Guru" typeface="Raavi"/>
+        <a:font script="Cans" typeface="Euphemia"/>
+        <a:font script="Cher" typeface="Plantagenet Cherokee"/>
+        <a:font script="Yiii" typeface="Microsoft Yi Baiti"/>
+        <a:font script="Tibt" typeface="Microsoft Himalaya"/>
+        <a:font script="Thaa" typeface="MV Boli"/>
+        <a:font script="Deva" typeface="Mangal"/>
+        <a:font script="Telu" typeface="Gautami"/>
+        <a:font script="Taml" typeface="Latha"/>
+        <a:font script="Syrc" typeface="Estrangelo Edessa"/>
+        <a:font script="Orya" typeface="Kalinga"/>
+        <a:font script="Mlym" typeface="Kartika"/>
+        <a:font script="Laoo" typeface="DokChampa"/>
+        <a:font script="Sinh" typeface="Iskoola Pota"/>
+        <a:font script="Mong" typeface="Mongolian Baiti"/>
+        <a:font script="Viet" typeface="Arial"/>
+        <a:font script="Uigh" typeface="Microsoft Uighur"/>
+        <a:font script="Geor" typeface="Sylfaen"/>
+        <a:font script="Armn" typeface="Arial"/>
+        <a:font script="Bugi" typeface="Leelawadee UI"/>
+        <a:font script="Bopo" typeface="Microsoft JhengHei"/>
+        <a:font script="Java" typeface="Javanese Text"/>
+        <a:font script="Lisu" typeface="Segoe UI"/>
+        <a:font script="Mymr" typeface="Myanmar Text"/>
+        <a:font script="Nkoo" typeface="Ebrima"/>
+        <a:font script="Olck" typeface="Nirmala UI"/>
+        <a:font script="Osma" typeface="Ebrima"/>
+        <a:font script="Phag" typeface="Phagspa"/>
+        <a:font script="Syrn" typeface="Estrangelo Edessa"/>
+        <a:font script="Syrj" typeface="Estrangelo Edessa"/>
+        <a:font script="Syre" typeface="Estrangelo Edessa"/>
+        <a:font script="Sora" typeface="Nirmala UI"/>
+        <a:font script="Tale" typeface="Microsoft Tai Le"/>
+        <a:font script="Talu" typeface="Microsoft New Tai Lue"/>
+        <a:font script="Tfng" typeface="Ebrima"/>
+      </a:minorFont>
+    </a:fontScheme>
+    <a:fmtScheme name="Office">
+      <a:fillStyleLst>
+        <a:solidFill>
+          <a:schemeClr val="phClr"/>
+        </a:solidFill>
+        <a:gradFill rotWithShape="1">
+          <a:gsLst>
+            <a:gs pos="0">
+              <a:schemeClr val="phClr">
+                <a:lumMod val="110000"/>
+                <a:satMod val="105000"/>
+                <a:tint val="67000"/>
+              </a:schemeClr>
+            </a:gs>
+            <a:gs pos="50000">
+              <a:schemeClr val="phClr">
+                <a:lumMod val="105000"/>
+                <a:satMod val="103000"/>
+                <a:tint val="73000"/>
+              </a:schemeClr>
+            </a:gs>
+            <a:gs pos="100000">
+              <a:schemeClr val="phClr">
+                <a:lumMod val="105000"/>
+                <a:satMod val="109000"/>
+                <a:tint val="81000"/>
+              </a:schemeClr>
+            </a:gs>
+          </a:gsLst>
+          <a:lin ang="5400000" scaled="0"/>
+        </a:gradFill>
+        <a:gradFill rotWithShape="1">
+          <a:gsLst>
+            <a:gs pos="0">
+              <a:schemeClr val="phClr">
+                <a:satMod val="103000"/>
+                <a:lumMod val="102000"/>
+                <a:tint val="94000"/>
+              </a:schemeClr>
+            </a:gs>
+            <a:gs pos="50000">
+              <a:schemeClr val="phClr">
+                <a:satMod val="110000"/>
+                <a:lumMod val="100000"/>
+                <a:shade val="100000"/>
+              </a:schemeClr>
+            </a:gs>
+            <a:gs pos="100000">
+              <a:schemeClr val="phClr">
+                <a:lumMod val="99000"/>
+                <a:satMod val="120000"/>
+                <a:shade val="78000"/>
+              </a:schemeClr>
+            </a:gs>
+          </a:gsLst>
+          <a:lin ang="5400000" scaled="0"/>
+        </a:gradFill>
+      </a:fillStyleLst>
+      <a:lnStyleLst>
+        <a:ln w="12700" cap="flat" cmpd="sng" algn="ctr">
+          <a:solidFill>
+            <a:schemeClr val="phClr"/>
+          </a:solidFill>
+          <a:prstDash val="solid"/>
+          <a:miter lim="800000"/>
+        </a:ln>
+        <a:ln w="19050" cap="flat" cmpd="sng" algn="ctr">
+          <a:solidFill>
+            <a:schemeClr val="phClr"/>
+          </a:solidFill>
+          <a:prstDash val="solid"/>
+          <a:miter lim="800000"/>
+        </a:ln>
+        <a:ln w="25400" cap="flat" cmpd="sng" algn="ctr">
+          <a:solidFill>
+            <a:schemeClr val="phClr"/>
+          </a:solidFill>
+          <a:prstDash val="solid"/>
+          <a:miter lim="800000"/>
+        </a:ln>
+      </a:lnStyleLst>
+      <a:effectStyleLst>
+        <a:effectStyle>
+          <a:effectLst/>
+        </a:effectStyle>
+        <a:effectStyle>
+          <a:effectLst/>
+        </a:effectStyle>
+        <a:effectStyle>
+          <a:effectLst>
+            <a:outerShdw blurRad="57150" dist="19050" dir="5400000" algn="ctr" rotWithShape="0">
+              <a:srgbClr val="000000">
+                <a:alpha val="63000"/>
+              </a:srgbClr>
+            </a:outerShdw>
+          </a:effectLst>
+        </a:effectStyle>
+      </a:effectStyleLst>
+      <a:bgFillStyleLst>
+        <a:solidFill>
+          <a:schemeClr val="phClr"/>
+        </a:solidFill>
+        <a:solidFill>
+          <a:schemeClr val="phClr">
+            <a:tint val="95000"/>
+            <a:satMod val="170000"/>
+          </a:schemeClr>
+        </a:solidFill>
+        <a:gradFill rotWithShape="1">
+          <a:gsLst>
+            <a:gs pos="0">
+              <a:schemeClr val="phClr">
+                <a:tint val="93000"/>
+                <a:satMod val="150000"/>
+                <a:shade val="98000"/>
+                <a:lumMod val="102000"/>
+              </a:schemeClr>
+            </a:gs>
+            <a:gs pos="50000">
+              <a:schemeClr val="phClr">
+                <a:tint val="98000"/>
+                <a:satMod val="130000"/>
+                <a:shade val="90000"/>
+                <a:lumMod val="103000"/>
+              </a:schemeClr>
+            </a:gs>
+            <a:gs pos="100000">
+              <a:schemeClr val="phClr">
+                <a:shade val="63000"/>
+                <a:satMod val="120000"/>
+              </a:schemeClr>
+            </a:gs>
+          </a:gsLst>
+          <a:lin ang="5400000" scaled="0"/>
+        </a:gradFill>
+      </a:bgFillStyleLst>
+    </a:fmtScheme>
+  </a:themeElements>
+  <a:objectDefaults>
+    <a:lnDef>
+      <a:spPr/>
+      <a:bodyPr/>
+      <a:lstStyle/>
+      <a:style>
+        <a:lnRef idx="2">
+          <a:schemeClr val="accent1"/>
+        </a:lnRef>
+        <a:fillRef idx="0">
+          <a:schemeClr val="accent1"/>
+        </a:fillRef>
+        <a:effectRef idx="1">
+          <a:schemeClr val="accent1"/>
+        </a:effectRef>
+        <a:fontRef idx="minor">
+          <a:schemeClr val="tx1"/>
+        </a:fontRef>
+      </a:style>
+    </a:lnDef>
+  </a:objectDefaults>
+  <a:extraClrSchemeLst/>
+  <a:extLst>
+    <a:ext uri="{05A4C25C-085E-4340-85A3-A5531E510DB2}">
+      <thm15:themeFamily xmlns:thm15="http://schemas.microsoft.com/office/thememl/2012/main" name="Office Theme" id="{2E142A2C-CD16-42D6-873A-C26D2A0506FA}" vid="{1BDDFF52-6CD6-40A5-AB3C-68EB2F1E4D0A}"/>
+    </a:ext>
+  </a:extLst>
+</a:theme>
 </file>